--- a/E-Naira Hackathon.pptx
+++ b/E-Naira Hackathon.pptx
@@ -6,6 +6,10 @@
   </p:sldMasterIdLst>
   <p:sldIdLst>
     <p:sldId id="256" r:id="rId2"/>
+    <p:sldId id="258" r:id="rId3"/>
+    <p:sldId id="257" r:id="rId4"/>
+    <p:sldId id="259" r:id="rId5"/>
+    <p:sldId id="260" r:id="rId6"/>
   </p:sldIdLst>
   <p:sldSz cx="12192000" cy="6858000"/>
   <p:notesSz cx="6858000" cy="9144000"/>
@@ -104,7 +108,4186 @@
       </a:defRPr>
     </a:lvl9pPr>
   </p:defaultTextStyle>
+  <p:extLst>
+    <p:ext uri="{EFAFB233-063F-42B5-8137-9DF3F51BA10A}">
+      <p15:sldGuideLst xmlns:p15="http://schemas.microsoft.com/office/powerpoint/2012/main"/>
+    </p:ext>
+  </p:extLst>
 </p:presentation>
+</file>
+
+<file path=ppt/diagrams/colors1.xml><?xml version="1.0" encoding="utf-8"?>
+<dgm:colorsDef xmlns:dgm="http://schemas.openxmlformats.org/drawingml/2006/diagram" xmlns:a="http://schemas.openxmlformats.org/drawingml/2006/main" uniqueId="urn:microsoft.com/office/officeart/2018/5/colors/Iconchunking_neutralicon_colorful1">
+  <dgm:title val=""/>
+  <dgm:desc val=""/>
+  <dgm:catLst>
+    <dgm:cat type="colorful" pri="10100"/>
+  </dgm:catLst>
+  <dgm:styleLbl name="node0">
+    <dgm:fillClrLst meth="repeat">
+      <a:schemeClr val="accent1"/>
+    </dgm:fillClrLst>
+    <dgm:linClrLst meth="repeat">
+      <a:schemeClr val="lt1"/>
+    </dgm:linClrLst>
+    <dgm:effectClrLst/>
+    <dgm:txLinClrLst/>
+    <dgm:txFillClrLst/>
+    <dgm:txEffectClrLst/>
+  </dgm:styleLbl>
+  <dgm:styleLbl name="node1">
+    <dgm:fillClrLst meth="repeat">
+      <a:schemeClr val="bg1"/>
+    </dgm:fillClrLst>
+    <dgm:linClrLst meth="repeat">
+      <a:schemeClr val="lt1">
+        <a:alpha val="0"/>
+      </a:schemeClr>
+    </dgm:linClrLst>
+    <dgm:effectClrLst/>
+    <dgm:txLinClrLst/>
+    <dgm:txFillClrLst meth="repeat">
+      <a:schemeClr val="dk1"/>
+    </dgm:txFillClrLst>
+    <dgm:txEffectClrLst/>
+  </dgm:styleLbl>
+  <dgm:styleLbl name="alignNode1">
+    <dgm:fillClrLst meth="repeat">
+      <a:schemeClr val="accent2"/>
+      <a:schemeClr val="accent3"/>
+      <a:schemeClr val="accent4"/>
+      <a:schemeClr val="accent5"/>
+      <a:schemeClr val="accent6"/>
+    </dgm:fillClrLst>
+    <dgm:linClrLst meth="repeat">
+      <a:schemeClr val="accent2"/>
+      <a:schemeClr val="accent3"/>
+      <a:schemeClr val="accent4"/>
+      <a:schemeClr val="accent5"/>
+      <a:schemeClr val="accent6"/>
+    </dgm:linClrLst>
+    <dgm:effectClrLst/>
+    <dgm:txLinClrLst/>
+    <dgm:txFillClrLst/>
+    <dgm:txEffectClrLst/>
+  </dgm:styleLbl>
+  <dgm:styleLbl name="lnNode1">
+    <dgm:fillClrLst meth="repeat">
+      <a:schemeClr val="accent2"/>
+      <a:schemeClr val="accent3"/>
+      <a:schemeClr val="accent4"/>
+      <a:schemeClr val="accent5"/>
+      <a:schemeClr val="accent6"/>
+    </dgm:fillClrLst>
+    <dgm:linClrLst meth="repeat">
+      <a:schemeClr val="lt1"/>
+    </dgm:linClrLst>
+    <dgm:effectClrLst/>
+    <dgm:txLinClrLst/>
+    <dgm:txFillClrLst/>
+    <dgm:txEffectClrLst/>
+  </dgm:styleLbl>
+  <dgm:styleLbl name="vennNode1">
+    <dgm:fillClrLst meth="repeat">
+      <a:schemeClr val="accent2">
+        <a:alpha val="50000"/>
+      </a:schemeClr>
+      <a:schemeClr val="accent3">
+        <a:alpha val="50000"/>
+      </a:schemeClr>
+      <a:schemeClr val="accent4">
+        <a:alpha val="50000"/>
+      </a:schemeClr>
+      <a:schemeClr val="accent5">
+        <a:alpha val="50000"/>
+      </a:schemeClr>
+      <a:schemeClr val="accent6">
+        <a:alpha val="50000"/>
+      </a:schemeClr>
+    </dgm:fillClrLst>
+    <dgm:linClrLst meth="repeat">
+      <a:schemeClr val="lt1"/>
+    </dgm:linClrLst>
+    <dgm:effectClrLst/>
+    <dgm:txLinClrLst/>
+    <dgm:txFillClrLst/>
+    <dgm:txEffectClrLst/>
+  </dgm:styleLbl>
+  <dgm:styleLbl name="node2">
+    <dgm:fillClrLst>
+      <a:schemeClr val="accent2"/>
+    </dgm:fillClrLst>
+    <dgm:linClrLst meth="repeat">
+      <a:schemeClr val="lt1"/>
+    </dgm:linClrLst>
+    <dgm:effectClrLst/>
+    <dgm:txLinClrLst/>
+    <dgm:txFillClrLst/>
+    <dgm:txEffectClrLst/>
+  </dgm:styleLbl>
+  <dgm:styleLbl name="node3">
+    <dgm:fillClrLst>
+      <a:schemeClr val="accent3"/>
+    </dgm:fillClrLst>
+    <dgm:linClrLst meth="repeat">
+      <a:schemeClr val="lt1"/>
+    </dgm:linClrLst>
+    <dgm:effectClrLst/>
+    <dgm:txLinClrLst/>
+    <dgm:txFillClrLst/>
+    <dgm:txEffectClrLst/>
+  </dgm:styleLbl>
+  <dgm:styleLbl name="node4">
+    <dgm:fillClrLst>
+      <a:schemeClr val="accent4"/>
+    </dgm:fillClrLst>
+    <dgm:linClrLst meth="repeat">
+      <a:schemeClr val="lt1"/>
+    </dgm:linClrLst>
+    <dgm:effectClrLst/>
+    <dgm:txLinClrLst/>
+    <dgm:txFillClrLst/>
+    <dgm:txEffectClrLst/>
+  </dgm:styleLbl>
+  <dgm:styleLbl name="fgImgPlace1">
+    <dgm:fillClrLst meth="repeat">
+      <a:schemeClr val="accent2">
+        <a:tint val="50000"/>
+      </a:schemeClr>
+      <a:schemeClr val="accent3">
+        <a:tint val="50000"/>
+      </a:schemeClr>
+      <a:schemeClr val="accent4">
+        <a:tint val="50000"/>
+      </a:schemeClr>
+      <a:schemeClr val="accent5">
+        <a:tint val="50000"/>
+      </a:schemeClr>
+      <a:schemeClr val="accent6">
+        <a:tint val="50000"/>
+      </a:schemeClr>
+    </dgm:fillClrLst>
+    <dgm:linClrLst meth="repeat">
+      <a:schemeClr val="lt1"/>
+    </dgm:linClrLst>
+    <dgm:effectClrLst/>
+    <dgm:txLinClrLst/>
+    <dgm:txFillClrLst meth="repeat">
+      <a:schemeClr val="lt1"/>
+    </dgm:txFillClrLst>
+    <dgm:txEffectClrLst/>
+  </dgm:styleLbl>
+  <dgm:styleLbl name="alignImgPlace1">
+    <dgm:fillClrLst>
+      <a:schemeClr val="accent1">
+        <a:tint val="50000"/>
+      </a:schemeClr>
+      <a:schemeClr val="accent2">
+        <a:tint val="20000"/>
+      </a:schemeClr>
+    </dgm:fillClrLst>
+    <dgm:linClrLst meth="repeat">
+      <a:schemeClr val="lt1"/>
+    </dgm:linClrLst>
+    <dgm:effectClrLst/>
+    <dgm:txLinClrLst/>
+    <dgm:txFillClrLst meth="repeat">
+      <a:schemeClr val="lt1"/>
+    </dgm:txFillClrLst>
+    <dgm:txEffectClrLst/>
+  </dgm:styleLbl>
+  <dgm:styleLbl name="bgImgPlace1">
+    <dgm:fillClrLst>
+      <a:schemeClr val="accent1">
+        <a:tint val="50000"/>
+      </a:schemeClr>
+      <a:schemeClr val="accent2">
+        <a:tint val="20000"/>
+      </a:schemeClr>
+    </dgm:fillClrLst>
+    <dgm:linClrLst meth="repeat">
+      <a:schemeClr val="lt1"/>
+    </dgm:linClrLst>
+    <dgm:effectClrLst/>
+    <dgm:txLinClrLst/>
+    <dgm:txFillClrLst meth="repeat">
+      <a:schemeClr val="lt1"/>
+    </dgm:txFillClrLst>
+    <dgm:txEffectClrLst/>
+  </dgm:styleLbl>
+  <dgm:styleLbl name="sibTrans2D1">
+    <dgm:fillClrLst meth="repeat">
+      <a:schemeClr val="accent2"/>
+      <a:schemeClr val="accent3"/>
+      <a:schemeClr val="accent4"/>
+      <a:schemeClr val="accent5"/>
+      <a:schemeClr val="accent6"/>
+    </dgm:fillClrLst>
+    <dgm:linClrLst meth="cycle">
+      <a:schemeClr val="lt1"/>
+    </dgm:linClrLst>
+    <dgm:effectClrLst/>
+    <dgm:txLinClrLst/>
+    <dgm:txFillClrLst/>
+    <dgm:txEffectClrLst/>
+  </dgm:styleLbl>
+  <dgm:styleLbl name="fgSibTrans2D1">
+    <dgm:fillClrLst meth="repeat">
+      <a:schemeClr val="accent2"/>
+      <a:schemeClr val="accent3"/>
+      <a:schemeClr val="accent4"/>
+      <a:schemeClr val="accent5"/>
+      <a:schemeClr val="accent6"/>
+    </dgm:fillClrLst>
+    <dgm:linClrLst meth="cycle">
+      <a:schemeClr val="lt1"/>
+    </dgm:linClrLst>
+    <dgm:effectClrLst/>
+    <dgm:txLinClrLst/>
+    <dgm:txFillClrLst meth="repeat">
+      <a:schemeClr val="lt1"/>
+    </dgm:txFillClrLst>
+    <dgm:txEffectClrLst/>
+  </dgm:styleLbl>
+  <dgm:styleLbl name="bgSibTrans2D1">
+    <dgm:fillClrLst meth="repeat">
+      <a:schemeClr val="accent2"/>
+      <a:schemeClr val="accent3"/>
+      <a:schemeClr val="accent4"/>
+      <a:schemeClr val="accent5"/>
+      <a:schemeClr val="accent6"/>
+    </dgm:fillClrLst>
+    <dgm:linClrLst meth="cycle">
+      <a:schemeClr val="lt1"/>
+    </dgm:linClrLst>
+    <dgm:effectClrLst/>
+    <dgm:txLinClrLst/>
+    <dgm:txFillClrLst meth="repeat">
+      <a:schemeClr val="lt1"/>
+    </dgm:txFillClrLst>
+    <dgm:txEffectClrLst/>
+  </dgm:styleLbl>
+  <dgm:styleLbl name="sibTrans1D1">
+    <dgm:fillClrLst meth="repeat">
+      <a:schemeClr val="accent2"/>
+      <a:schemeClr val="accent3"/>
+      <a:schemeClr val="accent4"/>
+      <a:schemeClr val="accent5"/>
+      <a:schemeClr val="accent6"/>
+    </dgm:fillClrLst>
+    <dgm:linClrLst meth="repeat">
+      <a:schemeClr val="accent2"/>
+      <a:schemeClr val="accent3"/>
+      <a:schemeClr val="accent4"/>
+      <a:schemeClr val="accent5"/>
+      <a:schemeClr val="accent6"/>
+    </dgm:linClrLst>
+    <dgm:effectClrLst/>
+    <dgm:txLinClrLst/>
+    <dgm:txFillClrLst meth="repeat">
+      <a:schemeClr val="tx1"/>
+    </dgm:txFillClrLst>
+    <dgm:txEffectClrLst/>
+  </dgm:styleLbl>
+  <dgm:styleLbl name="callout">
+    <dgm:fillClrLst meth="repeat">
+      <a:schemeClr val="accent2"/>
+    </dgm:fillClrLst>
+    <dgm:linClrLst meth="repeat">
+      <a:schemeClr val="accent2">
+        <a:tint val="50000"/>
+      </a:schemeClr>
+    </dgm:linClrLst>
+    <dgm:effectClrLst/>
+    <dgm:txLinClrLst/>
+    <dgm:txFillClrLst meth="repeat">
+      <a:schemeClr val="tx1"/>
+    </dgm:txFillClrLst>
+    <dgm:txEffectClrLst/>
+  </dgm:styleLbl>
+  <dgm:styleLbl name="asst0">
+    <dgm:fillClrLst meth="repeat">
+      <a:schemeClr val="accent1"/>
+    </dgm:fillClrLst>
+    <dgm:linClrLst meth="repeat">
+      <a:schemeClr val="lt1"/>
+    </dgm:linClrLst>
+    <dgm:effectClrLst/>
+    <dgm:txLinClrLst/>
+    <dgm:txFillClrLst/>
+    <dgm:txEffectClrLst/>
+  </dgm:styleLbl>
+  <dgm:styleLbl name="asst1">
+    <dgm:fillClrLst meth="repeat">
+      <a:schemeClr val="accent2"/>
+    </dgm:fillClrLst>
+    <dgm:linClrLst meth="repeat">
+      <a:schemeClr val="lt1"/>
+    </dgm:linClrLst>
+    <dgm:effectClrLst/>
+    <dgm:txLinClrLst/>
+    <dgm:txFillClrLst/>
+    <dgm:txEffectClrLst/>
+  </dgm:styleLbl>
+  <dgm:styleLbl name="asst2">
+    <dgm:fillClrLst>
+      <a:schemeClr val="accent3"/>
+    </dgm:fillClrLst>
+    <dgm:linClrLst meth="repeat">
+      <a:schemeClr val="lt1"/>
+    </dgm:linClrLst>
+    <dgm:effectClrLst/>
+    <dgm:txLinClrLst/>
+    <dgm:txFillClrLst/>
+    <dgm:txEffectClrLst/>
+  </dgm:styleLbl>
+  <dgm:styleLbl name="asst3">
+    <dgm:fillClrLst>
+      <a:schemeClr val="accent4"/>
+    </dgm:fillClrLst>
+    <dgm:linClrLst meth="repeat">
+      <a:schemeClr val="lt1"/>
+    </dgm:linClrLst>
+    <dgm:effectClrLst/>
+    <dgm:txLinClrLst/>
+    <dgm:txFillClrLst/>
+    <dgm:txEffectClrLst/>
+  </dgm:styleLbl>
+  <dgm:styleLbl name="asst4">
+    <dgm:fillClrLst>
+      <a:schemeClr val="accent5"/>
+    </dgm:fillClrLst>
+    <dgm:linClrLst meth="repeat">
+      <a:schemeClr val="lt1"/>
+    </dgm:linClrLst>
+    <dgm:effectClrLst/>
+    <dgm:txLinClrLst/>
+    <dgm:txFillClrLst/>
+    <dgm:txEffectClrLst/>
+  </dgm:styleLbl>
+  <dgm:styleLbl name="parChTrans2D1">
+    <dgm:fillClrLst meth="repeat">
+      <a:schemeClr val="accent2"/>
+    </dgm:fillClrLst>
+    <dgm:linClrLst meth="repeat">
+      <a:schemeClr val="lt1"/>
+    </dgm:linClrLst>
+    <dgm:effectClrLst/>
+    <dgm:txLinClrLst/>
+    <dgm:txFillClrLst meth="repeat">
+      <a:schemeClr val="lt1"/>
+    </dgm:txFillClrLst>
+    <dgm:txEffectClrLst/>
+  </dgm:styleLbl>
+  <dgm:styleLbl name="parChTrans2D2">
+    <dgm:fillClrLst meth="repeat">
+      <a:schemeClr val="accent3"/>
+    </dgm:fillClrLst>
+    <dgm:linClrLst meth="repeat">
+      <a:schemeClr val="lt1"/>
+    </dgm:linClrLst>
+    <dgm:effectClrLst/>
+    <dgm:txLinClrLst/>
+    <dgm:txFillClrLst/>
+    <dgm:txEffectClrLst/>
+  </dgm:styleLbl>
+  <dgm:styleLbl name="parChTrans2D3">
+    <dgm:fillClrLst meth="repeat">
+      <a:schemeClr val="accent4"/>
+    </dgm:fillClrLst>
+    <dgm:linClrLst meth="repeat">
+      <a:schemeClr val="lt1"/>
+    </dgm:linClrLst>
+    <dgm:effectClrLst/>
+    <dgm:txLinClrLst/>
+    <dgm:txFillClrLst/>
+    <dgm:txEffectClrLst/>
+  </dgm:styleLbl>
+  <dgm:styleLbl name="parChTrans2D4">
+    <dgm:fillClrLst meth="repeat">
+      <a:schemeClr val="accent5"/>
+    </dgm:fillClrLst>
+    <dgm:linClrLst meth="repeat">
+      <a:schemeClr val="lt1"/>
+    </dgm:linClrLst>
+    <dgm:effectClrLst/>
+    <dgm:txLinClrLst/>
+    <dgm:txFillClrLst meth="repeat">
+      <a:schemeClr val="lt1"/>
+    </dgm:txFillClrLst>
+    <dgm:txEffectClrLst/>
+  </dgm:styleLbl>
+  <dgm:styleLbl name="parChTrans1D1">
+    <dgm:fillClrLst meth="repeat">
+      <a:schemeClr val="accent2"/>
+    </dgm:fillClrLst>
+    <dgm:linClrLst meth="repeat">
+      <a:schemeClr val="accent1"/>
+    </dgm:linClrLst>
+    <dgm:effectClrLst/>
+    <dgm:txLinClrLst/>
+    <dgm:txFillClrLst meth="repeat">
+      <a:schemeClr val="tx1"/>
+    </dgm:txFillClrLst>
+    <dgm:txEffectClrLst/>
+  </dgm:styleLbl>
+  <dgm:styleLbl name="parChTrans1D2">
+    <dgm:fillClrLst meth="repeat">
+      <a:schemeClr val="accent3">
+        <a:tint val="90000"/>
+      </a:schemeClr>
+    </dgm:fillClrLst>
+    <dgm:linClrLst meth="repeat">
+      <a:schemeClr val="accent2"/>
+    </dgm:linClrLst>
+    <dgm:effectClrLst/>
+    <dgm:txLinClrLst/>
+    <dgm:txFillClrLst meth="repeat">
+      <a:schemeClr val="tx1"/>
+    </dgm:txFillClrLst>
+    <dgm:txEffectClrLst/>
+  </dgm:styleLbl>
+  <dgm:styleLbl name="parChTrans1D3">
+    <dgm:fillClrLst meth="repeat">
+      <a:schemeClr val="accent4">
+        <a:tint val="70000"/>
+      </a:schemeClr>
+    </dgm:fillClrLst>
+    <dgm:linClrLst meth="repeat">
+      <a:schemeClr val="accent3"/>
+    </dgm:linClrLst>
+    <dgm:effectClrLst/>
+    <dgm:txLinClrLst/>
+    <dgm:txFillClrLst meth="repeat">
+      <a:schemeClr val="tx1"/>
+    </dgm:txFillClrLst>
+    <dgm:txEffectClrLst/>
+  </dgm:styleLbl>
+  <dgm:styleLbl name="parChTrans1D4">
+    <dgm:fillClrLst meth="repeat">
+      <a:schemeClr val="accent5">
+        <a:tint val="50000"/>
+      </a:schemeClr>
+    </dgm:fillClrLst>
+    <dgm:linClrLst meth="repeat">
+      <a:schemeClr val="accent4"/>
+    </dgm:linClrLst>
+    <dgm:effectClrLst/>
+    <dgm:txLinClrLst/>
+    <dgm:txFillClrLst meth="repeat">
+      <a:schemeClr val="tx1"/>
+    </dgm:txFillClrLst>
+    <dgm:txEffectClrLst/>
+  </dgm:styleLbl>
+  <dgm:styleLbl name="fgAcc1">
+    <dgm:fillClrLst meth="repeat">
+      <a:schemeClr val="lt1">
+        <a:alpha val="90000"/>
+      </a:schemeClr>
+    </dgm:fillClrLst>
+    <dgm:linClrLst meth="repeat">
+      <a:schemeClr val="accent2"/>
+      <a:schemeClr val="accent3"/>
+      <a:schemeClr val="accent4"/>
+      <a:schemeClr val="accent5"/>
+      <a:schemeClr val="accent6"/>
+    </dgm:linClrLst>
+    <dgm:effectClrLst/>
+    <dgm:txLinClrLst/>
+    <dgm:txFillClrLst meth="repeat">
+      <a:schemeClr val="dk1"/>
+    </dgm:txFillClrLst>
+    <dgm:txEffectClrLst/>
+  </dgm:styleLbl>
+  <dgm:styleLbl name="conFgAcc1">
+    <dgm:fillClrLst meth="repeat">
+      <a:schemeClr val="lt1">
+        <a:alpha val="90000"/>
+      </a:schemeClr>
+    </dgm:fillClrLst>
+    <dgm:linClrLst meth="repeat">
+      <a:schemeClr val="accent2"/>
+      <a:schemeClr val="accent3"/>
+      <a:schemeClr val="accent4"/>
+      <a:schemeClr val="accent5"/>
+      <a:schemeClr val="accent6"/>
+    </dgm:linClrLst>
+    <dgm:effectClrLst/>
+    <dgm:txLinClrLst/>
+    <dgm:txFillClrLst meth="repeat">
+      <a:schemeClr val="dk1"/>
+    </dgm:txFillClrLst>
+    <dgm:txEffectClrLst/>
+  </dgm:styleLbl>
+  <dgm:styleLbl name="alignAcc1">
+    <dgm:fillClrLst meth="repeat">
+      <a:schemeClr val="lt1">
+        <a:alpha val="90000"/>
+      </a:schemeClr>
+    </dgm:fillClrLst>
+    <dgm:linClrLst meth="repeat">
+      <a:schemeClr val="accent2"/>
+      <a:schemeClr val="accent3"/>
+      <a:schemeClr val="accent4"/>
+      <a:schemeClr val="accent5"/>
+      <a:schemeClr val="accent6"/>
+    </dgm:linClrLst>
+    <dgm:effectClrLst/>
+    <dgm:txLinClrLst/>
+    <dgm:txFillClrLst meth="repeat">
+      <a:schemeClr val="dk1"/>
+    </dgm:txFillClrLst>
+    <dgm:txEffectClrLst/>
+  </dgm:styleLbl>
+  <dgm:styleLbl name="trAlignAcc1">
+    <dgm:fillClrLst meth="repeat">
+      <a:schemeClr val="lt1">
+        <a:alpha val="40000"/>
+      </a:schemeClr>
+    </dgm:fillClrLst>
+    <dgm:linClrLst meth="repeat">
+      <a:schemeClr val="accent1"/>
+    </dgm:linClrLst>
+    <dgm:effectClrLst/>
+    <dgm:txLinClrLst/>
+    <dgm:txFillClrLst meth="repeat">
+      <a:schemeClr val="dk1"/>
+    </dgm:txFillClrLst>
+    <dgm:txEffectClrLst/>
+  </dgm:styleLbl>
+  <dgm:styleLbl name="bgAcc1">
+    <dgm:fillClrLst meth="repeat">
+      <a:schemeClr val="lt1">
+        <a:alpha val="90000"/>
+      </a:schemeClr>
+    </dgm:fillClrLst>
+    <dgm:linClrLst meth="repeat">
+      <a:schemeClr val="accent2"/>
+      <a:schemeClr val="accent3"/>
+      <a:schemeClr val="accent4"/>
+      <a:schemeClr val="accent5"/>
+      <a:schemeClr val="accent6"/>
+    </dgm:linClrLst>
+    <dgm:effectClrLst/>
+    <dgm:txLinClrLst/>
+    <dgm:txFillClrLst meth="repeat">
+      <a:schemeClr val="dk1"/>
+    </dgm:txFillClrLst>
+    <dgm:txEffectClrLst/>
+  </dgm:styleLbl>
+  <dgm:styleLbl name="solidFgAcc1">
+    <dgm:fillClrLst meth="repeat">
+      <a:schemeClr val="lt1"/>
+    </dgm:fillClrLst>
+    <dgm:linClrLst meth="repeat">
+      <a:schemeClr val="accent2"/>
+      <a:schemeClr val="accent3"/>
+      <a:schemeClr val="accent4"/>
+      <a:schemeClr val="accent5"/>
+      <a:schemeClr val="accent6"/>
+    </dgm:linClrLst>
+    <dgm:effectClrLst/>
+    <dgm:txLinClrLst/>
+    <dgm:txFillClrLst meth="repeat">
+      <a:schemeClr val="dk1"/>
+    </dgm:txFillClrLst>
+    <dgm:txEffectClrLst/>
+  </dgm:styleLbl>
+  <dgm:styleLbl name="solidAlignAcc1">
+    <dgm:fillClrLst meth="repeat">
+      <a:schemeClr val="lt1"/>
+    </dgm:fillClrLst>
+    <dgm:linClrLst meth="repeat">
+      <a:schemeClr val="accent2"/>
+      <a:schemeClr val="accent3"/>
+      <a:schemeClr val="accent4"/>
+      <a:schemeClr val="accent5"/>
+      <a:schemeClr val="accent6"/>
+    </dgm:linClrLst>
+    <dgm:effectClrLst/>
+    <dgm:txLinClrLst/>
+    <dgm:txFillClrLst meth="repeat">
+      <a:schemeClr val="dk1"/>
+    </dgm:txFillClrLst>
+    <dgm:txEffectClrLst/>
+  </dgm:styleLbl>
+  <dgm:styleLbl name="solidBgAcc1">
+    <dgm:fillClrLst meth="repeat">
+      <a:schemeClr val="lt1"/>
+    </dgm:fillClrLst>
+    <dgm:linClrLst meth="repeat">
+      <a:schemeClr val="accent2"/>
+      <a:schemeClr val="accent3"/>
+      <a:schemeClr val="accent4"/>
+      <a:schemeClr val="accent5"/>
+      <a:schemeClr val="accent6"/>
+    </dgm:linClrLst>
+    <dgm:effectClrLst/>
+    <dgm:txLinClrLst/>
+    <dgm:txFillClrLst meth="repeat">
+      <a:schemeClr val="dk1"/>
+    </dgm:txFillClrLst>
+    <dgm:txEffectClrLst/>
+  </dgm:styleLbl>
+  <dgm:styleLbl name="fgAccFollowNode1">
+    <dgm:fillClrLst meth="repeat">
+      <a:schemeClr val="accent2">
+        <a:tint val="40000"/>
+        <a:alpha val="90000"/>
+      </a:schemeClr>
+      <a:schemeClr val="accent3">
+        <a:tint val="40000"/>
+        <a:alpha val="90000"/>
+      </a:schemeClr>
+      <a:schemeClr val="accent4">
+        <a:tint val="40000"/>
+        <a:alpha val="90000"/>
+      </a:schemeClr>
+      <a:schemeClr val="accent5">
+        <a:tint val="40000"/>
+        <a:alpha val="90000"/>
+      </a:schemeClr>
+      <a:schemeClr val="accent6">
+        <a:tint val="40000"/>
+        <a:alpha val="90000"/>
+      </a:schemeClr>
+    </dgm:fillClrLst>
+    <dgm:linClrLst meth="repeat">
+      <a:schemeClr val="accent2">
+        <a:tint val="40000"/>
+        <a:alpha val="90000"/>
+      </a:schemeClr>
+      <a:schemeClr val="accent3">
+        <a:tint val="40000"/>
+        <a:alpha val="90000"/>
+      </a:schemeClr>
+      <a:schemeClr val="accent4">
+        <a:tint val="40000"/>
+        <a:alpha val="90000"/>
+      </a:schemeClr>
+      <a:schemeClr val="accent5">
+        <a:tint val="40000"/>
+        <a:alpha val="90000"/>
+      </a:schemeClr>
+      <a:schemeClr val="accent6">
+        <a:tint val="40000"/>
+        <a:alpha val="90000"/>
+      </a:schemeClr>
+    </dgm:linClrLst>
+    <dgm:effectClrLst/>
+    <dgm:txLinClrLst/>
+    <dgm:txFillClrLst meth="repeat">
+      <a:schemeClr val="dk1"/>
+    </dgm:txFillClrLst>
+    <dgm:txEffectClrLst/>
+  </dgm:styleLbl>
+  <dgm:styleLbl name="alignAccFollowNode1">
+    <dgm:fillClrLst meth="repeat">
+      <a:schemeClr val="accent2">
+        <a:tint val="40000"/>
+        <a:alpha val="90000"/>
+      </a:schemeClr>
+      <a:schemeClr val="accent3">
+        <a:tint val="40000"/>
+        <a:alpha val="90000"/>
+      </a:schemeClr>
+      <a:schemeClr val="accent4">
+        <a:tint val="40000"/>
+        <a:alpha val="90000"/>
+      </a:schemeClr>
+      <a:schemeClr val="accent5">
+        <a:tint val="40000"/>
+        <a:alpha val="90000"/>
+      </a:schemeClr>
+      <a:schemeClr val="accent6">
+        <a:tint val="40000"/>
+        <a:alpha val="90000"/>
+      </a:schemeClr>
+    </dgm:fillClrLst>
+    <dgm:linClrLst meth="repeat">
+      <a:schemeClr val="accent2">
+        <a:tint val="40000"/>
+        <a:alpha val="90000"/>
+      </a:schemeClr>
+      <a:schemeClr val="accent3">
+        <a:tint val="40000"/>
+        <a:alpha val="90000"/>
+      </a:schemeClr>
+      <a:schemeClr val="accent4">
+        <a:tint val="40000"/>
+        <a:alpha val="90000"/>
+      </a:schemeClr>
+      <a:schemeClr val="accent5">
+        <a:tint val="40000"/>
+        <a:alpha val="90000"/>
+      </a:schemeClr>
+      <a:schemeClr val="accent6">
+        <a:tint val="40000"/>
+        <a:alpha val="90000"/>
+      </a:schemeClr>
+    </dgm:linClrLst>
+    <dgm:effectClrLst/>
+    <dgm:txLinClrLst/>
+    <dgm:txFillClrLst meth="repeat">
+      <a:schemeClr val="dk1"/>
+    </dgm:txFillClrLst>
+    <dgm:txEffectClrLst/>
+  </dgm:styleLbl>
+  <dgm:styleLbl name="bgAccFollowNode1">
+    <dgm:fillClrLst meth="repeat">
+      <a:schemeClr val="accent2">
+        <a:tint val="40000"/>
+        <a:alpha val="90000"/>
+      </a:schemeClr>
+      <a:schemeClr val="accent3">
+        <a:tint val="40000"/>
+        <a:alpha val="90000"/>
+      </a:schemeClr>
+      <a:schemeClr val="accent4">
+        <a:tint val="40000"/>
+        <a:alpha val="90000"/>
+      </a:schemeClr>
+      <a:schemeClr val="accent5">
+        <a:tint val="40000"/>
+        <a:alpha val="90000"/>
+      </a:schemeClr>
+      <a:schemeClr val="accent6">
+        <a:tint val="40000"/>
+        <a:alpha val="90000"/>
+      </a:schemeClr>
+    </dgm:fillClrLst>
+    <dgm:linClrLst meth="repeat">
+      <a:schemeClr val="accent2">
+        <a:tint val="40000"/>
+        <a:alpha val="90000"/>
+      </a:schemeClr>
+      <a:schemeClr val="accent3">
+        <a:tint val="40000"/>
+        <a:alpha val="90000"/>
+      </a:schemeClr>
+      <a:schemeClr val="accent4">
+        <a:tint val="40000"/>
+        <a:alpha val="90000"/>
+      </a:schemeClr>
+      <a:schemeClr val="accent5">
+        <a:tint val="40000"/>
+        <a:alpha val="90000"/>
+      </a:schemeClr>
+      <a:schemeClr val="accent6">
+        <a:tint val="40000"/>
+        <a:alpha val="90000"/>
+      </a:schemeClr>
+    </dgm:linClrLst>
+    <dgm:effectClrLst/>
+    <dgm:txLinClrLst/>
+    <dgm:txFillClrLst meth="repeat">
+      <a:schemeClr val="dk1"/>
+    </dgm:txFillClrLst>
+    <dgm:txEffectClrLst/>
+  </dgm:styleLbl>
+  <dgm:styleLbl name="fgAcc0">
+    <dgm:fillClrLst meth="repeat">
+      <a:schemeClr val="lt1">
+        <a:alpha val="90000"/>
+      </a:schemeClr>
+    </dgm:fillClrLst>
+    <dgm:linClrLst>
+      <a:schemeClr val="accent1"/>
+    </dgm:linClrLst>
+    <dgm:effectClrLst/>
+    <dgm:txLinClrLst/>
+    <dgm:txFillClrLst meth="repeat">
+      <a:schemeClr val="dk1"/>
+    </dgm:txFillClrLst>
+    <dgm:txEffectClrLst/>
+  </dgm:styleLbl>
+  <dgm:styleLbl name="fgAcc2">
+    <dgm:fillClrLst meth="repeat">
+      <a:schemeClr val="lt1">
+        <a:alpha val="90000"/>
+      </a:schemeClr>
+    </dgm:fillClrLst>
+    <dgm:linClrLst>
+      <a:schemeClr val="accent2"/>
+    </dgm:linClrLst>
+    <dgm:effectClrLst/>
+    <dgm:txLinClrLst/>
+    <dgm:txFillClrLst meth="repeat">
+      <a:schemeClr val="dk1"/>
+    </dgm:txFillClrLst>
+    <dgm:txEffectClrLst/>
+  </dgm:styleLbl>
+  <dgm:styleLbl name="fgAcc3">
+    <dgm:fillClrLst meth="repeat">
+      <a:schemeClr val="lt1">
+        <a:alpha val="90000"/>
+      </a:schemeClr>
+    </dgm:fillClrLst>
+    <dgm:linClrLst>
+      <a:schemeClr val="accent3"/>
+    </dgm:linClrLst>
+    <dgm:effectClrLst/>
+    <dgm:txLinClrLst/>
+    <dgm:txFillClrLst meth="repeat">
+      <a:schemeClr val="dk1"/>
+    </dgm:txFillClrLst>
+    <dgm:txEffectClrLst/>
+  </dgm:styleLbl>
+  <dgm:styleLbl name="fgAcc4">
+    <dgm:fillClrLst meth="repeat">
+      <a:schemeClr val="lt1">
+        <a:alpha val="90000"/>
+      </a:schemeClr>
+    </dgm:fillClrLst>
+    <dgm:linClrLst>
+      <a:schemeClr val="accent4"/>
+    </dgm:linClrLst>
+    <dgm:effectClrLst/>
+    <dgm:txLinClrLst/>
+    <dgm:txFillClrLst meth="repeat">
+      <a:schemeClr val="dk1"/>
+    </dgm:txFillClrLst>
+    <dgm:txEffectClrLst/>
+  </dgm:styleLbl>
+  <dgm:styleLbl name="bgShp">
+    <dgm:fillClrLst meth="repeat">
+      <a:schemeClr val="accent2"/>
+      <a:schemeClr val="accent3"/>
+      <a:schemeClr val="accent4"/>
+      <a:schemeClr val="accent5"/>
+      <a:schemeClr val="accent6"/>
+    </dgm:fillClrLst>
+    <dgm:linClrLst meth="repeat">
+      <a:schemeClr val="lt1">
+        <a:alpha val="0"/>
+      </a:schemeClr>
+    </dgm:linClrLst>
+    <dgm:effectClrLst/>
+    <dgm:txLinClrLst/>
+    <dgm:txFillClrLst/>
+    <dgm:txEffectClrLst/>
+  </dgm:styleLbl>
+  <dgm:styleLbl name="dkBgShp">
+    <dgm:fillClrLst meth="repeat">
+      <a:schemeClr val="accent2">
+        <a:shade val="90000"/>
+      </a:schemeClr>
+    </dgm:fillClrLst>
+    <dgm:linClrLst meth="repeat">
+      <a:schemeClr val="dk1"/>
+    </dgm:linClrLst>
+    <dgm:effectClrLst/>
+    <dgm:txLinClrLst/>
+    <dgm:txFillClrLst meth="repeat">
+      <a:schemeClr val="lt1"/>
+    </dgm:txFillClrLst>
+    <dgm:txEffectClrLst/>
+  </dgm:styleLbl>
+  <dgm:styleLbl name="trBgShp">
+    <dgm:fillClrLst meth="repeat">
+      <a:schemeClr val="accent1">
+        <a:tint val="50000"/>
+        <a:alpha val="40000"/>
+      </a:schemeClr>
+    </dgm:fillClrLst>
+    <dgm:linClrLst meth="repeat">
+      <a:schemeClr val="accent2"/>
+    </dgm:linClrLst>
+    <dgm:effectClrLst/>
+    <dgm:txLinClrLst/>
+    <dgm:txFillClrLst meth="repeat">
+      <a:schemeClr val="lt1"/>
+    </dgm:txFillClrLst>
+    <dgm:txEffectClrLst/>
+  </dgm:styleLbl>
+  <dgm:styleLbl name="fgShp">
+    <dgm:fillClrLst meth="repeat">
+      <a:schemeClr val="accent2">
+        <a:tint val="40000"/>
+      </a:schemeClr>
+    </dgm:fillClrLst>
+    <dgm:linClrLst meth="repeat">
+      <a:schemeClr val="lt1"/>
+    </dgm:linClrLst>
+    <dgm:effectClrLst/>
+    <dgm:txLinClrLst/>
+    <dgm:txFillClrLst meth="repeat">
+      <a:schemeClr val="dk1"/>
+    </dgm:txFillClrLst>
+    <dgm:txEffectClrLst/>
+  </dgm:styleLbl>
+  <dgm:styleLbl name="revTx">
+    <dgm:fillClrLst meth="repeat">
+      <a:schemeClr val="lt1">
+        <a:alpha val="0"/>
+      </a:schemeClr>
+    </dgm:fillClrLst>
+    <dgm:linClrLst meth="repeat">
+      <a:schemeClr val="dk1">
+        <a:alpha val="0"/>
+      </a:schemeClr>
+    </dgm:linClrLst>
+    <dgm:effectClrLst/>
+    <dgm:txLinClrLst/>
+    <dgm:txFillClrLst meth="repeat">
+      <a:schemeClr val="tx1"/>
+    </dgm:txFillClrLst>
+    <dgm:txEffectClrLst/>
+  </dgm:styleLbl>
+</dgm:colorsDef>
+</file>
+
+<file path=ppt/diagrams/data1.xml><?xml version="1.0" encoding="utf-8"?>
+<dgm:dataModel xmlns:dgm="http://schemas.openxmlformats.org/drawingml/2006/diagram" xmlns:a="http://schemas.openxmlformats.org/drawingml/2006/main">
+  <dgm:ptLst>
+    <dgm:pt modelId="{43A98CD2-DB51-4019-80F1-D88FB69ABAF6}" type="doc">
+      <dgm:prSet loTypeId="urn:microsoft.com/office/officeart/2018/2/layout/IconCircleList" loCatId="icon" qsTypeId="urn:microsoft.com/office/officeart/2005/8/quickstyle/simple5" qsCatId="simple" csTypeId="urn:microsoft.com/office/officeart/2018/5/colors/Iconchunking_neutralicon_colorful1" csCatId="colorful" phldr="1"/>
+      <dgm:spPr/>
+      <dgm:t>
+        <a:bodyPr/>
+        <a:lstStyle/>
+        <a:p>
+          <a:endParaRPr lang="en-US"/>
+        </a:p>
+      </dgm:t>
+    </dgm:pt>
+    <dgm:pt modelId="{3429FDF2-E9A1-420D-BDD9-D65DABD82855}">
+      <dgm:prSet/>
+      <dgm:spPr/>
+      <dgm:t>
+        <a:bodyPr/>
+        <a:lstStyle/>
+        <a:p>
+          <a:pPr>
+            <a:lnSpc>
+              <a:spcPct val="100000"/>
+            </a:lnSpc>
+          </a:pPr>
+          <a:r>
+            <a:rPr lang="en-US" dirty="0"/>
+            <a:t>To create a working form of </a:t>
+          </a:r>
+          <a:r>
+            <a:rPr lang="en-US" dirty="0" err="1"/>
+            <a:t>eToken</a:t>
+          </a:r>
+          <a:r>
+            <a:rPr lang="en-US" dirty="0"/>
+            <a:t> for avoiding…</a:t>
+          </a:r>
+        </a:p>
+      </dgm:t>
+    </dgm:pt>
+    <dgm:pt modelId="{F6847AAC-B18A-419F-A2EA-AB0012078F3A}" type="parTrans" cxnId="{826B59A1-6436-45CF-AD2D-D362D8B3655A}">
+      <dgm:prSet/>
+      <dgm:spPr/>
+      <dgm:t>
+        <a:bodyPr/>
+        <a:lstStyle/>
+        <a:p>
+          <a:endParaRPr lang="en-US"/>
+        </a:p>
+      </dgm:t>
+    </dgm:pt>
+    <dgm:pt modelId="{B8246FF7-E74B-4818-965C-6170A5D5AC53}" type="sibTrans" cxnId="{826B59A1-6436-45CF-AD2D-D362D8B3655A}">
+      <dgm:prSet/>
+      <dgm:spPr/>
+      <dgm:t>
+        <a:bodyPr/>
+        <a:lstStyle/>
+        <a:p>
+          <a:pPr>
+            <a:lnSpc>
+              <a:spcPct val="100000"/>
+            </a:lnSpc>
+          </a:pPr>
+          <a:endParaRPr lang="en-US"/>
+        </a:p>
+      </dgm:t>
+    </dgm:pt>
+    <dgm:pt modelId="{7BD8B807-6F91-474E-BE95-0F139B9073D8}">
+      <dgm:prSet/>
+      <dgm:spPr/>
+      <dgm:t>
+        <a:bodyPr/>
+        <a:lstStyle/>
+        <a:p>
+          <a:pPr>
+            <a:lnSpc>
+              <a:spcPct val="100000"/>
+            </a:lnSpc>
+          </a:pPr>
+          <a:r>
+            <a:rPr lang="en-US" dirty="0"/>
+            <a:t>Counterfeiting.</a:t>
+          </a:r>
+        </a:p>
+      </dgm:t>
+    </dgm:pt>
+    <dgm:pt modelId="{D3DECEB0-A98D-46DD-89EF-F7BCA716EB41}" type="parTrans" cxnId="{F6D2C2DA-A900-4313-B452-1E4EB62D6450}">
+      <dgm:prSet/>
+      <dgm:spPr/>
+      <dgm:t>
+        <a:bodyPr/>
+        <a:lstStyle/>
+        <a:p>
+          <a:endParaRPr lang="en-US"/>
+        </a:p>
+      </dgm:t>
+    </dgm:pt>
+    <dgm:pt modelId="{FC4AE318-9735-457B-8678-CAE1B64AA11D}" type="sibTrans" cxnId="{F6D2C2DA-A900-4313-B452-1E4EB62D6450}">
+      <dgm:prSet/>
+      <dgm:spPr/>
+      <dgm:t>
+        <a:bodyPr/>
+        <a:lstStyle/>
+        <a:p>
+          <a:pPr>
+            <a:lnSpc>
+              <a:spcPct val="100000"/>
+            </a:lnSpc>
+          </a:pPr>
+          <a:endParaRPr lang="en-US"/>
+        </a:p>
+      </dgm:t>
+    </dgm:pt>
+    <dgm:pt modelId="{5B20CB9E-B445-4E16-81C3-63481B715E34}">
+      <dgm:prSet/>
+      <dgm:spPr/>
+      <dgm:t>
+        <a:bodyPr/>
+        <a:lstStyle/>
+        <a:p>
+          <a:pPr>
+            <a:lnSpc>
+              <a:spcPct val="100000"/>
+            </a:lnSpc>
+          </a:pPr>
+          <a:r>
+            <a:rPr lang="en-GB"/>
+            <a:t>L</a:t>
+          </a:r>
+          <a:r>
+            <a:rPr lang="en-US"/>
+            <a:t>oan infringement and</a:t>
+          </a:r>
+        </a:p>
+      </dgm:t>
+    </dgm:pt>
+    <dgm:pt modelId="{227502A6-FD4A-4268-8A0C-209553DA3D26}" type="parTrans" cxnId="{1D521CF6-AD09-4A83-9612-8DC543D811CE}">
+      <dgm:prSet/>
+      <dgm:spPr/>
+      <dgm:t>
+        <a:bodyPr/>
+        <a:lstStyle/>
+        <a:p>
+          <a:endParaRPr lang="en-US"/>
+        </a:p>
+      </dgm:t>
+    </dgm:pt>
+    <dgm:pt modelId="{7A57A3FD-DF72-4A85-9BE6-384D4BD755CC}" type="sibTrans" cxnId="{1D521CF6-AD09-4A83-9612-8DC543D811CE}">
+      <dgm:prSet/>
+      <dgm:spPr/>
+      <dgm:t>
+        <a:bodyPr/>
+        <a:lstStyle/>
+        <a:p>
+          <a:pPr>
+            <a:lnSpc>
+              <a:spcPct val="100000"/>
+            </a:lnSpc>
+          </a:pPr>
+          <a:endParaRPr lang="en-US"/>
+        </a:p>
+      </dgm:t>
+    </dgm:pt>
+    <dgm:pt modelId="{AC66E45F-CF07-4963-B656-B35CB53DFE35}">
+      <dgm:prSet/>
+      <dgm:spPr/>
+      <dgm:t>
+        <a:bodyPr/>
+        <a:lstStyle/>
+        <a:p>
+          <a:pPr>
+            <a:lnSpc>
+              <a:spcPct val="100000"/>
+            </a:lnSpc>
+          </a:pPr>
+          <a:r>
+            <a:rPr lang="en-GB"/>
+            <a:t>M</a:t>
+          </a:r>
+          <a:r>
+            <a:rPr lang="en-US"/>
+            <a:t>oney usage in other fields</a:t>
+          </a:r>
+        </a:p>
+      </dgm:t>
+    </dgm:pt>
+    <dgm:pt modelId="{510E8E76-6A06-432F-BEE8-5B866B838BB0}" type="parTrans" cxnId="{9C86AC0E-D684-4F24-ADF3-50A8AB3B5A8B}">
+      <dgm:prSet/>
+      <dgm:spPr/>
+      <dgm:t>
+        <a:bodyPr/>
+        <a:lstStyle/>
+        <a:p>
+          <a:endParaRPr lang="en-US"/>
+        </a:p>
+      </dgm:t>
+    </dgm:pt>
+    <dgm:pt modelId="{88F4DC27-BD21-4A51-9433-91CE6EF107E5}" type="sibTrans" cxnId="{9C86AC0E-D684-4F24-ADF3-50A8AB3B5A8B}">
+      <dgm:prSet/>
+      <dgm:spPr/>
+      <dgm:t>
+        <a:bodyPr/>
+        <a:lstStyle/>
+        <a:p>
+          <a:pPr>
+            <a:lnSpc>
+              <a:spcPct val="100000"/>
+            </a:lnSpc>
+          </a:pPr>
+          <a:endParaRPr lang="en-US"/>
+        </a:p>
+      </dgm:t>
+    </dgm:pt>
+    <dgm:pt modelId="{197BB8B1-4975-4150-BBDD-730CD860B3D3}">
+      <dgm:prSet/>
+      <dgm:spPr/>
+      <dgm:t>
+        <a:bodyPr/>
+        <a:lstStyle/>
+        <a:p>
+          <a:pPr>
+            <a:lnSpc>
+              <a:spcPct val="100000"/>
+            </a:lnSpc>
+          </a:pPr>
+          <a:r>
+            <a:rPr lang="en-US"/>
+            <a:t>The eTokens are supposedly going to be under the name eNaira but they are different assets to the eNaira. Each type of token has its sole purpose which could be…</a:t>
+          </a:r>
+        </a:p>
+      </dgm:t>
+    </dgm:pt>
+    <dgm:pt modelId="{CD22400B-20C9-4BF2-8B2A-BC9FC37E21D3}" type="parTrans" cxnId="{F6F1CE60-5756-49C5-83D3-5FD32121D8C7}">
+      <dgm:prSet/>
+      <dgm:spPr/>
+      <dgm:t>
+        <a:bodyPr/>
+        <a:lstStyle/>
+        <a:p>
+          <a:endParaRPr lang="en-US"/>
+        </a:p>
+      </dgm:t>
+    </dgm:pt>
+    <dgm:pt modelId="{45DD3679-6A5D-4375-BC38-874E33CC9DBC}" type="sibTrans" cxnId="{F6F1CE60-5756-49C5-83D3-5FD32121D8C7}">
+      <dgm:prSet/>
+      <dgm:spPr/>
+      <dgm:t>
+        <a:bodyPr/>
+        <a:lstStyle/>
+        <a:p>
+          <a:pPr>
+            <a:lnSpc>
+              <a:spcPct val="100000"/>
+            </a:lnSpc>
+          </a:pPr>
+          <a:endParaRPr lang="en-US"/>
+        </a:p>
+      </dgm:t>
+    </dgm:pt>
+    <dgm:pt modelId="{843EB0B7-26C8-4A46-A983-5AF9F42BE353}">
+      <dgm:prSet/>
+      <dgm:spPr/>
+      <dgm:t>
+        <a:bodyPr/>
+        <a:lstStyle/>
+        <a:p>
+          <a:pPr>
+            <a:lnSpc>
+              <a:spcPct val="100000"/>
+            </a:lnSpc>
+          </a:pPr>
+          <a:r>
+            <a:rPr lang="en-GB"/>
+            <a:t>A</a:t>
+          </a:r>
+          <a:r>
+            <a:rPr lang="en-US"/>
+            <a:t>griculture or farming</a:t>
+          </a:r>
+        </a:p>
+      </dgm:t>
+    </dgm:pt>
+    <dgm:pt modelId="{BD78D0DC-55A5-44A7-A38D-C78C84E806CC}" type="parTrans" cxnId="{64CF978C-2BB0-45A3-B4FA-21EC151893D2}">
+      <dgm:prSet/>
+      <dgm:spPr/>
+      <dgm:t>
+        <a:bodyPr/>
+        <a:lstStyle/>
+        <a:p>
+          <a:endParaRPr lang="en-US"/>
+        </a:p>
+      </dgm:t>
+    </dgm:pt>
+    <dgm:pt modelId="{1B1FDC0C-CA1D-4AAD-82D1-47F961DEC395}" type="sibTrans" cxnId="{64CF978C-2BB0-45A3-B4FA-21EC151893D2}">
+      <dgm:prSet/>
+      <dgm:spPr/>
+      <dgm:t>
+        <a:bodyPr/>
+        <a:lstStyle/>
+        <a:p>
+          <a:pPr>
+            <a:lnSpc>
+              <a:spcPct val="100000"/>
+            </a:lnSpc>
+          </a:pPr>
+          <a:endParaRPr lang="en-US"/>
+        </a:p>
+      </dgm:t>
+    </dgm:pt>
+    <dgm:pt modelId="{0C3A08E6-B26E-4AD3-966F-145F314BDAF1}">
+      <dgm:prSet/>
+      <dgm:spPr/>
+      <dgm:t>
+        <a:bodyPr/>
+        <a:lstStyle/>
+        <a:p>
+          <a:pPr>
+            <a:lnSpc>
+              <a:spcPct val="100000"/>
+            </a:lnSpc>
+          </a:pPr>
+          <a:r>
+            <a:rPr lang="en-GB"/>
+            <a:t>C</a:t>
+          </a:r>
+          <a:r>
+            <a:rPr lang="en-US"/>
+            <a:t>ar dealership</a:t>
+          </a:r>
+        </a:p>
+      </dgm:t>
+    </dgm:pt>
+    <dgm:pt modelId="{DB07BC7D-7C53-466E-9916-9E639D55B1DE}" type="parTrans" cxnId="{73F5666B-66B6-4B71-A898-6AD57F37B395}">
+      <dgm:prSet/>
+      <dgm:spPr/>
+      <dgm:t>
+        <a:bodyPr/>
+        <a:lstStyle/>
+        <a:p>
+          <a:endParaRPr lang="en-US"/>
+        </a:p>
+      </dgm:t>
+    </dgm:pt>
+    <dgm:pt modelId="{4FD6A512-D440-4D76-BCD5-1EAB206A156D}" type="sibTrans" cxnId="{73F5666B-66B6-4B71-A898-6AD57F37B395}">
+      <dgm:prSet/>
+      <dgm:spPr/>
+      <dgm:t>
+        <a:bodyPr/>
+        <a:lstStyle/>
+        <a:p>
+          <a:endParaRPr lang="en-US"/>
+        </a:p>
+      </dgm:t>
+    </dgm:pt>
+    <dgm:pt modelId="{90EF5D0C-5BA4-4A9F-A173-273307F68F9F}" type="pres">
+      <dgm:prSet presAssocID="{43A98CD2-DB51-4019-80F1-D88FB69ABAF6}" presName="root" presStyleCnt="0">
+        <dgm:presLayoutVars>
+          <dgm:dir/>
+          <dgm:resizeHandles val="exact"/>
+        </dgm:presLayoutVars>
+      </dgm:prSet>
+      <dgm:spPr/>
+    </dgm:pt>
+    <dgm:pt modelId="{038901C6-D495-4EAE-A9EA-CE3769473AC3}" type="pres">
+      <dgm:prSet presAssocID="{43A98CD2-DB51-4019-80F1-D88FB69ABAF6}" presName="container" presStyleCnt="0">
+        <dgm:presLayoutVars>
+          <dgm:dir/>
+          <dgm:resizeHandles val="exact"/>
+        </dgm:presLayoutVars>
+      </dgm:prSet>
+      <dgm:spPr/>
+    </dgm:pt>
+    <dgm:pt modelId="{9F9CF1BD-BBC3-4A06-A200-9BD7EFBFCDF6}" type="pres">
+      <dgm:prSet presAssocID="{3429FDF2-E9A1-420D-BDD9-D65DABD82855}" presName="compNode" presStyleCnt="0"/>
+      <dgm:spPr/>
+    </dgm:pt>
+    <dgm:pt modelId="{86676446-C33B-4A0A-8282-179741921992}" type="pres">
+      <dgm:prSet presAssocID="{3429FDF2-E9A1-420D-BDD9-D65DABD82855}" presName="iconBgRect" presStyleLbl="bgShp" presStyleIdx="0" presStyleCnt="7"/>
+      <dgm:spPr/>
+    </dgm:pt>
+    <dgm:pt modelId="{4B586501-828D-48D3-840C-21126B838C42}" type="pres">
+      <dgm:prSet presAssocID="{3429FDF2-E9A1-420D-BDD9-D65DABD82855}" presName="iconRect" presStyleLbl="node1" presStyleIdx="0" presStyleCnt="7"/>
+      <dgm:spPr>
+        <a:blipFill>
+          <a:blip xmlns:r="http://schemas.openxmlformats.org/officeDocument/2006/relationships" r:embed="rId1">
+            <a:extLst>
+              <a:ext uri="{28A0092B-C50C-407E-A947-70E740481C1C}">
+                <a14:useLocalDpi xmlns:a14="http://schemas.microsoft.com/office/drawing/2010/main" val="0"/>
+              </a:ext>
+              <a:ext uri="{96DAC541-7B7A-43D3-8B79-37D633B846F1}">
+                <asvg:svgBlip xmlns:asvg="http://schemas.microsoft.com/office/drawing/2016/SVG/main" r:embed="rId2"/>
+              </a:ext>
+            </a:extLst>
+          </a:blip>
+          <a:stretch>
+            <a:fillRect/>
+          </a:stretch>
+        </a:blipFill>
+      </dgm:spPr>
+      <dgm:extLst>
+        <a:ext uri="{E40237B7-FDA0-4F09-8148-C483321AD2D9}">
+          <dgm14:cNvPr xmlns:dgm14="http://schemas.microsoft.com/office/drawing/2010/diagram" id="0" name="" descr="Money"/>
+        </a:ext>
+      </dgm:extLst>
+    </dgm:pt>
+    <dgm:pt modelId="{182BF396-703E-4EA8-A86D-99136B67B1D6}" type="pres">
+      <dgm:prSet presAssocID="{3429FDF2-E9A1-420D-BDD9-D65DABD82855}" presName="spaceRect" presStyleCnt="0"/>
+      <dgm:spPr/>
+    </dgm:pt>
+    <dgm:pt modelId="{89172CB6-51BA-44D5-8A2B-798DB167FE95}" type="pres">
+      <dgm:prSet presAssocID="{3429FDF2-E9A1-420D-BDD9-D65DABD82855}" presName="textRect" presStyleLbl="revTx" presStyleIdx="0" presStyleCnt="7">
+        <dgm:presLayoutVars>
+          <dgm:chMax val="1"/>
+          <dgm:chPref val="1"/>
+        </dgm:presLayoutVars>
+      </dgm:prSet>
+      <dgm:spPr/>
+    </dgm:pt>
+    <dgm:pt modelId="{F7DB7A98-6403-4DCC-B5A3-EA72D0CC7329}" type="pres">
+      <dgm:prSet presAssocID="{B8246FF7-E74B-4818-965C-6170A5D5AC53}" presName="sibTrans" presStyleLbl="sibTrans2D1" presStyleIdx="0" presStyleCnt="0"/>
+      <dgm:spPr/>
+    </dgm:pt>
+    <dgm:pt modelId="{77F99FF5-26A3-4678-AE3A-CC317BC28B4D}" type="pres">
+      <dgm:prSet presAssocID="{7BD8B807-6F91-474E-BE95-0F139B9073D8}" presName="compNode" presStyleCnt="0"/>
+      <dgm:spPr/>
+    </dgm:pt>
+    <dgm:pt modelId="{1D647BCA-CED2-4C7A-BECF-33ED1154D87B}" type="pres">
+      <dgm:prSet presAssocID="{7BD8B807-6F91-474E-BE95-0F139B9073D8}" presName="iconBgRect" presStyleLbl="bgShp" presStyleIdx="1" presStyleCnt="7"/>
+      <dgm:spPr/>
+    </dgm:pt>
+    <dgm:pt modelId="{0E879B29-0088-4BC3-8500-E79A12B5A465}" type="pres">
+      <dgm:prSet presAssocID="{7BD8B807-6F91-474E-BE95-0F139B9073D8}" presName="iconRect" presStyleLbl="node1" presStyleIdx="1" presStyleCnt="7"/>
+      <dgm:spPr>
+        <a:blipFill>
+          <a:blip xmlns:r="http://schemas.openxmlformats.org/officeDocument/2006/relationships" r:embed="rId3">
+            <a:extLst>
+              <a:ext uri="{28A0092B-C50C-407E-A947-70E740481C1C}">
+                <a14:useLocalDpi xmlns:a14="http://schemas.microsoft.com/office/drawing/2010/main" val="0"/>
+              </a:ext>
+              <a:ext uri="{96DAC541-7B7A-43D3-8B79-37D633B846F1}">
+                <asvg:svgBlip xmlns:asvg="http://schemas.microsoft.com/office/drawing/2016/SVG/main" r:embed="rId4"/>
+              </a:ext>
+            </a:extLst>
+          </a:blip>
+          <a:stretch>
+            <a:fillRect/>
+          </a:stretch>
+        </a:blipFill>
+      </dgm:spPr>
+      <dgm:extLst>
+        <a:ext uri="{E40237B7-FDA0-4F09-8148-C483321AD2D9}">
+          <dgm14:cNvPr xmlns:dgm14="http://schemas.microsoft.com/office/drawing/2010/diagram" id="0" name="" descr="Robber"/>
+        </a:ext>
+      </dgm:extLst>
+    </dgm:pt>
+    <dgm:pt modelId="{357378D6-142B-4846-BD3C-90E5354FC466}" type="pres">
+      <dgm:prSet presAssocID="{7BD8B807-6F91-474E-BE95-0F139B9073D8}" presName="spaceRect" presStyleCnt="0"/>
+      <dgm:spPr/>
+    </dgm:pt>
+    <dgm:pt modelId="{ABE2885A-B9EB-4D4E-9CF6-04FA8B41E14D}" type="pres">
+      <dgm:prSet presAssocID="{7BD8B807-6F91-474E-BE95-0F139B9073D8}" presName="textRect" presStyleLbl="revTx" presStyleIdx="1" presStyleCnt="7">
+        <dgm:presLayoutVars>
+          <dgm:chMax val="1"/>
+          <dgm:chPref val="1"/>
+        </dgm:presLayoutVars>
+      </dgm:prSet>
+      <dgm:spPr/>
+    </dgm:pt>
+    <dgm:pt modelId="{225D1EB3-1A74-4F9B-823D-3C5CCCA0B94F}" type="pres">
+      <dgm:prSet presAssocID="{FC4AE318-9735-457B-8678-CAE1B64AA11D}" presName="sibTrans" presStyleLbl="sibTrans2D1" presStyleIdx="0" presStyleCnt="0"/>
+      <dgm:spPr/>
+    </dgm:pt>
+    <dgm:pt modelId="{D1485097-8DE4-42C3-8101-E8A49E33072D}" type="pres">
+      <dgm:prSet presAssocID="{5B20CB9E-B445-4E16-81C3-63481B715E34}" presName="compNode" presStyleCnt="0"/>
+      <dgm:spPr/>
+    </dgm:pt>
+    <dgm:pt modelId="{2C84BBFD-2D4B-4B68-9E8D-8199C0CDB641}" type="pres">
+      <dgm:prSet presAssocID="{5B20CB9E-B445-4E16-81C3-63481B715E34}" presName="iconBgRect" presStyleLbl="bgShp" presStyleIdx="2" presStyleCnt="7"/>
+      <dgm:spPr/>
+    </dgm:pt>
+    <dgm:pt modelId="{1CFB959D-54B9-4DF7-97E6-A5884702A3BD}" type="pres">
+      <dgm:prSet presAssocID="{5B20CB9E-B445-4E16-81C3-63481B715E34}" presName="iconRect" presStyleLbl="node1" presStyleIdx="2" presStyleCnt="7"/>
+      <dgm:spPr>
+        <a:blipFill>
+          <a:blip xmlns:r="http://schemas.openxmlformats.org/officeDocument/2006/relationships" r:embed="rId5">
+            <a:extLst>
+              <a:ext uri="{28A0092B-C50C-407E-A947-70E740481C1C}">
+                <a14:useLocalDpi xmlns:a14="http://schemas.microsoft.com/office/drawing/2010/main" val="0"/>
+              </a:ext>
+              <a:ext uri="{96DAC541-7B7A-43D3-8B79-37D633B846F1}">
+                <asvg:svgBlip xmlns:asvg="http://schemas.microsoft.com/office/drawing/2016/SVG/main" r:embed="rId6"/>
+              </a:ext>
+            </a:extLst>
+          </a:blip>
+          <a:stretch>
+            <a:fillRect/>
+          </a:stretch>
+        </a:blipFill>
+      </dgm:spPr>
+      <dgm:extLst>
+        <a:ext uri="{E40237B7-FDA0-4F09-8148-C483321AD2D9}">
+          <dgm14:cNvPr xmlns:dgm14="http://schemas.microsoft.com/office/drawing/2010/diagram" id="0" name="" descr="Gavel"/>
+        </a:ext>
+      </dgm:extLst>
+    </dgm:pt>
+    <dgm:pt modelId="{3DBBF2E5-20E7-402F-BE5E-D191650A1A82}" type="pres">
+      <dgm:prSet presAssocID="{5B20CB9E-B445-4E16-81C3-63481B715E34}" presName="spaceRect" presStyleCnt="0"/>
+      <dgm:spPr/>
+    </dgm:pt>
+    <dgm:pt modelId="{81D9560D-D5FF-41D3-AC76-03FA7F6E8779}" type="pres">
+      <dgm:prSet presAssocID="{5B20CB9E-B445-4E16-81C3-63481B715E34}" presName="textRect" presStyleLbl="revTx" presStyleIdx="2" presStyleCnt="7">
+        <dgm:presLayoutVars>
+          <dgm:chMax val="1"/>
+          <dgm:chPref val="1"/>
+        </dgm:presLayoutVars>
+      </dgm:prSet>
+      <dgm:spPr/>
+    </dgm:pt>
+    <dgm:pt modelId="{4EBCC770-2A65-499C-9615-FD1265BDEB16}" type="pres">
+      <dgm:prSet presAssocID="{7A57A3FD-DF72-4A85-9BE6-384D4BD755CC}" presName="sibTrans" presStyleLbl="sibTrans2D1" presStyleIdx="0" presStyleCnt="0"/>
+      <dgm:spPr/>
+    </dgm:pt>
+    <dgm:pt modelId="{19E235B4-AB77-43B7-A379-8AB6F6877AAE}" type="pres">
+      <dgm:prSet presAssocID="{AC66E45F-CF07-4963-B656-B35CB53DFE35}" presName="compNode" presStyleCnt="0"/>
+      <dgm:spPr/>
+    </dgm:pt>
+    <dgm:pt modelId="{C2453D09-47AC-4E07-B79D-001850930FF5}" type="pres">
+      <dgm:prSet presAssocID="{AC66E45F-CF07-4963-B656-B35CB53DFE35}" presName="iconBgRect" presStyleLbl="bgShp" presStyleIdx="3" presStyleCnt="7"/>
+      <dgm:spPr/>
+    </dgm:pt>
+    <dgm:pt modelId="{17E97631-4EF1-4F53-A4F6-C2809D64EEE9}" type="pres">
+      <dgm:prSet presAssocID="{AC66E45F-CF07-4963-B656-B35CB53DFE35}" presName="iconRect" presStyleLbl="node1" presStyleIdx="3" presStyleCnt="7"/>
+      <dgm:spPr>
+        <a:blipFill>
+          <a:blip xmlns:r="http://schemas.openxmlformats.org/officeDocument/2006/relationships" r:embed="rId7">
+            <a:extLst>
+              <a:ext uri="{28A0092B-C50C-407E-A947-70E740481C1C}">
+                <a14:useLocalDpi xmlns:a14="http://schemas.microsoft.com/office/drawing/2010/main" val="0"/>
+              </a:ext>
+              <a:ext uri="{96DAC541-7B7A-43D3-8B79-37D633B846F1}">
+                <asvg:svgBlip xmlns:asvg="http://schemas.microsoft.com/office/drawing/2016/SVG/main" r:embed="rId8"/>
+              </a:ext>
+            </a:extLst>
+          </a:blip>
+          <a:stretch>
+            <a:fillRect/>
+          </a:stretch>
+        </a:blipFill>
+      </dgm:spPr>
+      <dgm:extLst>
+        <a:ext uri="{E40237B7-FDA0-4F09-8148-C483321AD2D9}">
+          <dgm14:cNvPr xmlns:dgm14="http://schemas.microsoft.com/office/drawing/2010/diagram" id="0" name="" descr="Coins"/>
+        </a:ext>
+      </dgm:extLst>
+    </dgm:pt>
+    <dgm:pt modelId="{E1C41DC6-8859-4000-B104-0136F11F227F}" type="pres">
+      <dgm:prSet presAssocID="{AC66E45F-CF07-4963-B656-B35CB53DFE35}" presName="spaceRect" presStyleCnt="0"/>
+      <dgm:spPr/>
+    </dgm:pt>
+    <dgm:pt modelId="{E1195D1D-515D-4CA7-9D46-89E4A88CBB5C}" type="pres">
+      <dgm:prSet presAssocID="{AC66E45F-CF07-4963-B656-B35CB53DFE35}" presName="textRect" presStyleLbl="revTx" presStyleIdx="3" presStyleCnt="7">
+        <dgm:presLayoutVars>
+          <dgm:chMax val="1"/>
+          <dgm:chPref val="1"/>
+        </dgm:presLayoutVars>
+      </dgm:prSet>
+      <dgm:spPr/>
+    </dgm:pt>
+    <dgm:pt modelId="{CC34DF79-F639-4EB2-AC98-C0939E4882D2}" type="pres">
+      <dgm:prSet presAssocID="{88F4DC27-BD21-4A51-9433-91CE6EF107E5}" presName="sibTrans" presStyleLbl="sibTrans2D1" presStyleIdx="0" presStyleCnt="0"/>
+      <dgm:spPr/>
+    </dgm:pt>
+    <dgm:pt modelId="{A0264CCC-3C6F-47D4-BF13-1F1474D2E34E}" type="pres">
+      <dgm:prSet presAssocID="{197BB8B1-4975-4150-BBDD-730CD860B3D3}" presName="compNode" presStyleCnt="0"/>
+      <dgm:spPr/>
+    </dgm:pt>
+    <dgm:pt modelId="{9598E1A0-1CE3-44E2-8884-889500FF0B6F}" type="pres">
+      <dgm:prSet presAssocID="{197BB8B1-4975-4150-BBDD-730CD860B3D3}" presName="iconBgRect" presStyleLbl="bgShp" presStyleIdx="4" presStyleCnt="7"/>
+      <dgm:spPr/>
+    </dgm:pt>
+    <dgm:pt modelId="{2BF59E78-E0D2-48BE-9AAD-92053728E8BD}" type="pres">
+      <dgm:prSet presAssocID="{197BB8B1-4975-4150-BBDD-730CD860B3D3}" presName="iconRect" presStyleLbl="node1" presStyleIdx="4" presStyleCnt="7"/>
+      <dgm:spPr>
+        <a:blipFill>
+          <a:blip xmlns:r="http://schemas.openxmlformats.org/officeDocument/2006/relationships" r:embed="rId9">
+            <a:extLst>
+              <a:ext uri="{28A0092B-C50C-407E-A947-70E740481C1C}">
+                <a14:useLocalDpi xmlns:a14="http://schemas.microsoft.com/office/drawing/2010/main" val="0"/>
+              </a:ext>
+              <a:ext uri="{96DAC541-7B7A-43D3-8B79-37D633B846F1}">
+                <asvg:svgBlip xmlns:asvg="http://schemas.microsoft.com/office/drawing/2016/SVG/main" r:embed="rId10"/>
+              </a:ext>
+            </a:extLst>
+          </a:blip>
+          <a:stretch>
+            <a:fillRect/>
+          </a:stretch>
+        </a:blipFill>
+      </dgm:spPr>
+      <dgm:extLst>
+        <a:ext uri="{E40237B7-FDA0-4F09-8148-C483321AD2D9}">
+          <dgm14:cNvPr xmlns:dgm14="http://schemas.microsoft.com/office/drawing/2010/diagram" id="0" name="" descr="Diamond"/>
+        </a:ext>
+      </dgm:extLst>
+    </dgm:pt>
+    <dgm:pt modelId="{E9148685-2F29-4661-8449-B05723AD111E}" type="pres">
+      <dgm:prSet presAssocID="{197BB8B1-4975-4150-BBDD-730CD860B3D3}" presName="spaceRect" presStyleCnt="0"/>
+      <dgm:spPr/>
+    </dgm:pt>
+    <dgm:pt modelId="{D1E70C06-FD1D-4992-B5B7-91A6BCD63039}" type="pres">
+      <dgm:prSet presAssocID="{197BB8B1-4975-4150-BBDD-730CD860B3D3}" presName="textRect" presStyleLbl="revTx" presStyleIdx="4" presStyleCnt="7">
+        <dgm:presLayoutVars>
+          <dgm:chMax val="1"/>
+          <dgm:chPref val="1"/>
+        </dgm:presLayoutVars>
+      </dgm:prSet>
+      <dgm:spPr/>
+    </dgm:pt>
+    <dgm:pt modelId="{0A55EE09-F660-49CB-8759-4D0BAB3491B8}" type="pres">
+      <dgm:prSet presAssocID="{45DD3679-6A5D-4375-BC38-874E33CC9DBC}" presName="sibTrans" presStyleLbl="sibTrans2D1" presStyleIdx="0" presStyleCnt="0"/>
+      <dgm:spPr/>
+    </dgm:pt>
+    <dgm:pt modelId="{DC200748-868A-48BA-B744-5D2197863F66}" type="pres">
+      <dgm:prSet presAssocID="{843EB0B7-26C8-4A46-A983-5AF9F42BE353}" presName="compNode" presStyleCnt="0"/>
+      <dgm:spPr/>
+    </dgm:pt>
+    <dgm:pt modelId="{D678951C-D2DB-439C-A9B1-3905E311F3C5}" type="pres">
+      <dgm:prSet presAssocID="{843EB0B7-26C8-4A46-A983-5AF9F42BE353}" presName="iconBgRect" presStyleLbl="bgShp" presStyleIdx="5" presStyleCnt="7"/>
+      <dgm:spPr/>
+    </dgm:pt>
+    <dgm:pt modelId="{B0B433FC-A603-4439-8B6D-35383BDD1074}" type="pres">
+      <dgm:prSet presAssocID="{843EB0B7-26C8-4A46-A983-5AF9F42BE353}" presName="iconRect" presStyleLbl="node1" presStyleIdx="5" presStyleCnt="7"/>
+      <dgm:spPr>
+        <a:blipFill>
+          <a:blip xmlns:r="http://schemas.openxmlformats.org/officeDocument/2006/relationships" r:embed="rId11">
+            <a:extLst>
+              <a:ext uri="{28A0092B-C50C-407E-A947-70E740481C1C}">
+                <a14:useLocalDpi xmlns:a14="http://schemas.microsoft.com/office/drawing/2010/main" val="0"/>
+              </a:ext>
+              <a:ext uri="{96DAC541-7B7A-43D3-8B79-37D633B846F1}">
+                <asvg:svgBlip xmlns:asvg="http://schemas.microsoft.com/office/drawing/2016/SVG/main" r:embed="rId12"/>
+              </a:ext>
+            </a:extLst>
+          </a:blip>
+          <a:stretch>
+            <a:fillRect/>
+          </a:stretch>
+        </a:blipFill>
+      </dgm:spPr>
+      <dgm:extLst>
+        <a:ext uri="{E40237B7-FDA0-4F09-8148-C483321AD2D9}">
+          <dgm14:cNvPr xmlns:dgm14="http://schemas.microsoft.com/office/drawing/2010/diagram" id="0" name="" descr="Farm scene"/>
+        </a:ext>
+      </dgm:extLst>
+    </dgm:pt>
+    <dgm:pt modelId="{DDF0F22A-F361-42D7-AA41-3490849481E3}" type="pres">
+      <dgm:prSet presAssocID="{843EB0B7-26C8-4A46-A983-5AF9F42BE353}" presName="spaceRect" presStyleCnt="0"/>
+      <dgm:spPr/>
+    </dgm:pt>
+    <dgm:pt modelId="{91936C2D-62CC-4FC0-955B-B46440A431F7}" type="pres">
+      <dgm:prSet presAssocID="{843EB0B7-26C8-4A46-A983-5AF9F42BE353}" presName="textRect" presStyleLbl="revTx" presStyleIdx="5" presStyleCnt="7">
+        <dgm:presLayoutVars>
+          <dgm:chMax val="1"/>
+          <dgm:chPref val="1"/>
+        </dgm:presLayoutVars>
+      </dgm:prSet>
+      <dgm:spPr/>
+    </dgm:pt>
+    <dgm:pt modelId="{AB678B03-17A6-4894-BA43-A3DC50DBAF79}" type="pres">
+      <dgm:prSet presAssocID="{1B1FDC0C-CA1D-4AAD-82D1-47F961DEC395}" presName="sibTrans" presStyleLbl="sibTrans2D1" presStyleIdx="0" presStyleCnt="0"/>
+      <dgm:spPr/>
+    </dgm:pt>
+    <dgm:pt modelId="{4BEBB2FF-0FF3-4C8D-8DD3-D123F546DB0C}" type="pres">
+      <dgm:prSet presAssocID="{0C3A08E6-B26E-4AD3-966F-145F314BDAF1}" presName="compNode" presStyleCnt="0"/>
+      <dgm:spPr/>
+    </dgm:pt>
+    <dgm:pt modelId="{D20E0724-D45A-442F-8C71-7CE872014933}" type="pres">
+      <dgm:prSet presAssocID="{0C3A08E6-B26E-4AD3-966F-145F314BDAF1}" presName="iconBgRect" presStyleLbl="bgShp" presStyleIdx="6" presStyleCnt="7"/>
+      <dgm:spPr/>
+    </dgm:pt>
+    <dgm:pt modelId="{EAFB89F7-EE21-4F25-9472-FBD380FAB85E}" type="pres">
+      <dgm:prSet presAssocID="{0C3A08E6-B26E-4AD3-966F-145F314BDAF1}" presName="iconRect" presStyleLbl="node1" presStyleIdx="6" presStyleCnt="7"/>
+      <dgm:spPr>
+        <a:blipFill>
+          <a:blip xmlns:r="http://schemas.openxmlformats.org/officeDocument/2006/relationships" r:embed="rId13">
+            <a:extLst>
+              <a:ext uri="{28A0092B-C50C-407E-A947-70E740481C1C}">
+                <a14:useLocalDpi xmlns:a14="http://schemas.microsoft.com/office/drawing/2010/main" val="0"/>
+              </a:ext>
+              <a:ext uri="{96DAC541-7B7A-43D3-8B79-37D633B846F1}">
+                <asvg:svgBlip xmlns:asvg="http://schemas.microsoft.com/office/drawing/2016/SVG/main" r:embed="rId14"/>
+              </a:ext>
+            </a:extLst>
+          </a:blip>
+          <a:stretch>
+            <a:fillRect/>
+          </a:stretch>
+        </a:blipFill>
+      </dgm:spPr>
+      <dgm:extLst>
+        <a:ext uri="{E40237B7-FDA0-4F09-8148-C483321AD2D9}">
+          <dgm14:cNvPr xmlns:dgm14="http://schemas.microsoft.com/office/drawing/2010/diagram" id="0" name="" descr="Car"/>
+        </a:ext>
+      </dgm:extLst>
+    </dgm:pt>
+    <dgm:pt modelId="{A00CFBE6-3907-4339-BB4A-29C921C961D3}" type="pres">
+      <dgm:prSet presAssocID="{0C3A08E6-B26E-4AD3-966F-145F314BDAF1}" presName="spaceRect" presStyleCnt="0"/>
+      <dgm:spPr/>
+    </dgm:pt>
+    <dgm:pt modelId="{CC22064A-7E2B-425A-865E-0E3B071CC03B}" type="pres">
+      <dgm:prSet presAssocID="{0C3A08E6-B26E-4AD3-966F-145F314BDAF1}" presName="textRect" presStyleLbl="revTx" presStyleIdx="6" presStyleCnt="7">
+        <dgm:presLayoutVars>
+          <dgm:chMax val="1"/>
+          <dgm:chPref val="1"/>
+        </dgm:presLayoutVars>
+      </dgm:prSet>
+      <dgm:spPr/>
+    </dgm:pt>
+  </dgm:ptLst>
+  <dgm:cxnLst>
+    <dgm:cxn modelId="{09573303-CF37-40E7-834C-A2D1DB15E919}" type="presOf" srcId="{0C3A08E6-B26E-4AD3-966F-145F314BDAF1}" destId="{CC22064A-7E2B-425A-865E-0E3B071CC03B}" srcOrd="0" destOrd="0" presId="urn:microsoft.com/office/officeart/2018/2/layout/IconCircleList"/>
+    <dgm:cxn modelId="{9C86AC0E-D684-4F24-ADF3-50A8AB3B5A8B}" srcId="{43A98CD2-DB51-4019-80F1-D88FB69ABAF6}" destId="{AC66E45F-CF07-4963-B656-B35CB53DFE35}" srcOrd="3" destOrd="0" parTransId="{510E8E76-6A06-432F-BEE8-5B866B838BB0}" sibTransId="{88F4DC27-BD21-4A51-9433-91CE6EF107E5}"/>
+    <dgm:cxn modelId="{8C54E716-606E-4ADA-A259-C2868697C237}" type="presOf" srcId="{3429FDF2-E9A1-420D-BDD9-D65DABD82855}" destId="{89172CB6-51BA-44D5-8A2B-798DB167FE95}" srcOrd="0" destOrd="0" presId="urn:microsoft.com/office/officeart/2018/2/layout/IconCircleList"/>
+    <dgm:cxn modelId="{1FC98A19-E023-4DB8-A8A1-D295C22DE19C}" type="presOf" srcId="{AC66E45F-CF07-4963-B656-B35CB53DFE35}" destId="{E1195D1D-515D-4CA7-9D46-89E4A88CBB5C}" srcOrd="0" destOrd="0" presId="urn:microsoft.com/office/officeart/2018/2/layout/IconCircleList"/>
+    <dgm:cxn modelId="{AC88052E-C953-4E5E-B9FD-B7E38C4A6D38}" type="presOf" srcId="{7A57A3FD-DF72-4A85-9BE6-384D4BD755CC}" destId="{4EBCC770-2A65-499C-9615-FD1265BDEB16}" srcOrd="0" destOrd="0" presId="urn:microsoft.com/office/officeart/2018/2/layout/IconCircleList"/>
+    <dgm:cxn modelId="{F6F1CE60-5756-49C5-83D3-5FD32121D8C7}" srcId="{43A98CD2-DB51-4019-80F1-D88FB69ABAF6}" destId="{197BB8B1-4975-4150-BBDD-730CD860B3D3}" srcOrd="4" destOrd="0" parTransId="{CD22400B-20C9-4BF2-8B2A-BC9FC37E21D3}" sibTransId="{45DD3679-6A5D-4375-BC38-874E33CC9DBC}"/>
+    <dgm:cxn modelId="{37403E6B-141E-4704-BAD1-CD8B9EEC7E8C}" type="presOf" srcId="{843EB0B7-26C8-4A46-A983-5AF9F42BE353}" destId="{91936C2D-62CC-4FC0-955B-B46440A431F7}" srcOrd="0" destOrd="0" presId="urn:microsoft.com/office/officeart/2018/2/layout/IconCircleList"/>
+    <dgm:cxn modelId="{73F5666B-66B6-4B71-A898-6AD57F37B395}" srcId="{43A98CD2-DB51-4019-80F1-D88FB69ABAF6}" destId="{0C3A08E6-B26E-4AD3-966F-145F314BDAF1}" srcOrd="6" destOrd="0" parTransId="{DB07BC7D-7C53-466E-9916-9E639D55B1DE}" sibTransId="{4FD6A512-D440-4D76-BCD5-1EAB206A156D}"/>
+    <dgm:cxn modelId="{49EFC872-D43A-4828-83D1-60F1152769C5}" type="presOf" srcId="{88F4DC27-BD21-4A51-9433-91CE6EF107E5}" destId="{CC34DF79-F639-4EB2-AC98-C0939E4882D2}" srcOrd="0" destOrd="0" presId="urn:microsoft.com/office/officeart/2018/2/layout/IconCircleList"/>
+    <dgm:cxn modelId="{FF5C7879-1FD3-4AA2-B83A-A30960310AFC}" type="presOf" srcId="{7BD8B807-6F91-474E-BE95-0F139B9073D8}" destId="{ABE2885A-B9EB-4D4E-9CF6-04FA8B41E14D}" srcOrd="0" destOrd="0" presId="urn:microsoft.com/office/officeart/2018/2/layout/IconCircleList"/>
+    <dgm:cxn modelId="{64CF978C-2BB0-45A3-B4FA-21EC151893D2}" srcId="{43A98CD2-DB51-4019-80F1-D88FB69ABAF6}" destId="{843EB0B7-26C8-4A46-A983-5AF9F42BE353}" srcOrd="5" destOrd="0" parTransId="{BD78D0DC-55A5-44A7-A38D-C78C84E806CC}" sibTransId="{1B1FDC0C-CA1D-4AAD-82D1-47F961DEC395}"/>
+    <dgm:cxn modelId="{79033E9C-0DB6-41CF-9365-00E0C6E24B7C}" type="presOf" srcId="{43A98CD2-DB51-4019-80F1-D88FB69ABAF6}" destId="{90EF5D0C-5BA4-4A9F-A173-273307F68F9F}" srcOrd="0" destOrd="0" presId="urn:microsoft.com/office/officeart/2018/2/layout/IconCircleList"/>
+    <dgm:cxn modelId="{826B59A1-6436-45CF-AD2D-D362D8B3655A}" srcId="{43A98CD2-DB51-4019-80F1-D88FB69ABAF6}" destId="{3429FDF2-E9A1-420D-BDD9-D65DABD82855}" srcOrd="0" destOrd="0" parTransId="{F6847AAC-B18A-419F-A2EA-AB0012078F3A}" sibTransId="{B8246FF7-E74B-4818-965C-6170A5D5AC53}"/>
+    <dgm:cxn modelId="{B22845B6-9ED3-43C9-ABE9-3983186A89D5}" type="presOf" srcId="{45DD3679-6A5D-4375-BC38-874E33CC9DBC}" destId="{0A55EE09-F660-49CB-8759-4D0BAB3491B8}" srcOrd="0" destOrd="0" presId="urn:microsoft.com/office/officeart/2018/2/layout/IconCircleList"/>
+    <dgm:cxn modelId="{A731CFD1-E6A0-4140-8CD6-885BAE59F15D}" type="presOf" srcId="{1B1FDC0C-CA1D-4AAD-82D1-47F961DEC395}" destId="{AB678B03-17A6-4894-BA43-A3DC50DBAF79}" srcOrd="0" destOrd="0" presId="urn:microsoft.com/office/officeart/2018/2/layout/IconCircleList"/>
+    <dgm:cxn modelId="{01E9CDD5-D4B4-4FFC-B623-F7660F146FA5}" type="presOf" srcId="{B8246FF7-E74B-4818-965C-6170A5D5AC53}" destId="{F7DB7A98-6403-4DCC-B5A3-EA72D0CC7329}" srcOrd="0" destOrd="0" presId="urn:microsoft.com/office/officeart/2018/2/layout/IconCircleList"/>
+    <dgm:cxn modelId="{F6D2C2DA-A900-4313-B452-1E4EB62D6450}" srcId="{43A98CD2-DB51-4019-80F1-D88FB69ABAF6}" destId="{7BD8B807-6F91-474E-BE95-0F139B9073D8}" srcOrd="1" destOrd="0" parTransId="{D3DECEB0-A98D-46DD-89EF-F7BCA716EB41}" sibTransId="{FC4AE318-9735-457B-8678-CAE1B64AA11D}"/>
+    <dgm:cxn modelId="{B5033BE5-255B-4488-8890-9A3F2BF4C8BB}" type="presOf" srcId="{FC4AE318-9735-457B-8678-CAE1B64AA11D}" destId="{225D1EB3-1A74-4F9B-823D-3C5CCCA0B94F}" srcOrd="0" destOrd="0" presId="urn:microsoft.com/office/officeart/2018/2/layout/IconCircleList"/>
+    <dgm:cxn modelId="{2E854DF5-F7DF-498F-B230-2E0B54164D42}" type="presOf" srcId="{5B20CB9E-B445-4E16-81C3-63481B715E34}" destId="{81D9560D-D5FF-41D3-AC76-03FA7F6E8779}" srcOrd="0" destOrd="0" presId="urn:microsoft.com/office/officeart/2018/2/layout/IconCircleList"/>
+    <dgm:cxn modelId="{1D521CF6-AD09-4A83-9612-8DC543D811CE}" srcId="{43A98CD2-DB51-4019-80F1-D88FB69ABAF6}" destId="{5B20CB9E-B445-4E16-81C3-63481B715E34}" srcOrd="2" destOrd="0" parTransId="{227502A6-FD4A-4268-8A0C-209553DA3D26}" sibTransId="{7A57A3FD-DF72-4A85-9BE6-384D4BD755CC}"/>
+    <dgm:cxn modelId="{319020FA-3794-4925-89F5-FFEBF986FDA0}" type="presOf" srcId="{197BB8B1-4975-4150-BBDD-730CD860B3D3}" destId="{D1E70C06-FD1D-4992-B5B7-91A6BCD63039}" srcOrd="0" destOrd="0" presId="urn:microsoft.com/office/officeart/2018/2/layout/IconCircleList"/>
+    <dgm:cxn modelId="{D720CE2B-D930-48BE-93BF-75F0951F85E2}" type="presParOf" srcId="{90EF5D0C-5BA4-4A9F-A173-273307F68F9F}" destId="{038901C6-D495-4EAE-A9EA-CE3769473AC3}" srcOrd="0" destOrd="0" presId="urn:microsoft.com/office/officeart/2018/2/layout/IconCircleList"/>
+    <dgm:cxn modelId="{B260814A-5D57-4F13-B30B-76ADC06D37DC}" type="presParOf" srcId="{038901C6-D495-4EAE-A9EA-CE3769473AC3}" destId="{9F9CF1BD-BBC3-4A06-A200-9BD7EFBFCDF6}" srcOrd="0" destOrd="0" presId="urn:microsoft.com/office/officeart/2018/2/layout/IconCircleList"/>
+    <dgm:cxn modelId="{B1ECF402-D70C-40EB-A687-6E7C9806FC17}" type="presParOf" srcId="{9F9CF1BD-BBC3-4A06-A200-9BD7EFBFCDF6}" destId="{86676446-C33B-4A0A-8282-179741921992}" srcOrd="0" destOrd="0" presId="urn:microsoft.com/office/officeart/2018/2/layout/IconCircleList"/>
+    <dgm:cxn modelId="{F599C4CB-E1F0-42A2-900B-0A08E2704B45}" type="presParOf" srcId="{9F9CF1BD-BBC3-4A06-A200-9BD7EFBFCDF6}" destId="{4B586501-828D-48D3-840C-21126B838C42}" srcOrd="1" destOrd="0" presId="urn:microsoft.com/office/officeart/2018/2/layout/IconCircleList"/>
+    <dgm:cxn modelId="{E276E1F1-A465-45AC-A705-5966EC7AA1C0}" type="presParOf" srcId="{9F9CF1BD-BBC3-4A06-A200-9BD7EFBFCDF6}" destId="{182BF396-703E-4EA8-A86D-99136B67B1D6}" srcOrd="2" destOrd="0" presId="urn:microsoft.com/office/officeart/2018/2/layout/IconCircleList"/>
+    <dgm:cxn modelId="{58C3B2B8-2436-4229-8386-FE2750EB10CB}" type="presParOf" srcId="{9F9CF1BD-BBC3-4A06-A200-9BD7EFBFCDF6}" destId="{89172CB6-51BA-44D5-8A2B-798DB167FE95}" srcOrd="3" destOrd="0" presId="urn:microsoft.com/office/officeart/2018/2/layout/IconCircleList"/>
+    <dgm:cxn modelId="{80AB4C13-F52E-4221-9783-3764DDB9B423}" type="presParOf" srcId="{038901C6-D495-4EAE-A9EA-CE3769473AC3}" destId="{F7DB7A98-6403-4DCC-B5A3-EA72D0CC7329}" srcOrd="1" destOrd="0" presId="urn:microsoft.com/office/officeart/2018/2/layout/IconCircleList"/>
+    <dgm:cxn modelId="{F465B750-CAEB-4B78-8DC5-0D2DF2A43068}" type="presParOf" srcId="{038901C6-D495-4EAE-A9EA-CE3769473AC3}" destId="{77F99FF5-26A3-4678-AE3A-CC317BC28B4D}" srcOrd="2" destOrd="0" presId="urn:microsoft.com/office/officeart/2018/2/layout/IconCircleList"/>
+    <dgm:cxn modelId="{794374BD-DF55-4E09-BD19-DF6D12091515}" type="presParOf" srcId="{77F99FF5-26A3-4678-AE3A-CC317BC28B4D}" destId="{1D647BCA-CED2-4C7A-BECF-33ED1154D87B}" srcOrd="0" destOrd="0" presId="urn:microsoft.com/office/officeart/2018/2/layout/IconCircleList"/>
+    <dgm:cxn modelId="{A0E44729-7821-4B8B-BFB7-EEC6B8DFBAE5}" type="presParOf" srcId="{77F99FF5-26A3-4678-AE3A-CC317BC28B4D}" destId="{0E879B29-0088-4BC3-8500-E79A12B5A465}" srcOrd="1" destOrd="0" presId="urn:microsoft.com/office/officeart/2018/2/layout/IconCircleList"/>
+    <dgm:cxn modelId="{A0ABA540-141A-46AC-9539-F55AED68A70C}" type="presParOf" srcId="{77F99FF5-26A3-4678-AE3A-CC317BC28B4D}" destId="{357378D6-142B-4846-BD3C-90E5354FC466}" srcOrd="2" destOrd="0" presId="urn:microsoft.com/office/officeart/2018/2/layout/IconCircleList"/>
+    <dgm:cxn modelId="{10AC7C82-6E43-4D31-A1C0-DA13CAAF7E26}" type="presParOf" srcId="{77F99FF5-26A3-4678-AE3A-CC317BC28B4D}" destId="{ABE2885A-B9EB-4D4E-9CF6-04FA8B41E14D}" srcOrd="3" destOrd="0" presId="urn:microsoft.com/office/officeart/2018/2/layout/IconCircleList"/>
+    <dgm:cxn modelId="{78ADC4CB-F55B-4DD5-979B-36BFCD9C1D73}" type="presParOf" srcId="{038901C6-D495-4EAE-A9EA-CE3769473AC3}" destId="{225D1EB3-1A74-4F9B-823D-3C5CCCA0B94F}" srcOrd="3" destOrd="0" presId="urn:microsoft.com/office/officeart/2018/2/layout/IconCircleList"/>
+    <dgm:cxn modelId="{D3197100-3D62-469B-938E-FA8F66512855}" type="presParOf" srcId="{038901C6-D495-4EAE-A9EA-CE3769473AC3}" destId="{D1485097-8DE4-42C3-8101-E8A49E33072D}" srcOrd="4" destOrd="0" presId="urn:microsoft.com/office/officeart/2018/2/layout/IconCircleList"/>
+    <dgm:cxn modelId="{CD6451B4-C634-495E-81FF-144170D09A74}" type="presParOf" srcId="{D1485097-8DE4-42C3-8101-E8A49E33072D}" destId="{2C84BBFD-2D4B-4B68-9E8D-8199C0CDB641}" srcOrd="0" destOrd="0" presId="urn:microsoft.com/office/officeart/2018/2/layout/IconCircleList"/>
+    <dgm:cxn modelId="{995A439C-27F0-4AEA-A33E-25D2B356B6A0}" type="presParOf" srcId="{D1485097-8DE4-42C3-8101-E8A49E33072D}" destId="{1CFB959D-54B9-4DF7-97E6-A5884702A3BD}" srcOrd="1" destOrd="0" presId="urn:microsoft.com/office/officeart/2018/2/layout/IconCircleList"/>
+    <dgm:cxn modelId="{1394F2E7-9343-409A-B919-22E0EEFB22DA}" type="presParOf" srcId="{D1485097-8DE4-42C3-8101-E8A49E33072D}" destId="{3DBBF2E5-20E7-402F-BE5E-D191650A1A82}" srcOrd="2" destOrd="0" presId="urn:microsoft.com/office/officeart/2018/2/layout/IconCircleList"/>
+    <dgm:cxn modelId="{A0875483-941B-49E3-94AC-9B54B737AA55}" type="presParOf" srcId="{D1485097-8DE4-42C3-8101-E8A49E33072D}" destId="{81D9560D-D5FF-41D3-AC76-03FA7F6E8779}" srcOrd="3" destOrd="0" presId="urn:microsoft.com/office/officeart/2018/2/layout/IconCircleList"/>
+    <dgm:cxn modelId="{45CBB676-BB9F-4952-8545-E1621C6691B2}" type="presParOf" srcId="{038901C6-D495-4EAE-A9EA-CE3769473AC3}" destId="{4EBCC770-2A65-499C-9615-FD1265BDEB16}" srcOrd="5" destOrd="0" presId="urn:microsoft.com/office/officeart/2018/2/layout/IconCircleList"/>
+    <dgm:cxn modelId="{CD601EB0-EF01-412D-A448-6B4C67F0B24A}" type="presParOf" srcId="{038901C6-D495-4EAE-A9EA-CE3769473AC3}" destId="{19E235B4-AB77-43B7-A379-8AB6F6877AAE}" srcOrd="6" destOrd="0" presId="urn:microsoft.com/office/officeart/2018/2/layout/IconCircleList"/>
+    <dgm:cxn modelId="{D36E87FF-55D7-4356-9C02-4536452694A5}" type="presParOf" srcId="{19E235B4-AB77-43B7-A379-8AB6F6877AAE}" destId="{C2453D09-47AC-4E07-B79D-001850930FF5}" srcOrd="0" destOrd="0" presId="urn:microsoft.com/office/officeart/2018/2/layout/IconCircleList"/>
+    <dgm:cxn modelId="{A6776238-74BD-48D4-B9A1-AB2427FF0A9A}" type="presParOf" srcId="{19E235B4-AB77-43B7-A379-8AB6F6877AAE}" destId="{17E97631-4EF1-4F53-A4F6-C2809D64EEE9}" srcOrd="1" destOrd="0" presId="urn:microsoft.com/office/officeart/2018/2/layout/IconCircleList"/>
+    <dgm:cxn modelId="{FEF3903B-0770-43F2-849A-CECAD79C311D}" type="presParOf" srcId="{19E235B4-AB77-43B7-A379-8AB6F6877AAE}" destId="{E1C41DC6-8859-4000-B104-0136F11F227F}" srcOrd="2" destOrd="0" presId="urn:microsoft.com/office/officeart/2018/2/layout/IconCircleList"/>
+    <dgm:cxn modelId="{DFE5241C-EC0F-4514-B47D-E7EEC1CB3E7B}" type="presParOf" srcId="{19E235B4-AB77-43B7-A379-8AB6F6877AAE}" destId="{E1195D1D-515D-4CA7-9D46-89E4A88CBB5C}" srcOrd="3" destOrd="0" presId="urn:microsoft.com/office/officeart/2018/2/layout/IconCircleList"/>
+    <dgm:cxn modelId="{6D418232-E663-4BEA-BE3C-407AD94B3591}" type="presParOf" srcId="{038901C6-D495-4EAE-A9EA-CE3769473AC3}" destId="{CC34DF79-F639-4EB2-AC98-C0939E4882D2}" srcOrd="7" destOrd="0" presId="urn:microsoft.com/office/officeart/2018/2/layout/IconCircleList"/>
+    <dgm:cxn modelId="{C06A3A6E-9CCC-4E0F-88DA-0BA6A95B00C4}" type="presParOf" srcId="{038901C6-D495-4EAE-A9EA-CE3769473AC3}" destId="{A0264CCC-3C6F-47D4-BF13-1F1474D2E34E}" srcOrd="8" destOrd="0" presId="urn:microsoft.com/office/officeart/2018/2/layout/IconCircleList"/>
+    <dgm:cxn modelId="{2CD58657-25A9-460C-9093-1A9E997AA688}" type="presParOf" srcId="{A0264CCC-3C6F-47D4-BF13-1F1474D2E34E}" destId="{9598E1A0-1CE3-44E2-8884-889500FF0B6F}" srcOrd="0" destOrd="0" presId="urn:microsoft.com/office/officeart/2018/2/layout/IconCircleList"/>
+    <dgm:cxn modelId="{78BE8948-7D1D-4BB5-ABB3-1DE877DE1DA7}" type="presParOf" srcId="{A0264CCC-3C6F-47D4-BF13-1F1474D2E34E}" destId="{2BF59E78-E0D2-48BE-9AAD-92053728E8BD}" srcOrd="1" destOrd="0" presId="urn:microsoft.com/office/officeart/2018/2/layout/IconCircleList"/>
+    <dgm:cxn modelId="{40459B2C-695A-4CAA-BFB7-FCF92D2AE38A}" type="presParOf" srcId="{A0264CCC-3C6F-47D4-BF13-1F1474D2E34E}" destId="{E9148685-2F29-4661-8449-B05723AD111E}" srcOrd="2" destOrd="0" presId="urn:microsoft.com/office/officeart/2018/2/layout/IconCircleList"/>
+    <dgm:cxn modelId="{D1FF6A23-1FE8-4354-8F25-F1064B860193}" type="presParOf" srcId="{A0264CCC-3C6F-47D4-BF13-1F1474D2E34E}" destId="{D1E70C06-FD1D-4992-B5B7-91A6BCD63039}" srcOrd="3" destOrd="0" presId="urn:microsoft.com/office/officeart/2018/2/layout/IconCircleList"/>
+    <dgm:cxn modelId="{D238B1E2-FBE9-4522-ACE9-F59B1FDA8C30}" type="presParOf" srcId="{038901C6-D495-4EAE-A9EA-CE3769473AC3}" destId="{0A55EE09-F660-49CB-8759-4D0BAB3491B8}" srcOrd="9" destOrd="0" presId="urn:microsoft.com/office/officeart/2018/2/layout/IconCircleList"/>
+    <dgm:cxn modelId="{A0CDC741-6E9D-4985-A673-D6B363030AC0}" type="presParOf" srcId="{038901C6-D495-4EAE-A9EA-CE3769473AC3}" destId="{DC200748-868A-48BA-B744-5D2197863F66}" srcOrd="10" destOrd="0" presId="urn:microsoft.com/office/officeart/2018/2/layout/IconCircleList"/>
+    <dgm:cxn modelId="{567E5FC4-1E9F-4F33-9BA2-98CCE4A65209}" type="presParOf" srcId="{DC200748-868A-48BA-B744-5D2197863F66}" destId="{D678951C-D2DB-439C-A9B1-3905E311F3C5}" srcOrd="0" destOrd="0" presId="urn:microsoft.com/office/officeart/2018/2/layout/IconCircleList"/>
+    <dgm:cxn modelId="{3C617958-A92F-4467-AC45-D0C077E47238}" type="presParOf" srcId="{DC200748-868A-48BA-B744-5D2197863F66}" destId="{B0B433FC-A603-4439-8B6D-35383BDD1074}" srcOrd="1" destOrd="0" presId="urn:microsoft.com/office/officeart/2018/2/layout/IconCircleList"/>
+    <dgm:cxn modelId="{32FD8C89-8299-4C80-8FB5-055062BCB8CC}" type="presParOf" srcId="{DC200748-868A-48BA-B744-5D2197863F66}" destId="{DDF0F22A-F361-42D7-AA41-3490849481E3}" srcOrd="2" destOrd="0" presId="urn:microsoft.com/office/officeart/2018/2/layout/IconCircleList"/>
+    <dgm:cxn modelId="{D247C875-15EE-42D6-A572-A6A25C6C9C42}" type="presParOf" srcId="{DC200748-868A-48BA-B744-5D2197863F66}" destId="{91936C2D-62CC-4FC0-955B-B46440A431F7}" srcOrd="3" destOrd="0" presId="urn:microsoft.com/office/officeart/2018/2/layout/IconCircleList"/>
+    <dgm:cxn modelId="{71367C18-01C8-48F8-A564-C2B4E59DFCAB}" type="presParOf" srcId="{038901C6-D495-4EAE-A9EA-CE3769473AC3}" destId="{AB678B03-17A6-4894-BA43-A3DC50DBAF79}" srcOrd="11" destOrd="0" presId="urn:microsoft.com/office/officeart/2018/2/layout/IconCircleList"/>
+    <dgm:cxn modelId="{367013B6-6AA9-4C2B-8BFE-5948A875B3EF}" type="presParOf" srcId="{038901C6-D495-4EAE-A9EA-CE3769473AC3}" destId="{4BEBB2FF-0FF3-4C8D-8DD3-D123F546DB0C}" srcOrd="12" destOrd="0" presId="urn:microsoft.com/office/officeart/2018/2/layout/IconCircleList"/>
+    <dgm:cxn modelId="{A315EE5D-DC51-4BC5-85B0-9A44448A4B76}" type="presParOf" srcId="{4BEBB2FF-0FF3-4C8D-8DD3-D123F546DB0C}" destId="{D20E0724-D45A-442F-8C71-7CE872014933}" srcOrd="0" destOrd="0" presId="urn:microsoft.com/office/officeart/2018/2/layout/IconCircleList"/>
+    <dgm:cxn modelId="{90913C0B-D897-4807-BA9D-F29ADA5F9D85}" type="presParOf" srcId="{4BEBB2FF-0FF3-4C8D-8DD3-D123F546DB0C}" destId="{EAFB89F7-EE21-4F25-9472-FBD380FAB85E}" srcOrd="1" destOrd="0" presId="urn:microsoft.com/office/officeart/2018/2/layout/IconCircleList"/>
+    <dgm:cxn modelId="{FD6E5299-7674-4BCF-B124-B3909B06B966}" type="presParOf" srcId="{4BEBB2FF-0FF3-4C8D-8DD3-D123F546DB0C}" destId="{A00CFBE6-3907-4339-BB4A-29C921C961D3}" srcOrd="2" destOrd="0" presId="urn:microsoft.com/office/officeart/2018/2/layout/IconCircleList"/>
+    <dgm:cxn modelId="{BC4A501D-5F29-4B76-AB63-D62B8F2397E2}" type="presParOf" srcId="{4BEBB2FF-0FF3-4C8D-8DD3-D123F546DB0C}" destId="{CC22064A-7E2B-425A-865E-0E3B071CC03B}" srcOrd="3" destOrd="0" presId="urn:microsoft.com/office/officeart/2018/2/layout/IconCircleList"/>
+  </dgm:cxnLst>
+  <dgm:bg/>
+  <dgm:whole/>
+  <dgm:extLst>
+    <a:ext uri="http://schemas.microsoft.com/office/drawing/2008/diagram">
+      <dsp:dataModelExt xmlns:dsp="http://schemas.microsoft.com/office/drawing/2008/diagram" relId="rId6" minVer="http://schemas.openxmlformats.org/drawingml/2006/diagram"/>
+    </a:ext>
+  </dgm:extLst>
+</dgm:dataModel>
+</file>
+
+<file path=ppt/diagrams/drawing1.xml><?xml version="1.0" encoding="utf-8"?>
+<dsp:drawing xmlns:dgm="http://schemas.openxmlformats.org/drawingml/2006/diagram" xmlns:dsp="http://schemas.microsoft.com/office/drawing/2008/diagram" xmlns:a="http://schemas.openxmlformats.org/drawingml/2006/main">
+  <dsp:spTree>
+    <dsp:nvGrpSpPr>
+      <dsp:cNvPr id="0" name=""/>
+      <dsp:cNvGrpSpPr/>
+    </dsp:nvGrpSpPr>
+    <dsp:grpSpPr/>
+    <dsp:sp modelId="{86676446-C33B-4A0A-8282-179741921992}">
+      <dsp:nvSpPr>
+        <dsp:cNvPr id="0" name=""/>
+        <dsp:cNvSpPr/>
+      </dsp:nvSpPr>
+      <dsp:spPr>
+        <a:xfrm>
+          <a:off x="191458" y="149985"/>
+          <a:ext cx="800575" cy="800575"/>
+        </a:xfrm>
+        <a:prstGeom prst="ellipse">
+          <a:avLst/>
+        </a:prstGeom>
+        <a:solidFill>
+          <a:schemeClr val="accent2">
+            <a:hueOff val="0"/>
+            <a:satOff val="0"/>
+            <a:lumOff val="0"/>
+            <a:alphaOff val="0"/>
+          </a:schemeClr>
+        </a:solidFill>
+        <a:ln>
+          <a:noFill/>
+        </a:ln>
+        <a:effectLst>
+          <a:outerShdw blurRad="38100" dist="25400" dir="5400000" rotWithShape="0">
+            <a:srgbClr val="000000">
+              <a:alpha val="35000"/>
+            </a:srgbClr>
+          </a:outerShdw>
+        </a:effectLst>
+      </dsp:spPr>
+      <dsp:style>
+        <a:lnRef idx="0">
+          <a:scrgbClr r="0" g="0" b="0"/>
+        </a:lnRef>
+        <a:fillRef idx="1">
+          <a:scrgbClr r="0" g="0" b="0"/>
+        </a:fillRef>
+        <a:effectRef idx="2">
+          <a:scrgbClr r="0" g="0" b="0"/>
+        </a:effectRef>
+        <a:fontRef idx="minor"/>
+      </dsp:style>
+    </dsp:sp>
+    <dsp:sp modelId="{4B586501-828D-48D3-840C-21126B838C42}">
+      <dsp:nvSpPr>
+        <dsp:cNvPr id="0" name=""/>
+        <dsp:cNvSpPr/>
+      </dsp:nvSpPr>
+      <dsp:spPr>
+        <a:xfrm>
+          <a:off x="359579" y="318106"/>
+          <a:ext cx="464334" cy="464334"/>
+        </a:xfrm>
+        <a:prstGeom prst="rect">
+          <a:avLst/>
+        </a:prstGeom>
+        <a:blipFill>
+          <a:blip xmlns:r="http://schemas.openxmlformats.org/officeDocument/2006/relationships" r:embed="rId1">
+            <a:extLst>
+              <a:ext uri="{28A0092B-C50C-407E-A947-70E740481C1C}">
+                <a14:useLocalDpi xmlns:a14="http://schemas.microsoft.com/office/drawing/2010/main" val="0"/>
+              </a:ext>
+              <a:ext uri="{96DAC541-7B7A-43D3-8B79-37D633B846F1}">
+                <asvg:svgBlip xmlns:asvg="http://schemas.microsoft.com/office/drawing/2016/SVG/main" r:embed="rId2"/>
+              </a:ext>
+            </a:extLst>
+          </a:blip>
+          <a:stretch>
+            <a:fillRect/>
+          </a:stretch>
+        </a:blipFill>
+        <a:ln>
+          <a:noFill/>
+        </a:ln>
+        <a:effectLst>
+          <a:outerShdw blurRad="50800" dist="38100" dir="5400000" rotWithShape="0">
+            <a:srgbClr val="000000">
+              <a:alpha val="35000"/>
+            </a:srgbClr>
+          </a:outerShdw>
+        </a:effectLst>
+        <a:scene3d>
+          <a:camera prst="orthographicFront">
+            <a:rot lat="0" lon="0" rev="0"/>
+          </a:camera>
+          <a:lightRig rig="threePt" dir="tl"/>
+        </a:scene3d>
+        <a:sp3d prstMaterial="plastic">
+          <a:bevelT w="0" h="0"/>
+        </a:sp3d>
+      </dsp:spPr>
+      <dsp:style>
+        <a:lnRef idx="0">
+          <a:scrgbClr r="0" g="0" b="0"/>
+        </a:lnRef>
+        <a:fillRef idx="3">
+          <a:scrgbClr r="0" g="0" b="0"/>
+        </a:fillRef>
+        <a:effectRef idx="3">
+          <a:scrgbClr r="0" g="0" b="0"/>
+        </a:effectRef>
+        <a:fontRef idx="minor">
+          <a:schemeClr val="lt1"/>
+        </a:fontRef>
+      </dsp:style>
+    </dsp:sp>
+    <dsp:sp modelId="{89172CB6-51BA-44D5-8A2B-798DB167FE95}">
+      <dsp:nvSpPr>
+        <dsp:cNvPr id="0" name=""/>
+        <dsp:cNvSpPr/>
+      </dsp:nvSpPr>
+      <dsp:spPr>
+        <a:xfrm>
+          <a:off x="1163586" y="149985"/>
+          <a:ext cx="1887071" cy="800575"/>
+        </a:xfrm>
+        <a:prstGeom prst="rect">
+          <a:avLst/>
+        </a:prstGeom>
+        <a:noFill/>
+        <a:ln>
+          <a:noFill/>
+        </a:ln>
+        <a:effectLst/>
+      </dsp:spPr>
+      <dsp:style>
+        <a:lnRef idx="0">
+          <a:scrgbClr r="0" g="0" b="0"/>
+        </a:lnRef>
+        <a:fillRef idx="0">
+          <a:scrgbClr r="0" g="0" b="0"/>
+        </a:fillRef>
+        <a:effectRef idx="0">
+          <a:scrgbClr r="0" g="0" b="0"/>
+        </a:effectRef>
+        <a:fontRef idx="minor"/>
+      </dsp:style>
+      <dsp:txBody>
+        <a:bodyPr spcFirstLastPara="0" vert="horz" wrap="square" lIns="0" tIns="0" rIns="0" bIns="0" numCol="1" spcCol="1270" anchor="ctr" anchorCtr="0">
+          <a:noAutofit/>
+        </a:bodyPr>
+        <a:lstStyle/>
+        <a:p>
+          <a:pPr marL="0" lvl="0" indent="0" algn="l" defTabSz="488950">
+            <a:lnSpc>
+              <a:spcPct val="100000"/>
+            </a:lnSpc>
+            <a:spcBef>
+              <a:spcPct val="0"/>
+            </a:spcBef>
+            <a:spcAft>
+              <a:spcPct val="35000"/>
+            </a:spcAft>
+            <a:buNone/>
+          </a:pPr>
+          <a:r>
+            <a:rPr lang="en-US" sz="1100" kern="1200" dirty="0"/>
+            <a:t>To create a working form of </a:t>
+          </a:r>
+          <a:r>
+            <a:rPr lang="en-US" sz="1100" kern="1200" dirty="0" err="1"/>
+            <a:t>eToken</a:t>
+          </a:r>
+          <a:r>
+            <a:rPr lang="en-US" sz="1100" kern="1200" dirty="0"/>
+            <a:t> for avoiding…</a:t>
+          </a:r>
+        </a:p>
+      </dsp:txBody>
+      <dsp:txXfrm>
+        <a:off x="1163586" y="149985"/>
+        <a:ext cx="1887071" cy="800575"/>
+      </dsp:txXfrm>
+    </dsp:sp>
+    <dsp:sp modelId="{1D647BCA-CED2-4C7A-BECF-33ED1154D87B}">
+      <dsp:nvSpPr>
+        <dsp:cNvPr id="0" name=""/>
+        <dsp:cNvSpPr/>
+      </dsp:nvSpPr>
+      <dsp:spPr>
+        <a:xfrm>
+          <a:off x="3379466" y="149985"/>
+          <a:ext cx="800575" cy="800575"/>
+        </a:xfrm>
+        <a:prstGeom prst="ellipse">
+          <a:avLst/>
+        </a:prstGeom>
+        <a:solidFill>
+          <a:schemeClr val="accent3">
+            <a:hueOff val="0"/>
+            <a:satOff val="0"/>
+            <a:lumOff val="0"/>
+            <a:alphaOff val="0"/>
+          </a:schemeClr>
+        </a:solidFill>
+        <a:ln>
+          <a:noFill/>
+        </a:ln>
+        <a:effectLst>
+          <a:outerShdw blurRad="38100" dist="25400" dir="5400000" rotWithShape="0">
+            <a:srgbClr val="000000">
+              <a:alpha val="35000"/>
+            </a:srgbClr>
+          </a:outerShdw>
+        </a:effectLst>
+      </dsp:spPr>
+      <dsp:style>
+        <a:lnRef idx="0">
+          <a:scrgbClr r="0" g="0" b="0"/>
+        </a:lnRef>
+        <a:fillRef idx="1">
+          <a:scrgbClr r="0" g="0" b="0"/>
+        </a:fillRef>
+        <a:effectRef idx="2">
+          <a:scrgbClr r="0" g="0" b="0"/>
+        </a:effectRef>
+        <a:fontRef idx="minor"/>
+      </dsp:style>
+    </dsp:sp>
+    <dsp:sp modelId="{0E879B29-0088-4BC3-8500-E79A12B5A465}">
+      <dsp:nvSpPr>
+        <dsp:cNvPr id="0" name=""/>
+        <dsp:cNvSpPr/>
+      </dsp:nvSpPr>
+      <dsp:spPr>
+        <a:xfrm>
+          <a:off x="3547587" y="318106"/>
+          <a:ext cx="464334" cy="464334"/>
+        </a:xfrm>
+        <a:prstGeom prst="rect">
+          <a:avLst/>
+        </a:prstGeom>
+        <a:blipFill>
+          <a:blip xmlns:r="http://schemas.openxmlformats.org/officeDocument/2006/relationships" r:embed="rId3">
+            <a:extLst>
+              <a:ext uri="{28A0092B-C50C-407E-A947-70E740481C1C}">
+                <a14:useLocalDpi xmlns:a14="http://schemas.microsoft.com/office/drawing/2010/main" val="0"/>
+              </a:ext>
+              <a:ext uri="{96DAC541-7B7A-43D3-8B79-37D633B846F1}">
+                <asvg:svgBlip xmlns:asvg="http://schemas.microsoft.com/office/drawing/2016/SVG/main" r:embed="rId4"/>
+              </a:ext>
+            </a:extLst>
+          </a:blip>
+          <a:stretch>
+            <a:fillRect/>
+          </a:stretch>
+        </a:blipFill>
+        <a:ln>
+          <a:noFill/>
+        </a:ln>
+        <a:effectLst>
+          <a:outerShdw blurRad="50800" dist="38100" dir="5400000" rotWithShape="0">
+            <a:srgbClr val="000000">
+              <a:alpha val="35000"/>
+            </a:srgbClr>
+          </a:outerShdw>
+        </a:effectLst>
+        <a:scene3d>
+          <a:camera prst="orthographicFront">
+            <a:rot lat="0" lon="0" rev="0"/>
+          </a:camera>
+          <a:lightRig rig="threePt" dir="tl"/>
+        </a:scene3d>
+        <a:sp3d prstMaterial="plastic">
+          <a:bevelT w="0" h="0"/>
+        </a:sp3d>
+      </dsp:spPr>
+      <dsp:style>
+        <a:lnRef idx="0">
+          <a:scrgbClr r="0" g="0" b="0"/>
+        </a:lnRef>
+        <a:fillRef idx="3">
+          <a:scrgbClr r="0" g="0" b="0"/>
+        </a:fillRef>
+        <a:effectRef idx="3">
+          <a:scrgbClr r="0" g="0" b="0"/>
+        </a:effectRef>
+        <a:fontRef idx="minor">
+          <a:schemeClr val="lt1"/>
+        </a:fontRef>
+      </dsp:style>
+    </dsp:sp>
+    <dsp:sp modelId="{ABE2885A-B9EB-4D4E-9CF6-04FA8B41E14D}">
+      <dsp:nvSpPr>
+        <dsp:cNvPr id="0" name=""/>
+        <dsp:cNvSpPr/>
+      </dsp:nvSpPr>
+      <dsp:spPr>
+        <a:xfrm>
+          <a:off x="4351594" y="149985"/>
+          <a:ext cx="1887071" cy="800575"/>
+        </a:xfrm>
+        <a:prstGeom prst="rect">
+          <a:avLst/>
+        </a:prstGeom>
+        <a:noFill/>
+        <a:ln>
+          <a:noFill/>
+        </a:ln>
+        <a:effectLst/>
+      </dsp:spPr>
+      <dsp:style>
+        <a:lnRef idx="0">
+          <a:scrgbClr r="0" g="0" b="0"/>
+        </a:lnRef>
+        <a:fillRef idx="0">
+          <a:scrgbClr r="0" g="0" b="0"/>
+        </a:fillRef>
+        <a:effectRef idx="0">
+          <a:scrgbClr r="0" g="0" b="0"/>
+        </a:effectRef>
+        <a:fontRef idx="minor"/>
+      </dsp:style>
+      <dsp:txBody>
+        <a:bodyPr spcFirstLastPara="0" vert="horz" wrap="square" lIns="0" tIns="0" rIns="0" bIns="0" numCol="1" spcCol="1270" anchor="ctr" anchorCtr="0">
+          <a:noAutofit/>
+        </a:bodyPr>
+        <a:lstStyle/>
+        <a:p>
+          <a:pPr marL="0" lvl="0" indent="0" algn="l" defTabSz="488950">
+            <a:lnSpc>
+              <a:spcPct val="100000"/>
+            </a:lnSpc>
+            <a:spcBef>
+              <a:spcPct val="0"/>
+            </a:spcBef>
+            <a:spcAft>
+              <a:spcPct val="35000"/>
+            </a:spcAft>
+            <a:buNone/>
+          </a:pPr>
+          <a:r>
+            <a:rPr lang="en-US" sz="1100" kern="1200" dirty="0"/>
+            <a:t>Counterfeiting.</a:t>
+          </a:r>
+        </a:p>
+      </dsp:txBody>
+      <dsp:txXfrm>
+        <a:off x="4351594" y="149985"/>
+        <a:ext cx="1887071" cy="800575"/>
+      </dsp:txXfrm>
+    </dsp:sp>
+    <dsp:sp modelId="{2C84BBFD-2D4B-4B68-9E8D-8199C0CDB641}">
+      <dsp:nvSpPr>
+        <dsp:cNvPr id="0" name=""/>
+        <dsp:cNvSpPr/>
+      </dsp:nvSpPr>
+      <dsp:spPr>
+        <a:xfrm>
+          <a:off x="6567474" y="149985"/>
+          <a:ext cx="800575" cy="800575"/>
+        </a:xfrm>
+        <a:prstGeom prst="ellipse">
+          <a:avLst/>
+        </a:prstGeom>
+        <a:solidFill>
+          <a:schemeClr val="accent4">
+            <a:hueOff val="0"/>
+            <a:satOff val="0"/>
+            <a:lumOff val="0"/>
+            <a:alphaOff val="0"/>
+          </a:schemeClr>
+        </a:solidFill>
+        <a:ln>
+          <a:noFill/>
+        </a:ln>
+        <a:effectLst>
+          <a:outerShdw blurRad="38100" dist="25400" dir="5400000" rotWithShape="0">
+            <a:srgbClr val="000000">
+              <a:alpha val="35000"/>
+            </a:srgbClr>
+          </a:outerShdw>
+        </a:effectLst>
+      </dsp:spPr>
+      <dsp:style>
+        <a:lnRef idx="0">
+          <a:scrgbClr r="0" g="0" b="0"/>
+        </a:lnRef>
+        <a:fillRef idx="1">
+          <a:scrgbClr r="0" g="0" b="0"/>
+        </a:fillRef>
+        <a:effectRef idx="2">
+          <a:scrgbClr r="0" g="0" b="0"/>
+        </a:effectRef>
+        <a:fontRef idx="minor"/>
+      </dsp:style>
+    </dsp:sp>
+    <dsp:sp modelId="{1CFB959D-54B9-4DF7-97E6-A5884702A3BD}">
+      <dsp:nvSpPr>
+        <dsp:cNvPr id="0" name=""/>
+        <dsp:cNvSpPr/>
+      </dsp:nvSpPr>
+      <dsp:spPr>
+        <a:xfrm>
+          <a:off x="6735595" y="318106"/>
+          <a:ext cx="464334" cy="464334"/>
+        </a:xfrm>
+        <a:prstGeom prst="rect">
+          <a:avLst/>
+        </a:prstGeom>
+        <a:blipFill>
+          <a:blip xmlns:r="http://schemas.openxmlformats.org/officeDocument/2006/relationships" r:embed="rId5">
+            <a:extLst>
+              <a:ext uri="{28A0092B-C50C-407E-A947-70E740481C1C}">
+                <a14:useLocalDpi xmlns:a14="http://schemas.microsoft.com/office/drawing/2010/main" val="0"/>
+              </a:ext>
+              <a:ext uri="{96DAC541-7B7A-43D3-8B79-37D633B846F1}">
+                <asvg:svgBlip xmlns:asvg="http://schemas.microsoft.com/office/drawing/2016/SVG/main" r:embed="rId6"/>
+              </a:ext>
+            </a:extLst>
+          </a:blip>
+          <a:stretch>
+            <a:fillRect/>
+          </a:stretch>
+        </a:blipFill>
+        <a:ln>
+          <a:noFill/>
+        </a:ln>
+        <a:effectLst>
+          <a:outerShdw blurRad="50800" dist="38100" dir="5400000" rotWithShape="0">
+            <a:srgbClr val="000000">
+              <a:alpha val="35000"/>
+            </a:srgbClr>
+          </a:outerShdw>
+        </a:effectLst>
+        <a:scene3d>
+          <a:camera prst="orthographicFront">
+            <a:rot lat="0" lon="0" rev="0"/>
+          </a:camera>
+          <a:lightRig rig="threePt" dir="tl"/>
+        </a:scene3d>
+        <a:sp3d prstMaterial="plastic">
+          <a:bevelT w="0" h="0"/>
+        </a:sp3d>
+      </dsp:spPr>
+      <dsp:style>
+        <a:lnRef idx="0">
+          <a:scrgbClr r="0" g="0" b="0"/>
+        </a:lnRef>
+        <a:fillRef idx="3">
+          <a:scrgbClr r="0" g="0" b="0"/>
+        </a:fillRef>
+        <a:effectRef idx="3">
+          <a:scrgbClr r="0" g="0" b="0"/>
+        </a:effectRef>
+        <a:fontRef idx="minor">
+          <a:schemeClr val="lt1"/>
+        </a:fontRef>
+      </dsp:style>
+    </dsp:sp>
+    <dsp:sp modelId="{81D9560D-D5FF-41D3-AC76-03FA7F6E8779}">
+      <dsp:nvSpPr>
+        <dsp:cNvPr id="0" name=""/>
+        <dsp:cNvSpPr/>
+      </dsp:nvSpPr>
+      <dsp:spPr>
+        <a:xfrm>
+          <a:off x="7539602" y="149985"/>
+          <a:ext cx="1887071" cy="800575"/>
+        </a:xfrm>
+        <a:prstGeom prst="rect">
+          <a:avLst/>
+        </a:prstGeom>
+        <a:noFill/>
+        <a:ln>
+          <a:noFill/>
+        </a:ln>
+        <a:effectLst/>
+      </dsp:spPr>
+      <dsp:style>
+        <a:lnRef idx="0">
+          <a:scrgbClr r="0" g="0" b="0"/>
+        </a:lnRef>
+        <a:fillRef idx="0">
+          <a:scrgbClr r="0" g="0" b="0"/>
+        </a:fillRef>
+        <a:effectRef idx="0">
+          <a:scrgbClr r="0" g="0" b="0"/>
+        </a:effectRef>
+        <a:fontRef idx="minor"/>
+      </dsp:style>
+      <dsp:txBody>
+        <a:bodyPr spcFirstLastPara="0" vert="horz" wrap="square" lIns="0" tIns="0" rIns="0" bIns="0" numCol="1" spcCol="1270" anchor="ctr" anchorCtr="0">
+          <a:noAutofit/>
+        </a:bodyPr>
+        <a:lstStyle/>
+        <a:p>
+          <a:pPr marL="0" lvl="0" indent="0" algn="l" defTabSz="488950">
+            <a:lnSpc>
+              <a:spcPct val="100000"/>
+            </a:lnSpc>
+            <a:spcBef>
+              <a:spcPct val="0"/>
+            </a:spcBef>
+            <a:spcAft>
+              <a:spcPct val="35000"/>
+            </a:spcAft>
+            <a:buNone/>
+          </a:pPr>
+          <a:r>
+            <a:rPr lang="en-GB" sz="1100" kern="1200"/>
+            <a:t>L</a:t>
+          </a:r>
+          <a:r>
+            <a:rPr lang="en-US" sz="1100" kern="1200"/>
+            <a:t>oan infringement and</a:t>
+          </a:r>
+        </a:p>
+      </dsp:txBody>
+      <dsp:txXfrm>
+        <a:off x="7539602" y="149985"/>
+        <a:ext cx="1887071" cy="800575"/>
+      </dsp:txXfrm>
+    </dsp:sp>
+    <dsp:sp modelId="{C2453D09-47AC-4E07-B79D-001850930FF5}">
+      <dsp:nvSpPr>
+        <dsp:cNvPr id="0" name=""/>
+        <dsp:cNvSpPr/>
+      </dsp:nvSpPr>
+      <dsp:spPr>
+        <a:xfrm>
+          <a:off x="191458" y="1646453"/>
+          <a:ext cx="800575" cy="800575"/>
+        </a:xfrm>
+        <a:prstGeom prst="ellipse">
+          <a:avLst/>
+        </a:prstGeom>
+        <a:solidFill>
+          <a:schemeClr val="accent5">
+            <a:hueOff val="0"/>
+            <a:satOff val="0"/>
+            <a:lumOff val="0"/>
+            <a:alphaOff val="0"/>
+          </a:schemeClr>
+        </a:solidFill>
+        <a:ln>
+          <a:noFill/>
+        </a:ln>
+        <a:effectLst>
+          <a:outerShdw blurRad="38100" dist="25400" dir="5400000" rotWithShape="0">
+            <a:srgbClr val="000000">
+              <a:alpha val="35000"/>
+            </a:srgbClr>
+          </a:outerShdw>
+        </a:effectLst>
+      </dsp:spPr>
+      <dsp:style>
+        <a:lnRef idx="0">
+          <a:scrgbClr r="0" g="0" b="0"/>
+        </a:lnRef>
+        <a:fillRef idx="1">
+          <a:scrgbClr r="0" g="0" b="0"/>
+        </a:fillRef>
+        <a:effectRef idx="2">
+          <a:scrgbClr r="0" g="0" b="0"/>
+        </a:effectRef>
+        <a:fontRef idx="minor"/>
+      </dsp:style>
+    </dsp:sp>
+    <dsp:sp modelId="{17E97631-4EF1-4F53-A4F6-C2809D64EEE9}">
+      <dsp:nvSpPr>
+        <dsp:cNvPr id="0" name=""/>
+        <dsp:cNvSpPr/>
+      </dsp:nvSpPr>
+      <dsp:spPr>
+        <a:xfrm>
+          <a:off x="359579" y="1814573"/>
+          <a:ext cx="464334" cy="464334"/>
+        </a:xfrm>
+        <a:prstGeom prst="rect">
+          <a:avLst/>
+        </a:prstGeom>
+        <a:blipFill>
+          <a:blip xmlns:r="http://schemas.openxmlformats.org/officeDocument/2006/relationships" r:embed="rId7">
+            <a:extLst>
+              <a:ext uri="{28A0092B-C50C-407E-A947-70E740481C1C}">
+                <a14:useLocalDpi xmlns:a14="http://schemas.microsoft.com/office/drawing/2010/main" val="0"/>
+              </a:ext>
+              <a:ext uri="{96DAC541-7B7A-43D3-8B79-37D633B846F1}">
+                <asvg:svgBlip xmlns:asvg="http://schemas.microsoft.com/office/drawing/2016/SVG/main" r:embed="rId8"/>
+              </a:ext>
+            </a:extLst>
+          </a:blip>
+          <a:stretch>
+            <a:fillRect/>
+          </a:stretch>
+        </a:blipFill>
+        <a:ln>
+          <a:noFill/>
+        </a:ln>
+        <a:effectLst>
+          <a:outerShdw blurRad="50800" dist="38100" dir="5400000" rotWithShape="0">
+            <a:srgbClr val="000000">
+              <a:alpha val="35000"/>
+            </a:srgbClr>
+          </a:outerShdw>
+        </a:effectLst>
+        <a:scene3d>
+          <a:camera prst="orthographicFront">
+            <a:rot lat="0" lon="0" rev="0"/>
+          </a:camera>
+          <a:lightRig rig="threePt" dir="tl"/>
+        </a:scene3d>
+        <a:sp3d prstMaterial="plastic">
+          <a:bevelT w="0" h="0"/>
+        </a:sp3d>
+      </dsp:spPr>
+      <dsp:style>
+        <a:lnRef idx="0">
+          <a:scrgbClr r="0" g="0" b="0"/>
+        </a:lnRef>
+        <a:fillRef idx="3">
+          <a:scrgbClr r="0" g="0" b="0"/>
+        </a:fillRef>
+        <a:effectRef idx="3">
+          <a:scrgbClr r="0" g="0" b="0"/>
+        </a:effectRef>
+        <a:fontRef idx="minor">
+          <a:schemeClr val="lt1"/>
+        </a:fontRef>
+      </dsp:style>
+    </dsp:sp>
+    <dsp:sp modelId="{E1195D1D-515D-4CA7-9D46-89E4A88CBB5C}">
+      <dsp:nvSpPr>
+        <dsp:cNvPr id="0" name=""/>
+        <dsp:cNvSpPr/>
+      </dsp:nvSpPr>
+      <dsp:spPr>
+        <a:xfrm>
+          <a:off x="1163586" y="1646453"/>
+          <a:ext cx="1887071" cy="800575"/>
+        </a:xfrm>
+        <a:prstGeom prst="rect">
+          <a:avLst/>
+        </a:prstGeom>
+        <a:noFill/>
+        <a:ln>
+          <a:noFill/>
+        </a:ln>
+        <a:effectLst/>
+      </dsp:spPr>
+      <dsp:style>
+        <a:lnRef idx="0">
+          <a:scrgbClr r="0" g="0" b="0"/>
+        </a:lnRef>
+        <a:fillRef idx="0">
+          <a:scrgbClr r="0" g="0" b="0"/>
+        </a:fillRef>
+        <a:effectRef idx="0">
+          <a:scrgbClr r="0" g="0" b="0"/>
+        </a:effectRef>
+        <a:fontRef idx="minor"/>
+      </dsp:style>
+      <dsp:txBody>
+        <a:bodyPr spcFirstLastPara="0" vert="horz" wrap="square" lIns="0" tIns="0" rIns="0" bIns="0" numCol="1" spcCol="1270" anchor="ctr" anchorCtr="0">
+          <a:noAutofit/>
+        </a:bodyPr>
+        <a:lstStyle/>
+        <a:p>
+          <a:pPr marL="0" lvl="0" indent="0" algn="l" defTabSz="488950">
+            <a:lnSpc>
+              <a:spcPct val="100000"/>
+            </a:lnSpc>
+            <a:spcBef>
+              <a:spcPct val="0"/>
+            </a:spcBef>
+            <a:spcAft>
+              <a:spcPct val="35000"/>
+            </a:spcAft>
+            <a:buNone/>
+          </a:pPr>
+          <a:r>
+            <a:rPr lang="en-GB" sz="1100" kern="1200"/>
+            <a:t>M</a:t>
+          </a:r>
+          <a:r>
+            <a:rPr lang="en-US" sz="1100" kern="1200"/>
+            <a:t>oney usage in other fields</a:t>
+          </a:r>
+        </a:p>
+      </dsp:txBody>
+      <dsp:txXfrm>
+        <a:off x="1163586" y="1646453"/>
+        <a:ext cx="1887071" cy="800575"/>
+      </dsp:txXfrm>
+    </dsp:sp>
+    <dsp:sp modelId="{9598E1A0-1CE3-44E2-8884-889500FF0B6F}">
+      <dsp:nvSpPr>
+        <dsp:cNvPr id="0" name=""/>
+        <dsp:cNvSpPr/>
+      </dsp:nvSpPr>
+      <dsp:spPr>
+        <a:xfrm>
+          <a:off x="3379466" y="1646453"/>
+          <a:ext cx="800575" cy="800575"/>
+        </a:xfrm>
+        <a:prstGeom prst="ellipse">
+          <a:avLst/>
+        </a:prstGeom>
+        <a:solidFill>
+          <a:schemeClr val="accent6">
+            <a:hueOff val="0"/>
+            <a:satOff val="0"/>
+            <a:lumOff val="0"/>
+            <a:alphaOff val="0"/>
+          </a:schemeClr>
+        </a:solidFill>
+        <a:ln>
+          <a:noFill/>
+        </a:ln>
+        <a:effectLst>
+          <a:outerShdw blurRad="38100" dist="25400" dir="5400000" rotWithShape="0">
+            <a:srgbClr val="000000">
+              <a:alpha val="35000"/>
+            </a:srgbClr>
+          </a:outerShdw>
+        </a:effectLst>
+      </dsp:spPr>
+      <dsp:style>
+        <a:lnRef idx="0">
+          <a:scrgbClr r="0" g="0" b="0"/>
+        </a:lnRef>
+        <a:fillRef idx="1">
+          <a:scrgbClr r="0" g="0" b="0"/>
+        </a:fillRef>
+        <a:effectRef idx="2">
+          <a:scrgbClr r="0" g="0" b="0"/>
+        </a:effectRef>
+        <a:fontRef idx="minor"/>
+      </dsp:style>
+    </dsp:sp>
+    <dsp:sp modelId="{2BF59E78-E0D2-48BE-9AAD-92053728E8BD}">
+      <dsp:nvSpPr>
+        <dsp:cNvPr id="0" name=""/>
+        <dsp:cNvSpPr/>
+      </dsp:nvSpPr>
+      <dsp:spPr>
+        <a:xfrm>
+          <a:off x="3547587" y="1814573"/>
+          <a:ext cx="464334" cy="464334"/>
+        </a:xfrm>
+        <a:prstGeom prst="rect">
+          <a:avLst/>
+        </a:prstGeom>
+        <a:blipFill>
+          <a:blip xmlns:r="http://schemas.openxmlformats.org/officeDocument/2006/relationships" r:embed="rId9">
+            <a:extLst>
+              <a:ext uri="{28A0092B-C50C-407E-A947-70E740481C1C}">
+                <a14:useLocalDpi xmlns:a14="http://schemas.microsoft.com/office/drawing/2010/main" val="0"/>
+              </a:ext>
+              <a:ext uri="{96DAC541-7B7A-43D3-8B79-37D633B846F1}">
+                <asvg:svgBlip xmlns:asvg="http://schemas.microsoft.com/office/drawing/2016/SVG/main" r:embed="rId10"/>
+              </a:ext>
+            </a:extLst>
+          </a:blip>
+          <a:stretch>
+            <a:fillRect/>
+          </a:stretch>
+        </a:blipFill>
+        <a:ln>
+          <a:noFill/>
+        </a:ln>
+        <a:effectLst>
+          <a:outerShdw blurRad="50800" dist="38100" dir="5400000" rotWithShape="0">
+            <a:srgbClr val="000000">
+              <a:alpha val="35000"/>
+            </a:srgbClr>
+          </a:outerShdw>
+        </a:effectLst>
+        <a:scene3d>
+          <a:camera prst="orthographicFront">
+            <a:rot lat="0" lon="0" rev="0"/>
+          </a:camera>
+          <a:lightRig rig="threePt" dir="tl"/>
+        </a:scene3d>
+        <a:sp3d prstMaterial="plastic">
+          <a:bevelT w="0" h="0"/>
+        </a:sp3d>
+      </dsp:spPr>
+      <dsp:style>
+        <a:lnRef idx="0">
+          <a:scrgbClr r="0" g="0" b="0"/>
+        </a:lnRef>
+        <a:fillRef idx="3">
+          <a:scrgbClr r="0" g="0" b="0"/>
+        </a:fillRef>
+        <a:effectRef idx="3">
+          <a:scrgbClr r="0" g="0" b="0"/>
+        </a:effectRef>
+        <a:fontRef idx="minor">
+          <a:schemeClr val="lt1"/>
+        </a:fontRef>
+      </dsp:style>
+    </dsp:sp>
+    <dsp:sp modelId="{D1E70C06-FD1D-4992-B5B7-91A6BCD63039}">
+      <dsp:nvSpPr>
+        <dsp:cNvPr id="0" name=""/>
+        <dsp:cNvSpPr/>
+      </dsp:nvSpPr>
+      <dsp:spPr>
+        <a:xfrm>
+          <a:off x="4351594" y="1646453"/>
+          <a:ext cx="1887071" cy="800575"/>
+        </a:xfrm>
+        <a:prstGeom prst="rect">
+          <a:avLst/>
+        </a:prstGeom>
+        <a:noFill/>
+        <a:ln>
+          <a:noFill/>
+        </a:ln>
+        <a:effectLst/>
+      </dsp:spPr>
+      <dsp:style>
+        <a:lnRef idx="0">
+          <a:scrgbClr r="0" g="0" b="0"/>
+        </a:lnRef>
+        <a:fillRef idx="0">
+          <a:scrgbClr r="0" g="0" b="0"/>
+        </a:fillRef>
+        <a:effectRef idx="0">
+          <a:scrgbClr r="0" g="0" b="0"/>
+        </a:effectRef>
+        <a:fontRef idx="minor"/>
+      </dsp:style>
+      <dsp:txBody>
+        <a:bodyPr spcFirstLastPara="0" vert="horz" wrap="square" lIns="0" tIns="0" rIns="0" bIns="0" numCol="1" spcCol="1270" anchor="ctr" anchorCtr="0">
+          <a:noAutofit/>
+        </a:bodyPr>
+        <a:lstStyle/>
+        <a:p>
+          <a:pPr marL="0" lvl="0" indent="0" algn="l" defTabSz="488950">
+            <a:lnSpc>
+              <a:spcPct val="100000"/>
+            </a:lnSpc>
+            <a:spcBef>
+              <a:spcPct val="0"/>
+            </a:spcBef>
+            <a:spcAft>
+              <a:spcPct val="35000"/>
+            </a:spcAft>
+            <a:buNone/>
+          </a:pPr>
+          <a:r>
+            <a:rPr lang="en-US" sz="1100" kern="1200"/>
+            <a:t>The eTokens are supposedly going to be under the name eNaira but they are different assets to the eNaira. Each type of token has its sole purpose which could be…</a:t>
+          </a:r>
+        </a:p>
+      </dsp:txBody>
+      <dsp:txXfrm>
+        <a:off x="4351594" y="1646453"/>
+        <a:ext cx="1887071" cy="800575"/>
+      </dsp:txXfrm>
+    </dsp:sp>
+    <dsp:sp modelId="{D678951C-D2DB-439C-A9B1-3905E311F3C5}">
+      <dsp:nvSpPr>
+        <dsp:cNvPr id="0" name=""/>
+        <dsp:cNvSpPr/>
+      </dsp:nvSpPr>
+      <dsp:spPr>
+        <a:xfrm>
+          <a:off x="6567474" y="1646453"/>
+          <a:ext cx="800575" cy="800575"/>
+        </a:xfrm>
+        <a:prstGeom prst="ellipse">
+          <a:avLst/>
+        </a:prstGeom>
+        <a:solidFill>
+          <a:schemeClr val="accent2">
+            <a:hueOff val="0"/>
+            <a:satOff val="0"/>
+            <a:lumOff val="0"/>
+            <a:alphaOff val="0"/>
+          </a:schemeClr>
+        </a:solidFill>
+        <a:ln>
+          <a:noFill/>
+        </a:ln>
+        <a:effectLst>
+          <a:outerShdw blurRad="38100" dist="25400" dir="5400000" rotWithShape="0">
+            <a:srgbClr val="000000">
+              <a:alpha val="35000"/>
+            </a:srgbClr>
+          </a:outerShdw>
+        </a:effectLst>
+      </dsp:spPr>
+      <dsp:style>
+        <a:lnRef idx="0">
+          <a:scrgbClr r="0" g="0" b="0"/>
+        </a:lnRef>
+        <a:fillRef idx="1">
+          <a:scrgbClr r="0" g="0" b="0"/>
+        </a:fillRef>
+        <a:effectRef idx="2">
+          <a:scrgbClr r="0" g="0" b="0"/>
+        </a:effectRef>
+        <a:fontRef idx="minor"/>
+      </dsp:style>
+    </dsp:sp>
+    <dsp:sp modelId="{B0B433FC-A603-4439-8B6D-35383BDD1074}">
+      <dsp:nvSpPr>
+        <dsp:cNvPr id="0" name=""/>
+        <dsp:cNvSpPr/>
+      </dsp:nvSpPr>
+      <dsp:spPr>
+        <a:xfrm>
+          <a:off x="6735595" y="1814573"/>
+          <a:ext cx="464334" cy="464334"/>
+        </a:xfrm>
+        <a:prstGeom prst="rect">
+          <a:avLst/>
+        </a:prstGeom>
+        <a:blipFill>
+          <a:blip xmlns:r="http://schemas.openxmlformats.org/officeDocument/2006/relationships" r:embed="rId11">
+            <a:extLst>
+              <a:ext uri="{28A0092B-C50C-407E-A947-70E740481C1C}">
+                <a14:useLocalDpi xmlns:a14="http://schemas.microsoft.com/office/drawing/2010/main" val="0"/>
+              </a:ext>
+              <a:ext uri="{96DAC541-7B7A-43D3-8B79-37D633B846F1}">
+                <asvg:svgBlip xmlns:asvg="http://schemas.microsoft.com/office/drawing/2016/SVG/main" r:embed="rId12"/>
+              </a:ext>
+            </a:extLst>
+          </a:blip>
+          <a:stretch>
+            <a:fillRect/>
+          </a:stretch>
+        </a:blipFill>
+        <a:ln>
+          <a:noFill/>
+        </a:ln>
+        <a:effectLst>
+          <a:outerShdw blurRad="50800" dist="38100" dir="5400000" rotWithShape="0">
+            <a:srgbClr val="000000">
+              <a:alpha val="35000"/>
+            </a:srgbClr>
+          </a:outerShdw>
+        </a:effectLst>
+        <a:scene3d>
+          <a:camera prst="orthographicFront">
+            <a:rot lat="0" lon="0" rev="0"/>
+          </a:camera>
+          <a:lightRig rig="threePt" dir="tl"/>
+        </a:scene3d>
+        <a:sp3d prstMaterial="plastic">
+          <a:bevelT w="0" h="0"/>
+        </a:sp3d>
+      </dsp:spPr>
+      <dsp:style>
+        <a:lnRef idx="0">
+          <a:scrgbClr r="0" g="0" b="0"/>
+        </a:lnRef>
+        <a:fillRef idx="3">
+          <a:scrgbClr r="0" g="0" b="0"/>
+        </a:fillRef>
+        <a:effectRef idx="3">
+          <a:scrgbClr r="0" g="0" b="0"/>
+        </a:effectRef>
+        <a:fontRef idx="minor">
+          <a:schemeClr val="lt1"/>
+        </a:fontRef>
+      </dsp:style>
+    </dsp:sp>
+    <dsp:sp modelId="{91936C2D-62CC-4FC0-955B-B46440A431F7}">
+      <dsp:nvSpPr>
+        <dsp:cNvPr id="0" name=""/>
+        <dsp:cNvSpPr/>
+      </dsp:nvSpPr>
+      <dsp:spPr>
+        <a:xfrm>
+          <a:off x="7539602" y="1646453"/>
+          <a:ext cx="1887071" cy="800575"/>
+        </a:xfrm>
+        <a:prstGeom prst="rect">
+          <a:avLst/>
+        </a:prstGeom>
+        <a:noFill/>
+        <a:ln>
+          <a:noFill/>
+        </a:ln>
+        <a:effectLst/>
+      </dsp:spPr>
+      <dsp:style>
+        <a:lnRef idx="0">
+          <a:scrgbClr r="0" g="0" b="0"/>
+        </a:lnRef>
+        <a:fillRef idx="0">
+          <a:scrgbClr r="0" g="0" b="0"/>
+        </a:fillRef>
+        <a:effectRef idx="0">
+          <a:scrgbClr r="0" g="0" b="0"/>
+        </a:effectRef>
+        <a:fontRef idx="minor"/>
+      </dsp:style>
+      <dsp:txBody>
+        <a:bodyPr spcFirstLastPara="0" vert="horz" wrap="square" lIns="0" tIns="0" rIns="0" bIns="0" numCol="1" spcCol="1270" anchor="ctr" anchorCtr="0">
+          <a:noAutofit/>
+        </a:bodyPr>
+        <a:lstStyle/>
+        <a:p>
+          <a:pPr marL="0" lvl="0" indent="0" algn="l" defTabSz="488950">
+            <a:lnSpc>
+              <a:spcPct val="100000"/>
+            </a:lnSpc>
+            <a:spcBef>
+              <a:spcPct val="0"/>
+            </a:spcBef>
+            <a:spcAft>
+              <a:spcPct val="35000"/>
+            </a:spcAft>
+            <a:buNone/>
+          </a:pPr>
+          <a:r>
+            <a:rPr lang="en-GB" sz="1100" kern="1200"/>
+            <a:t>A</a:t>
+          </a:r>
+          <a:r>
+            <a:rPr lang="en-US" sz="1100" kern="1200"/>
+            <a:t>griculture or farming</a:t>
+          </a:r>
+        </a:p>
+      </dsp:txBody>
+      <dsp:txXfrm>
+        <a:off x="7539602" y="1646453"/>
+        <a:ext cx="1887071" cy="800575"/>
+      </dsp:txXfrm>
+    </dsp:sp>
+    <dsp:sp modelId="{D20E0724-D45A-442F-8C71-7CE872014933}">
+      <dsp:nvSpPr>
+        <dsp:cNvPr id="0" name=""/>
+        <dsp:cNvSpPr/>
+      </dsp:nvSpPr>
+      <dsp:spPr>
+        <a:xfrm>
+          <a:off x="191458" y="3142920"/>
+          <a:ext cx="800575" cy="800575"/>
+        </a:xfrm>
+        <a:prstGeom prst="ellipse">
+          <a:avLst/>
+        </a:prstGeom>
+        <a:solidFill>
+          <a:schemeClr val="accent3">
+            <a:hueOff val="0"/>
+            <a:satOff val="0"/>
+            <a:lumOff val="0"/>
+            <a:alphaOff val="0"/>
+          </a:schemeClr>
+        </a:solidFill>
+        <a:ln>
+          <a:noFill/>
+        </a:ln>
+        <a:effectLst>
+          <a:outerShdw blurRad="38100" dist="25400" dir="5400000" rotWithShape="0">
+            <a:srgbClr val="000000">
+              <a:alpha val="35000"/>
+            </a:srgbClr>
+          </a:outerShdw>
+        </a:effectLst>
+      </dsp:spPr>
+      <dsp:style>
+        <a:lnRef idx="0">
+          <a:scrgbClr r="0" g="0" b="0"/>
+        </a:lnRef>
+        <a:fillRef idx="1">
+          <a:scrgbClr r="0" g="0" b="0"/>
+        </a:fillRef>
+        <a:effectRef idx="2">
+          <a:scrgbClr r="0" g="0" b="0"/>
+        </a:effectRef>
+        <a:fontRef idx="minor"/>
+      </dsp:style>
+    </dsp:sp>
+    <dsp:sp modelId="{EAFB89F7-EE21-4F25-9472-FBD380FAB85E}">
+      <dsp:nvSpPr>
+        <dsp:cNvPr id="0" name=""/>
+        <dsp:cNvSpPr/>
+      </dsp:nvSpPr>
+      <dsp:spPr>
+        <a:xfrm>
+          <a:off x="359579" y="3311041"/>
+          <a:ext cx="464334" cy="464334"/>
+        </a:xfrm>
+        <a:prstGeom prst="rect">
+          <a:avLst/>
+        </a:prstGeom>
+        <a:blipFill>
+          <a:blip xmlns:r="http://schemas.openxmlformats.org/officeDocument/2006/relationships" r:embed="rId13">
+            <a:extLst>
+              <a:ext uri="{28A0092B-C50C-407E-A947-70E740481C1C}">
+                <a14:useLocalDpi xmlns:a14="http://schemas.microsoft.com/office/drawing/2010/main" val="0"/>
+              </a:ext>
+              <a:ext uri="{96DAC541-7B7A-43D3-8B79-37D633B846F1}">
+                <asvg:svgBlip xmlns:asvg="http://schemas.microsoft.com/office/drawing/2016/SVG/main" r:embed="rId14"/>
+              </a:ext>
+            </a:extLst>
+          </a:blip>
+          <a:stretch>
+            <a:fillRect/>
+          </a:stretch>
+        </a:blipFill>
+        <a:ln>
+          <a:noFill/>
+        </a:ln>
+        <a:effectLst>
+          <a:outerShdw blurRad="50800" dist="38100" dir="5400000" rotWithShape="0">
+            <a:srgbClr val="000000">
+              <a:alpha val="35000"/>
+            </a:srgbClr>
+          </a:outerShdw>
+        </a:effectLst>
+        <a:scene3d>
+          <a:camera prst="orthographicFront">
+            <a:rot lat="0" lon="0" rev="0"/>
+          </a:camera>
+          <a:lightRig rig="threePt" dir="tl"/>
+        </a:scene3d>
+        <a:sp3d prstMaterial="plastic">
+          <a:bevelT w="0" h="0"/>
+        </a:sp3d>
+      </dsp:spPr>
+      <dsp:style>
+        <a:lnRef idx="0">
+          <a:scrgbClr r="0" g="0" b="0"/>
+        </a:lnRef>
+        <a:fillRef idx="3">
+          <a:scrgbClr r="0" g="0" b="0"/>
+        </a:fillRef>
+        <a:effectRef idx="3">
+          <a:scrgbClr r="0" g="0" b="0"/>
+        </a:effectRef>
+        <a:fontRef idx="minor">
+          <a:schemeClr val="lt1"/>
+        </a:fontRef>
+      </dsp:style>
+    </dsp:sp>
+    <dsp:sp modelId="{CC22064A-7E2B-425A-865E-0E3B071CC03B}">
+      <dsp:nvSpPr>
+        <dsp:cNvPr id="0" name=""/>
+        <dsp:cNvSpPr/>
+      </dsp:nvSpPr>
+      <dsp:spPr>
+        <a:xfrm>
+          <a:off x="1163586" y="3142920"/>
+          <a:ext cx="1887071" cy="800575"/>
+        </a:xfrm>
+        <a:prstGeom prst="rect">
+          <a:avLst/>
+        </a:prstGeom>
+        <a:noFill/>
+        <a:ln>
+          <a:noFill/>
+        </a:ln>
+        <a:effectLst/>
+      </dsp:spPr>
+      <dsp:style>
+        <a:lnRef idx="0">
+          <a:scrgbClr r="0" g="0" b="0"/>
+        </a:lnRef>
+        <a:fillRef idx="0">
+          <a:scrgbClr r="0" g="0" b="0"/>
+        </a:fillRef>
+        <a:effectRef idx="0">
+          <a:scrgbClr r="0" g="0" b="0"/>
+        </a:effectRef>
+        <a:fontRef idx="minor"/>
+      </dsp:style>
+      <dsp:txBody>
+        <a:bodyPr spcFirstLastPara="0" vert="horz" wrap="square" lIns="0" tIns="0" rIns="0" bIns="0" numCol="1" spcCol="1270" anchor="ctr" anchorCtr="0">
+          <a:noAutofit/>
+        </a:bodyPr>
+        <a:lstStyle/>
+        <a:p>
+          <a:pPr marL="0" lvl="0" indent="0" algn="l" defTabSz="488950">
+            <a:lnSpc>
+              <a:spcPct val="100000"/>
+            </a:lnSpc>
+            <a:spcBef>
+              <a:spcPct val="0"/>
+            </a:spcBef>
+            <a:spcAft>
+              <a:spcPct val="35000"/>
+            </a:spcAft>
+            <a:buNone/>
+          </a:pPr>
+          <a:r>
+            <a:rPr lang="en-GB" sz="1100" kern="1200"/>
+            <a:t>C</a:t>
+          </a:r>
+          <a:r>
+            <a:rPr lang="en-US" sz="1100" kern="1200"/>
+            <a:t>ar dealership</a:t>
+          </a:r>
+        </a:p>
+      </dsp:txBody>
+      <dsp:txXfrm>
+        <a:off x="1163586" y="3142920"/>
+        <a:ext cx="1887071" cy="800575"/>
+      </dsp:txXfrm>
+    </dsp:sp>
+  </dsp:spTree>
+</dsp:drawing>
+</file>
+
+<file path=ppt/diagrams/layout1.xml><?xml version="1.0" encoding="utf-8"?>
+<dgm:layoutDef xmlns:dgm="http://schemas.openxmlformats.org/drawingml/2006/diagram" xmlns:a="http://schemas.openxmlformats.org/drawingml/2006/main" uniqueId="urn:microsoft.com/office/officeart/2018/2/layout/IconCircleList">
+  <dgm:title val="Icon Circle List"/>
+  <dgm:desc val="Use to show non-sequential or grouped chunks of information accompanied by related visuals. Circular shapes can hold an icon or small picture and corresponding text box shows Level 1 text. Works best for icons or small pictures with medium-length descriptions."/>
+  <dgm:catLst>
+    <dgm:cat type="icon" pri="500"/>
+  </dgm:catLst>
+  <dgm:sampData useDef="1">
+    <dgm:dataModel>
+      <dgm:ptLst/>
+      <dgm:bg/>
+      <dgm:whole/>
+    </dgm:dataModel>
+  </dgm:sampData>
+  <dgm:styleData useDef="1">
+    <dgm:dataModel>
+      <dgm:ptLst/>
+      <dgm:bg/>
+      <dgm:whole/>
+    </dgm:dataModel>
+  </dgm:styleData>
+  <dgm:clrData useDef="1">
+    <dgm:dataModel>
+      <dgm:ptLst/>
+      <dgm:bg/>
+      <dgm:whole/>
+    </dgm:dataModel>
+  </dgm:clrData>
+  <dgm:layoutNode name="root">
+    <dgm:varLst>
+      <dgm:dir/>
+      <dgm:resizeHandles val="exact"/>
+    </dgm:varLst>
+    <dgm:alg type="sp"/>
+    <dgm:shape xmlns:r="http://schemas.openxmlformats.org/officeDocument/2006/relationships" r:blip="">
+      <dgm:adjLst/>
+    </dgm:shape>
+    <dgm:presOf/>
+    <dgm:choose name="Name0">
+      <dgm:if name="Name1" axis="ch" ptType="node" func="cnt" op="lte" val="3">
+        <dgm:constrLst>
+          <dgm:constr type="w" for="ch" forName="container" refType="w"/>
+          <dgm:constr type="h" for="ch" forName="container" refType="h" fact="0.4"/>
+        </dgm:constrLst>
+      </dgm:if>
+      <dgm:else name="Name2">
+        <dgm:constrLst>
+          <dgm:constr type="w" for="ch" forName="container" refType="w"/>
+          <dgm:constr type="h" for="ch" forName="container" refType="h"/>
+        </dgm:constrLst>
+      </dgm:else>
+    </dgm:choose>
+    <dgm:ruleLst>
+      <dgm:rule type="h" for="ch" forName="container" val="INF" fact="NaN" max="NaN"/>
+    </dgm:ruleLst>
+    <dgm:layoutNode name="container">
+      <dgm:varLst>
+        <dgm:dir/>
+        <dgm:resizeHandles val="exact"/>
+      </dgm:varLst>
+      <dgm:choose name="Name3">
+        <dgm:if name="Name4" axis="self" func="var" arg="dir" op="equ" val="norm">
+          <dgm:alg type="snake">
+            <dgm:param type="grDir" val="tL"/>
+            <dgm:param type="flowDir" val="row"/>
+            <dgm:param type="contDir" val="sameDir"/>
+          </dgm:alg>
+        </dgm:if>
+        <dgm:else name="Name5">
+          <dgm:alg type="snake">
+            <dgm:param type="grDir" val="tR"/>
+            <dgm:param type="flowDir" val="row"/>
+            <dgm:param type="contDir" val="sameDir"/>
+          </dgm:alg>
+        </dgm:else>
+      </dgm:choose>
+      <dgm:shape xmlns:r="http://schemas.openxmlformats.org/officeDocument/2006/relationships" r:blip="">
+        <dgm:adjLst/>
+      </dgm:shape>
+      <dgm:presOf/>
+      <dgm:constrLst>
+        <dgm:constr type="w" for="ch" forName="compNode" refType="w"/>
+        <dgm:constr type="h" for="ch" forName="compNode" refType="w" fact="0.28"/>
+        <dgm:constr type="w" for="ch" forName="sibTrans" refType="w" refFor="ch" refForName="compNode" fact="0.115"/>
+        <dgm:constr type="sp" refType="h" op="equ" fact="0.17"/>
+        <dgm:constr type="primFontSz" for="des" ptType="node" op="equ" val="24"/>
+        <dgm:constr type="h" for="des" forName="compNode" op="equ"/>
+        <dgm:constr type="h" for="des" forName="iconBgRect" op="equ"/>
+      </dgm:constrLst>
+      <dgm:ruleLst>
+        <dgm:rule type="w" for="ch" forName="compNode" val="60" fact="NaN" max="NaN"/>
+      </dgm:ruleLst>
+      <dgm:forEach name="Name6" axis="ch" ptType="node">
+        <dgm:layoutNode name="compNode">
+          <dgm:alg type="composite"/>
+          <dgm:shape xmlns:r="http://schemas.openxmlformats.org/officeDocument/2006/relationships" r:blip="">
+            <dgm:adjLst/>
+          </dgm:shape>
+          <dgm:presOf axis="self"/>
+          <dgm:constrLst>
+            <dgm:constr type="w" for="ch" forName="iconBgRect" refType="w" fact="0.28"/>
+            <dgm:constr type="h" for="ch" forName="iconBgRect" refType="w" refFor="ch" refForName="iconBgRect"/>
+            <dgm:constr type="t" for="ch" forName="iconBgRect"/>
+            <dgm:constr type="l" for="ch" forName="iconBgRect"/>
+            <dgm:constr type="w" for="ch" forName="iconRect" refType="w" refFor="ch" refForName="iconBgRect" fact="0.58"/>
+            <dgm:constr type="h" for="ch" forName="iconRect" refType="w" refFor="ch" refForName="iconRect"/>
+            <dgm:constr type="ctrX" for="ch" forName="iconRect" refType="ctrX" refFor="ch" refForName="iconBgRect"/>
+            <dgm:constr type="ctrY" for="ch" forName="iconRect" refType="ctrY" refFor="ch" refForName="iconBgRect"/>
+            <dgm:constr type="w" for="ch" forName="spaceRect" refType="w" fact="0.06"/>
+            <dgm:constr type="h" for="ch" forName="spaceRect" refType="h" refFor="ch" refForName="iconBgRect"/>
+            <dgm:constr type="t" for="ch" forName="spaceRect" refType="t" refFor="ch" refForName="iconBgRect"/>
+            <dgm:constr type="l" for="ch" forName="spaceRect" refType="r" refFor="ch" refForName="iconBgRect"/>
+            <dgm:constr type="h" for="ch" forName="textRect" refType="h" refFor="ch" refForName="iconBgRect"/>
+            <dgm:constr type="t" for="ch" forName="textRect" refType="t" refFor="ch" refForName="iconBgRect"/>
+            <dgm:constr type="l" for="ch" forName="textRect" refType="r" refFor="ch" refForName="spaceRect"/>
+          </dgm:constrLst>
+          <dgm:ruleLst/>
+          <dgm:layoutNode name="iconBgRect" styleLbl="bgShp">
+            <dgm:alg type="sp"/>
+            <dgm:shape xmlns:r="http://schemas.openxmlformats.org/officeDocument/2006/relationships" type="ellipse" r:blip="">
+              <dgm:adjLst/>
+            </dgm:shape>
+            <dgm:presOf/>
+            <dgm:constrLst/>
+            <dgm:ruleLst/>
+          </dgm:layoutNode>
+          <dgm:layoutNode name="iconRect" styleLbl="node1">
+            <dgm:alg type="sp"/>
+            <dgm:shape xmlns:r="http://schemas.openxmlformats.org/officeDocument/2006/relationships" type="rect" r:blip="" blipPhldr="1">
+              <dgm:adjLst/>
+            </dgm:shape>
+            <dgm:presOf/>
+            <dgm:constrLst/>
+            <dgm:ruleLst/>
+          </dgm:layoutNode>
+          <dgm:layoutNode name="spaceRect">
+            <dgm:alg type="sp"/>
+            <dgm:shape xmlns:r="http://schemas.openxmlformats.org/officeDocument/2006/relationships" r:blip="">
+              <dgm:adjLst/>
+            </dgm:shape>
+            <dgm:presOf/>
+            <dgm:constrLst/>
+            <dgm:ruleLst/>
+          </dgm:layoutNode>
+          <dgm:layoutNode name="textRect" styleLbl="revTx">
+            <dgm:varLst>
+              <dgm:chMax val="1"/>
+              <dgm:chPref val="1"/>
+            </dgm:varLst>
+            <dgm:choose name="Name7">
+              <dgm:if name="Name8" func="var" arg="dir" op="equ" val="norm">
+                <dgm:alg type="tx">
+                  <dgm:param type="txAnchorVert" val="mid"/>
+                  <dgm:param type="parTxLTRAlign" val="l"/>
+                  <dgm:param type="shpTxLTRAlignCh" val="l"/>
+                  <dgm:param type="parTxRTLAlign" val="l"/>
+                  <dgm:param type="shpTxRTLAlignCh" val="l"/>
+                </dgm:alg>
+              </dgm:if>
+              <dgm:else name="Name9">
+                <dgm:alg type="tx">
+                  <dgm:param type="txAnchorVert" val="mid"/>
+                  <dgm:param type="parTxLTRAlign" val="r"/>
+                  <dgm:param type="shpTxLTRAlignCh" val="r"/>
+                  <dgm:param type="parTxRTLAlign" val="r"/>
+                  <dgm:param type="shpTxRTLAlignCh" val="r"/>
+                </dgm:alg>
+              </dgm:else>
+            </dgm:choose>
+            <dgm:shape xmlns:r="http://schemas.openxmlformats.org/officeDocument/2006/relationships" type="rect" r:blip="">
+              <dgm:adjLst/>
+            </dgm:shape>
+            <dgm:presOf axis="self" ptType="node"/>
+            <dgm:constrLst>
+              <dgm:constr type="lMarg"/>
+              <dgm:constr type="rMarg"/>
+              <dgm:constr type="tMarg"/>
+              <dgm:constr type="bMarg"/>
+            </dgm:constrLst>
+            <dgm:ruleLst>
+              <dgm:rule type="primFontSz" val="11" fact="NaN" max="NaN"/>
+            </dgm:ruleLst>
+          </dgm:layoutNode>
+        </dgm:layoutNode>
+        <dgm:forEach name="Name10" axis="followSib" ptType="sibTrans" cnt="1">
+          <dgm:layoutNode name="sibTrans">
+            <dgm:alg type="sp"/>
+            <dgm:shape xmlns:r="http://schemas.openxmlformats.org/officeDocument/2006/relationships" type="rect" r:blip="" hideGeom="1">
+              <dgm:adjLst/>
+            </dgm:shape>
+            <dgm:presOf axis="self"/>
+            <dgm:constrLst/>
+            <dgm:ruleLst/>
+          </dgm:layoutNode>
+        </dgm:forEach>
+      </dgm:forEach>
+    </dgm:layoutNode>
+  </dgm:layoutNode>
+  <dgm:extLst>
+    <a:ext uri="{68A01E43-0DF5-4B5B-8FA6-DAF915123BFB}">
+      <dgm1612:lstStyle xmlns:dgm1612="http://schemas.microsoft.com/office/drawing/2016/12/diagram">
+        <a:lvl1pPr>
+          <a:lnSpc>
+            <a:spcPct val="100000"/>
+          </a:lnSpc>
+        </a:lvl1pPr>
+      </dgm1612:lstStyle>
+    </a:ext>
+  </dgm:extLst>
+</dgm:layoutDef>
+</file>
+
+<file path=ppt/diagrams/quickStyle1.xml><?xml version="1.0" encoding="utf-8"?>
+<dgm:styleDef xmlns:dgm="http://schemas.openxmlformats.org/drawingml/2006/diagram" xmlns:a="http://schemas.openxmlformats.org/drawingml/2006/main" uniqueId="urn:microsoft.com/office/officeart/2005/8/quickstyle/simple5">
+  <dgm:title val=""/>
+  <dgm:desc val=""/>
+  <dgm:catLst>
+    <dgm:cat type="simple" pri="10500"/>
+  </dgm:catLst>
+  <dgm:scene3d>
+    <a:camera prst="orthographicFront"/>
+    <a:lightRig rig="threePt" dir="t"/>
+  </dgm:scene3d>
+  <dgm:styleLbl name="node0">
+    <dgm:scene3d>
+      <a:camera prst="orthographicFront"/>
+      <a:lightRig rig="threePt" dir="t"/>
+    </dgm:scene3d>
+    <dgm:sp3d/>
+    <dgm:txPr/>
+    <dgm:style>
+      <a:lnRef idx="0">
+        <a:scrgbClr r="0" g="0" b="0"/>
+      </a:lnRef>
+      <a:fillRef idx="3">
+        <a:scrgbClr r="0" g="0" b="0"/>
+      </a:fillRef>
+      <a:effectRef idx="3">
+        <a:scrgbClr r="0" g="0" b="0"/>
+      </a:effectRef>
+      <a:fontRef idx="minor">
+        <a:schemeClr val="lt1"/>
+      </a:fontRef>
+    </dgm:style>
+  </dgm:styleLbl>
+  <dgm:styleLbl name="lnNode1">
+    <dgm:scene3d>
+      <a:camera prst="orthographicFront"/>
+      <a:lightRig rig="threePt" dir="t"/>
+    </dgm:scene3d>
+    <dgm:sp3d/>
+    <dgm:txPr/>
+    <dgm:style>
+      <a:lnRef idx="0">
+        <a:scrgbClr r="0" g="0" b="0"/>
+      </a:lnRef>
+      <a:fillRef idx="3">
+        <a:scrgbClr r="0" g="0" b="0"/>
+      </a:fillRef>
+      <a:effectRef idx="3">
+        <a:scrgbClr r="0" g="0" b="0"/>
+      </a:effectRef>
+      <a:fontRef idx="minor">
+        <a:schemeClr val="lt1"/>
+      </a:fontRef>
+    </dgm:style>
+  </dgm:styleLbl>
+  <dgm:styleLbl name="vennNode1">
+    <dgm:scene3d>
+      <a:camera prst="orthographicFront"/>
+      <a:lightRig rig="threePt" dir="t"/>
+    </dgm:scene3d>
+    <dgm:sp3d/>
+    <dgm:txPr/>
+    <dgm:style>
+      <a:lnRef idx="0">
+        <a:scrgbClr r="0" g="0" b="0"/>
+      </a:lnRef>
+      <a:fillRef idx="3">
+        <a:scrgbClr r="0" g="0" b="0"/>
+      </a:fillRef>
+      <a:effectRef idx="3">
+        <a:scrgbClr r="0" g="0" b="0"/>
+      </a:effectRef>
+      <a:fontRef idx="minor">
+        <a:schemeClr val="tx1"/>
+      </a:fontRef>
+    </dgm:style>
+  </dgm:styleLbl>
+  <dgm:styleLbl name="alignNode1">
+    <dgm:scene3d>
+      <a:camera prst="orthographicFront"/>
+      <a:lightRig rig="threePt" dir="t"/>
+    </dgm:scene3d>
+    <dgm:sp3d/>
+    <dgm:txPr/>
+    <dgm:style>
+      <a:lnRef idx="1">
+        <a:scrgbClr r="0" g="0" b="0"/>
+      </a:lnRef>
+      <a:fillRef idx="3">
+        <a:scrgbClr r="0" g="0" b="0"/>
+      </a:fillRef>
+      <a:effectRef idx="3">
+        <a:scrgbClr r="0" g="0" b="0"/>
+      </a:effectRef>
+      <a:fontRef idx="minor">
+        <a:schemeClr val="lt1"/>
+      </a:fontRef>
+    </dgm:style>
+  </dgm:styleLbl>
+  <dgm:styleLbl name="node1">
+    <dgm:scene3d>
+      <a:camera prst="orthographicFront"/>
+      <a:lightRig rig="threePt" dir="t"/>
+    </dgm:scene3d>
+    <dgm:sp3d/>
+    <dgm:txPr/>
+    <dgm:style>
+      <a:lnRef idx="0">
+        <a:scrgbClr r="0" g="0" b="0"/>
+      </a:lnRef>
+      <a:fillRef idx="3">
+        <a:scrgbClr r="0" g="0" b="0"/>
+      </a:fillRef>
+      <a:effectRef idx="3">
+        <a:scrgbClr r="0" g="0" b="0"/>
+      </a:effectRef>
+      <a:fontRef idx="minor">
+        <a:schemeClr val="lt1"/>
+      </a:fontRef>
+    </dgm:style>
+  </dgm:styleLbl>
+  <dgm:styleLbl name="node2">
+    <dgm:scene3d>
+      <a:camera prst="orthographicFront"/>
+      <a:lightRig rig="threePt" dir="t"/>
+    </dgm:scene3d>
+    <dgm:sp3d/>
+    <dgm:txPr/>
+    <dgm:style>
+      <a:lnRef idx="0">
+        <a:scrgbClr r="0" g="0" b="0"/>
+      </a:lnRef>
+      <a:fillRef idx="3">
+        <a:scrgbClr r="0" g="0" b="0"/>
+      </a:fillRef>
+      <a:effectRef idx="3">
+        <a:scrgbClr r="0" g="0" b="0"/>
+      </a:effectRef>
+      <a:fontRef idx="minor">
+        <a:schemeClr val="lt1"/>
+      </a:fontRef>
+    </dgm:style>
+  </dgm:styleLbl>
+  <dgm:styleLbl name="node3">
+    <dgm:scene3d>
+      <a:camera prst="orthographicFront"/>
+      <a:lightRig rig="threePt" dir="t"/>
+    </dgm:scene3d>
+    <dgm:sp3d/>
+    <dgm:txPr/>
+    <dgm:style>
+      <a:lnRef idx="0">
+        <a:scrgbClr r="0" g="0" b="0"/>
+      </a:lnRef>
+      <a:fillRef idx="3">
+        <a:scrgbClr r="0" g="0" b="0"/>
+      </a:fillRef>
+      <a:effectRef idx="3">
+        <a:scrgbClr r="0" g="0" b="0"/>
+      </a:effectRef>
+      <a:fontRef idx="minor">
+        <a:schemeClr val="lt1"/>
+      </a:fontRef>
+    </dgm:style>
+  </dgm:styleLbl>
+  <dgm:styleLbl name="node4">
+    <dgm:scene3d>
+      <a:camera prst="orthographicFront"/>
+      <a:lightRig rig="threePt" dir="t"/>
+    </dgm:scene3d>
+    <dgm:sp3d/>
+    <dgm:txPr/>
+    <dgm:style>
+      <a:lnRef idx="0">
+        <a:scrgbClr r="0" g="0" b="0"/>
+      </a:lnRef>
+      <a:fillRef idx="3">
+        <a:scrgbClr r="0" g="0" b="0"/>
+      </a:fillRef>
+      <a:effectRef idx="3">
+        <a:scrgbClr r="0" g="0" b="0"/>
+      </a:effectRef>
+      <a:fontRef idx="minor">
+        <a:schemeClr val="lt1"/>
+      </a:fontRef>
+    </dgm:style>
+  </dgm:styleLbl>
+  <dgm:styleLbl name="fgImgPlace1">
+    <dgm:scene3d>
+      <a:camera prst="orthographicFront"/>
+      <a:lightRig rig="threePt" dir="t"/>
+    </dgm:scene3d>
+    <dgm:sp3d/>
+    <dgm:txPr/>
+    <dgm:style>
+      <a:lnRef idx="0">
+        <a:scrgbClr r="0" g="0" b="0"/>
+      </a:lnRef>
+      <a:fillRef idx="1">
+        <a:scrgbClr r="0" g="0" b="0"/>
+      </a:fillRef>
+      <a:effectRef idx="3">
+        <a:scrgbClr r="0" g="0" b="0"/>
+      </a:effectRef>
+      <a:fontRef idx="minor"/>
+    </dgm:style>
+  </dgm:styleLbl>
+  <dgm:styleLbl name="alignImgPlace1">
+    <dgm:scene3d>
+      <a:camera prst="orthographicFront"/>
+      <a:lightRig rig="threePt" dir="t"/>
+    </dgm:scene3d>
+    <dgm:sp3d/>
+    <dgm:txPr/>
+    <dgm:style>
+      <a:lnRef idx="0">
+        <a:scrgbClr r="0" g="0" b="0"/>
+      </a:lnRef>
+      <a:fillRef idx="1">
+        <a:scrgbClr r="0" g="0" b="0"/>
+      </a:fillRef>
+      <a:effectRef idx="3">
+        <a:scrgbClr r="0" g="0" b="0"/>
+      </a:effectRef>
+      <a:fontRef idx="minor"/>
+    </dgm:style>
+  </dgm:styleLbl>
+  <dgm:styleLbl name="bgImgPlace1">
+    <dgm:scene3d>
+      <a:camera prst="orthographicFront"/>
+      <a:lightRig rig="threePt" dir="t"/>
+    </dgm:scene3d>
+    <dgm:sp3d/>
+    <dgm:txPr/>
+    <dgm:style>
+      <a:lnRef idx="0">
+        <a:scrgbClr r="0" g="0" b="0"/>
+      </a:lnRef>
+      <a:fillRef idx="1">
+        <a:scrgbClr r="0" g="0" b="0"/>
+      </a:fillRef>
+      <a:effectRef idx="3">
+        <a:scrgbClr r="0" g="0" b="0"/>
+      </a:effectRef>
+      <a:fontRef idx="minor"/>
+    </dgm:style>
+  </dgm:styleLbl>
+  <dgm:styleLbl name="sibTrans2D1">
+    <dgm:scene3d>
+      <a:camera prst="orthographicFront"/>
+      <a:lightRig rig="threePt" dir="t"/>
+    </dgm:scene3d>
+    <dgm:sp3d/>
+    <dgm:txPr/>
+    <dgm:style>
+      <a:lnRef idx="0">
+        <a:scrgbClr r="0" g="0" b="0"/>
+      </a:lnRef>
+      <a:fillRef idx="3">
+        <a:scrgbClr r="0" g="0" b="0"/>
+      </a:fillRef>
+      <a:effectRef idx="3">
+        <a:scrgbClr r="0" g="0" b="0"/>
+      </a:effectRef>
+      <a:fontRef idx="minor">
+        <a:schemeClr val="lt1"/>
+      </a:fontRef>
+    </dgm:style>
+  </dgm:styleLbl>
+  <dgm:styleLbl name="fgSibTrans2D1">
+    <dgm:scene3d>
+      <a:camera prst="orthographicFront"/>
+      <a:lightRig rig="threePt" dir="t"/>
+    </dgm:scene3d>
+    <dgm:sp3d/>
+    <dgm:txPr/>
+    <dgm:style>
+      <a:lnRef idx="0">
+        <a:scrgbClr r="0" g="0" b="0"/>
+      </a:lnRef>
+      <a:fillRef idx="3">
+        <a:scrgbClr r="0" g="0" b="0"/>
+      </a:fillRef>
+      <a:effectRef idx="3">
+        <a:scrgbClr r="0" g="0" b="0"/>
+      </a:effectRef>
+      <a:fontRef idx="minor">
+        <a:schemeClr val="lt1"/>
+      </a:fontRef>
+    </dgm:style>
+  </dgm:styleLbl>
+  <dgm:styleLbl name="bgSibTrans2D1">
+    <dgm:scene3d>
+      <a:camera prst="orthographicFront"/>
+      <a:lightRig rig="threePt" dir="t"/>
+    </dgm:scene3d>
+    <dgm:sp3d/>
+    <dgm:txPr/>
+    <dgm:style>
+      <a:lnRef idx="0">
+        <a:scrgbClr r="0" g="0" b="0"/>
+      </a:lnRef>
+      <a:fillRef idx="3">
+        <a:scrgbClr r="0" g="0" b="0"/>
+      </a:fillRef>
+      <a:effectRef idx="3">
+        <a:scrgbClr r="0" g="0" b="0"/>
+      </a:effectRef>
+      <a:fontRef idx="minor">
+        <a:schemeClr val="lt1"/>
+      </a:fontRef>
+    </dgm:style>
+  </dgm:styleLbl>
+  <dgm:styleLbl name="sibTrans1D1">
+    <dgm:scene3d>
+      <a:camera prst="orthographicFront"/>
+      <a:lightRig rig="threePt" dir="t"/>
+    </dgm:scene3d>
+    <dgm:sp3d/>
+    <dgm:txPr/>
+    <dgm:style>
+      <a:lnRef idx="1">
+        <a:scrgbClr r="0" g="0" b="0"/>
+      </a:lnRef>
+      <a:fillRef idx="0">
+        <a:scrgbClr r="0" g="0" b="0"/>
+      </a:fillRef>
+      <a:effectRef idx="0">
+        <a:scrgbClr r="0" g="0" b="0"/>
+      </a:effectRef>
+      <a:fontRef idx="minor"/>
+    </dgm:style>
+  </dgm:styleLbl>
+  <dgm:styleLbl name="callout">
+    <dgm:scene3d>
+      <a:camera prst="orthographicFront"/>
+      <a:lightRig rig="threePt" dir="t"/>
+    </dgm:scene3d>
+    <dgm:sp3d/>
+    <dgm:txPr/>
+    <dgm:style>
+      <a:lnRef idx="1">
+        <a:scrgbClr r="0" g="0" b="0"/>
+      </a:lnRef>
+      <a:fillRef idx="0">
+        <a:scrgbClr r="0" g="0" b="0"/>
+      </a:fillRef>
+      <a:effectRef idx="1">
+        <a:scrgbClr r="0" g="0" b="0"/>
+      </a:effectRef>
+      <a:fontRef idx="minor"/>
+    </dgm:style>
+  </dgm:styleLbl>
+  <dgm:styleLbl name="asst0">
+    <dgm:scene3d>
+      <a:camera prst="orthographicFront"/>
+      <a:lightRig rig="threePt" dir="t"/>
+    </dgm:scene3d>
+    <dgm:sp3d/>
+    <dgm:txPr/>
+    <dgm:style>
+      <a:lnRef idx="0">
+        <a:scrgbClr r="0" g="0" b="0"/>
+      </a:lnRef>
+      <a:fillRef idx="3">
+        <a:scrgbClr r="0" g="0" b="0"/>
+      </a:fillRef>
+      <a:effectRef idx="3">
+        <a:scrgbClr r="0" g="0" b="0"/>
+      </a:effectRef>
+      <a:fontRef idx="minor">
+        <a:schemeClr val="lt1"/>
+      </a:fontRef>
+    </dgm:style>
+  </dgm:styleLbl>
+  <dgm:styleLbl name="asst1">
+    <dgm:scene3d>
+      <a:camera prst="orthographicFront"/>
+      <a:lightRig rig="threePt" dir="t"/>
+    </dgm:scene3d>
+    <dgm:sp3d/>
+    <dgm:txPr/>
+    <dgm:style>
+      <a:lnRef idx="0">
+        <a:scrgbClr r="0" g="0" b="0"/>
+      </a:lnRef>
+      <a:fillRef idx="3">
+        <a:scrgbClr r="0" g="0" b="0"/>
+      </a:fillRef>
+      <a:effectRef idx="3">
+        <a:scrgbClr r="0" g="0" b="0"/>
+      </a:effectRef>
+      <a:fontRef idx="minor">
+        <a:schemeClr val="lt1"/>
+      </a:fontRef>
+    </dgm:style>
+  </dgm:styleLbl>
+  <dgm:styleLbl name="asst2">
+    <dgm:scene3d>
+      <a:camera prst="orthographicFront"/>
+      <a:lightRig rig="threePt" dir="t"/>
+    </dgm:scene3d>
+    <dgm:sp3d/>
+    <dgm:txPr/>
+    <dgm:style>
+      <a:lnRef idx="0">
+        <a:scrgbClr r="0" g="0" b="0"/>
+      </a:lnRef>
+      <a:fillRef idx="3">
+        <a:scrgbClr r="0" g="0" b="0"/>
+      </a:fillRef>
+      <a:effectRef idx="3">
+        <a:scrgbClr r="0" g="0" b="0"/>
+      </a:effectRef>
+      <a:fontRef idx="minor">
+        <a:schemeClr val="lt1"/>
+      </a:fontRef>
+    </dgm:style>
+  </dgm:styleLbl>
+  <dgm:styleLbl name="asst3">
+    <dgm:scene3d>
+      <a:camera prst="orthographicFront"/>
+      <a:lightRig rig="threePt" dir="t"/>
+    </dgm:scene3d>
+    <dgm:sp3d/>
+    <dgm:txPr/>
+    <dgm:style>
+      <a:lnRef idx="0">
+        <a:scrgbClr r="0" g="0" b="0"/>
+      </a:lnRef>
+      <a:fillRef idx="3">
+        <a:scrgbClr r="0" g="0" b="0"/>
+      </a:fillRef>
+      <a:effectRef idx="3">
+        <a:scrgbClr r="0" g="0" b="0"/>
+      </a:effectRef>
+      <a:fontRef idx="minor">
+        <a:schemeClr val="lt1"/>
+      </a:fontRef>
+    </dgm:style>
+  </dgm:styleLbl>
+  <dgm:styleLbl name="asst4">
+    <dgm:scene3d>
+      <a:camera prst="orthographicFront"/>
+      <a:lightRig rig="threePt" dir="t"/>
+    </dgm:scene3d>
+    <dgm:sp3d/>
+    <dgm:txPr/>
+    <dgm:style>
+      <a:lnRef idx="0">
+        <a:scrgbClr r="0" g="0" b="0"/>
+      </a:lnRef>
+      <a:fillRef idx="3">
+        <a:scrgbClr r="0" g="0" b="0"/>
+      </a:fillRef>
+      <a:effectRef idx="3">
+        <a:scrgbClr r="0" g="0" b="0"/>
+      </a:effectRef>
+      <a:fontRef idx="minor">
+        <a:schemeClr val="lt1"/>
+      </a:fontRef>
+    </dgm:style>
+  </dgm:styleLbl>
+  <dgm:styleLbl name="parChTrans2D1">
+    <dgm:scene3d>
+      <a:camera prst="orthographicFront"/>
+      <a:lightRig rig="threePt" dir="t"/>
+    </dgm:scene3d>
+    <dgm:sp3d/>
+    <dgm:txPr/>
+    <dgm:style>
+      <a:lnRef idx="0">
+        <a:scrgbClr r="0" g="0" b="0"/>
+      </a:lnRef>
+      <a:fillRef idx="3">
+        <a:scrgbClr r="0" g="0" b="0"/>
+      </a:fillRef>
+      <a:effectRef idx="3">
+        <a:scrgbClr r="0" g="0" b="0"/>
+      </a:effectRef>
+      <a:fontRef idx="minor">
+        <a:schemeClr val="lt1"/>
+      </a:fontRef>
+    </dgm:style>
+  </dgm:styleLbl>
+  <dgm:styleLbl name="parChTrans2D2">
+    <dgm:scene3d>
+      <a:camera prst="orthographicFront"/>
+      <a:lightRig rig="threePt" dir="t"/>
+    </dgm:scene3d>
+    <dgm:sp3d/>
+    <dgm:txPr/>
+    <dgm:style>
+      <a:lnRef idx="0">
+        <a:scrgbClr r="0" g="0" b="0"/>
+      </a:lnRef>
+      <a:fillRef idx="3">
+        <a:scrgbClr r="0" g="0" b="0"/>
+      </a:fillRef>
+      <a:effectRef idx="3">
+        <a:scrgbClr r="0" g="0" b="0"/>
+      </a:effectRef>
+      <a:fontRef idx="minor">
+        <a:schemeClr val="lt1"/>
+      </a:fontRef>
+    </dgm:style>
+  </dgm:styleLbl>
+  <dgm:styleLbl name="parChTrans2D3">
+    <dgm:scene3d>
+      <a:camera prst="orthographicFront"/>
+      <a:lightRig rig="threePt" dir="t"/>
+    </dgm:scene3d>
+    <dgm:sp3d/>
+    <dgm:txPr/>
+    <dgm:style>
+      <a:lnRef idx="0">
+        <a:scrgbClr r="0" g="0" b="0"/>
+      </a:lnRef>
+      <a:fillRef idx="3">
+        <a:scrgbClr r="0" g="0" b="0"/>
+      </a:fillRef>
+      <a:effectRef idx="3">
+        <a:scrgbClr r="0" g="0" b="0"/>
+      </a:effectRef>
+      <a:fontRef idx="minor">
+        <a:schemeClr val="lt1"/>
+      </a:fontRef>
+    </dgm:style>
+  </dgm:styleLbl>
+  <dgm:styleLbl name="parChTrans2D4">
+    <dgm:scene3d>
+      <a:camera prst="orthographicFront"/>
+      <a:lightRig rig="threePt" dir="t"/>
+    </dgm:scene3d>
+    <dgm:sp3d/>
+    <dgm:txPr/>
+    <dgm:style>
+      <a:lnRef idx="0">
+        <a:scrgbClr r="0" g="0" b="0"/>
+      </a:lnRef>
+      <a:fillRef idx="3">
+        <a:scrgbClr r="0" g="0" b="0"/>
+      </a:fillRef>
+      <a:effectRef idx="3">
+        <a:scrgbClr r="0" g="0" b="0"/>
+      </a:effectRef>
+      <a:fontRef idx="minor">
+        <a:schemeClr val="lt1"/>
+      </a:fontRef>
+    </dgm:style>
+  </dgm:styleLbl>
+  <dgm:styleLbl name="parChTrans1D1">
+    <dgm:scene3d>
+      <a:camera prst="orthographicFront"/>
+      <a:lightRig rig="threePt" dir="t"/>
+    </dgm:scene3d>
+    <dgm:sp3d/>
+    <dgm:txPr/>
+    <dgm:style>
+      <a:lnRef idx="2">
+        <a:scrgbClr r="0" g="0" b="0"/>
+      </a:lnRef>
+      <a:fillRef idx="0">
+        <a:scrgbClr r="0" g="0" b="0"/>
+      </a:fillRef>
+      <a:effectRef idx="0">
+        <a:scrgbClr r="0" g="0" b="0"/>
+      </a:effectRef>
+      <a:fontRef idx="minor"/>
+    </dgm:style>
+  </dgm:styleLbl>
+  <dgm:styleLbl name="parChTrans1D2">
+    <dgm:scene3d>
+      <a:camera prst="orthographicFront"/>
+      <a:lightRig rig="threePt" dir="t"/>
+    </dgm:scene3d>
+    <dgm:sp3d/>
+    <dgm:txPr/>
+    <dgm:style>
+      <a:lnRef idx="2">
+        <a:scrgbClr r="0" g="0" b="0"/>
+      </a:lnRef>
+      <a:fillRef idx="0">
+        <a:scrgbClr r="0" g="0" b="0"/>
+      </a:fillRef>
+      <a:effectRef idx="0">
+        <a:scrgbClr r="0" g="0" b="0"/>
+      </a:effectRef>
+      <a:fontRef idx="minor"/>
+    </dgm:style>
+  </dgm:styleLbl>
+  <dgm:styleLbl name="parChTrans1D3">
+    <dgm:scene3d>
+      <a:camera prst="orthographicFront"/>
+      <a:lightRig rig="threePt" dir="t"/>
+    </dgm:scene3d>
+    <dgm:sp3d/>
+    <dgm:txPr/>
+    <dgm:style>
+      <a:lnRef idx="2">
+        <a:scrgbClr r="0" g="0" b="0"/>
+      </a:lnRef>
+      <a:fillRef idx="0">
+        <a:scrgbClr r="0" g="0" b="0"/>
+      </a:fillRef>
+      <a:effectRef idx="0">
+        <a:scrgbClr r="0" g="0" b="0"/>
+      </a:effectRef>
+      <a:fontRef idx="minor"/>
+    </dgm:style>
+  </dgm:styleLbl>
+  <dgm:styleLbl name="parChTrans1D4">
+    <dgm:scene3d>
+      <a:camera prst="orthographicFront"/>
+      <a:lightRig rig="threePt" dir="t"/>
+    </dgm:scene3d>
+    <dgm:sp3d/>
+    <dgm:txPr/>
+    <dgm:style>
+      <a:lnRef idx="2">
+        <a:scrgbClr r="0" g="0" b="0"/>
+      </a:lnRef>
+      <a:fillRef idx="0">
+        <a:scrgbClr r="0" g="0" b="0"/>
+      </a:fillRef>
+      <a:effectRef idx="0">
+        <a:scrgbClr r="0" g="0" b="0"/>
+      </a:effectRef>
+      <a:fontRef idx="minor"/>
+    </dgm:style>
+  </dgm:styleLbl>
+  <dgm:styleLbl name="fgAcc1">
+    <dgm:scene3d>
+      <a:camera prst="orthographicFront"/>
+      <a:lightRig rig="threePt" dir="t"/>
+    </dgm:scene3d>
+    <dgm:sp3d/>
+    <dgm:txPr/>
+    <dgm:style>
+      <a:lnRef idx="1">
+        <a:scrgbClr r="0" g="0" b="0"/>
+      </a:lnRef>
+      <a:fillRef idx="1">
+        <a:scrgbClr r="0" g="0" b="0"/>
+      </a:fillRef>
+      <a:effectRef idx="2">
+        <a:scrgbClr r="0" g="0" b="0"/>
+      </a:effectRef>
+      <a:fontRef idx="minor"/>
+    </dgm:style>
+  </dgm:styleLbl>
+  <dgm:styleLbl name="conFgAcc1">
+    <dgm:scene3d>
+      <a:camera prst="orthographicFront"/>
+      <a:lightRig rig="threePt" dir="t"/>
+    </dgm:scene3d>
+    <dgm:sp3d/>
+    <dgm:txPr/>
+    <dgm:style>
+      <a:lnRef idx="1">
+        <a:scrgbClr r="0" g="0" b="0"/>
+      </a:lnRef>
+      <a:fillRef idx="1">
+        <a:scrgbClr r="0" g="0" b="0"/>
+      </a:fillRef>
+      <a:effectRef idx="2">
+        <a:scrgbClr r="0" g="0" b="0"/>
+      </a:effectRef>
+      <a:fontRef idx="minor"/>
+    </dgm:style>
+  </dgm:styleLbl>
+  <dgm:styleLbl name="alignAcc1">
+    <dgm:scene3d>
+      <a:camera prst="orthographicFront"/>
+      <a:lightRig rig="threePt" dir="t"/>
+    </dgm:scene3d>
+    <dgm:sp3d/>
+    <dgm:txPr/>
+    <dgm:style>
+      <a:lnRef idx="1">
+        <a:scrgbClr r="0" g="0" b="0"/>
+      </a:lnRef>
+      <a:fillRef idx="1">
+        <a:scrgbClr r="0" g="0" b="0"/>
+      </a:fillRef>
+      <a:effectRef idx="2">
+        <a:scrgbClr r="0" g="0" b="0"/>
+      </a:effectRef>
+      <a:fontRef idx="minor"/>
+    </dgm:style>
+  </dgm:styleLbl>
+  <dgm:styleLbl name="trAlignAcc1">
+    <dgm:scene3d>
+      <a:camera prst="orthographicFront"/>
+      <a:lightRig rig="threePt" dir="t"/>
+    </dgm:scene3d>
+    <dgm:sp3d/>
+    <dgm:txPr/>
+    <dgm:style>
+      <a:lnRef idx="1">
+        <a:scrgbClr r="0" g="0" b="0"/>
+      </a:lnRef>
+      <a:fillRef idx="1">
+        <a:scrgbClr r="0" g="0" b="0"/>
+      </a:fillRef>
+      <a:effectRef idx="0">
+        <a:scrgbClr r="0" g="0" b="0"/>
+      </a:effectRef>
+      <a:fontRef idx="minor"/>
+    </dgm:style>
+  </dgm:styleLbl>
+  <dgm:styleLbl name="bgAcc1">
+    <dgm:scene3d>
+      <a:camera prst="orthographicFront"/>
+      <a:lightRig rig="threePt" dir="t"/>
+    </dgm:scene3d>
+    <dgm:sp3d/>
+    <dgm:txPr/>
+    <dgm:style>
+      <a:lnRef idx="1">
+        <a:scrgbClr r="0" g="0" b="0"/>
+      </a:lnRef>
+      <a:fillRef idx="1">
+        <a:scrgbClr r="0" g="0" b="0"/>
+      </a:fillRef>
+      <a:effectRef idx="2">
+        <a:scrgbClr r="0" g="0" b="0"/>
+      </a:effectRef>
+      <a:fontRef idx="minor"/>
+    </dgm:style>
+  </dgm:styleLbl>
+  <dgm:styleLbl name="solidFgAcc1">
+    <dgm:scene3d>
+      <a:camera prst="orthographicFront"/>
+      <a:lightRig rig="threePt" dir="t"/>
+    </dgm:scene3d>
+    <dgm:sp3d/>
+    <dgm:txPr/>
+    <dgm:style>
+      <a:lnRef idx="1">
+        <a:scrgbClr r="0" g="0" b="0"/>
+      </a:lnRef>
+      <a:fillRef idx="1">
+        <a:scrgbClr r="0" g="0" b="0"/>
+      </a:fillRef>
+      <a:effectRef idx="2">
+        <a:scrgbClr r="0" g="0" b="0"/>
+      </a:effectRef>
+      <a:fontRef idx="minor"/>
+    </dgm:style>
+  </dgm:styleLbl>
+  <dgm:styleLbl name="solidAlignAcc1">
+    <dgm:scene3d>
+      <a:camera prst="orthographicFront"/>
+      <a:lightRig rig="threePt" dir="t"/>
+    </dgm:scene3d>
+    <dgm:sp3d/>
+    <dgm:txPr/>
+    <dgm:style>
+      <a:lnRef idx="1">
+        <a:scrgbClr r="0" g="0" b="0"/>
+      </a:lnRef>
+      <a:fillRef idx="1">
+        <a:scrgbClr r="0" g="0" b="0"/>
+      </a:fillRef>
+      <a:effectRef idx="3">
+        <a:scrgbClr r="0" g="0" b="0"/>
+      </a:effectRef>
+      <a:fontRef idx="minor"/>
+    </dgm:style>
+  </dgm:styleLbl>
+  <dgm:styleLbl name="solidBgAcc1">
+    <dgm:scene3d>
+      <a:camera prst="orthographicFront"/>
+      <a:lightRig rig="threePt" dir="t"/>
+    </dgm:scene3d>
+    <dgm:sp3d/>
+    <dgm:txPr/>
+    <dgm:style>
+      <a:lnRef idx="1">
+        <a:scrgbClr r="0" g="0" b="0"/>
+      </a:lnRef>
+      <a:fillRef idx="1">
+        <a:scrgbClr r="0" g="0" b="0"/>
+      </a:fillRef>
+      <a:effectRef idx="3">
+        <a:scrgbClr r="0" g="0" b="0"/>
+      </a:effectRef>
+      <a:fontRef idx="minor"/>
+    </dgm:style>
+  </dgm:styleLbl>
+  <dgm:styleLbl name="fgAccFollowNode1">
+    <dgm:scene3d>
+      <a:camera prst="orthographicFront"/>
+      <a:lightRig rig="threePt" dir="t"/>
+    </dgm:scene3d>
+    <dgm:sp3d/>
+    <dgm:txPr/>
+    <dgm:style>
+      <a:lnRef idx="1">
+        <a:scrgbClr r="0" g="0" b="0"/>
+      </a:lnRef>
+      <a:fillRef idx="1">
+        <a:scrgbClr r="0" g="0" b="0"/>
+      </a:fillRef>
+      <a:effectRef idx="2">
+        <a:scrgbClr r="0" g="0" b="0"/>
+      </a:effectRef>
+      <a:fontRef idx="minor"/>
+    </dgm:style>
+  </dgm:styleLbl>
+  <dgm:styleLbl name="alignAccFollowNode1">
+    <dgm:scene3d>
+      <a:camera prst="orthographicFront"/>
+      <a:lightRig rig="threePt" dir="t"/>
+    </dgm:scene3d>
+    <dgm:sp3d/>
+    <dgm:txPr/>
+    <dgm:style>
+      <a:lnRef idx="1">
+        <a:scrgbClr r="0" g="0" b="0"/>
+      </a:lnRef>
+      <a:fillRef idx="1">
+        <a:scrgbClr r="0" g="0" b="0"/>
+      </a:fillRef>
+      <a:effectRef idx="2">
+        <a:scrgbClr r="0" g="0" b="0"/>
+      </a:effectRef>
+      <a:fontRef idx="minor"/>
+    </dgm:style>
+  </dgm:styleLbl>
+  <dgm:styleLbl name="bgAccFollowNode1">
+    <dgm:scene3d>
+      <a:camera prst="orthographicFront"/>
+      <a:lightRig rig="threePt" dir="t"/>
+    </dgm:scene3d>
+    <dgm:sp3d/>
+    <dgm:txPr/>
+    <dgm:style>
+      <a:lnRef idx="1">
+        <a:scrgbClr r="0" g="0" b="0"/>
+      </a:lnRef>
+      <a:fillRef idx="1">
+        <a:scrgbClr r="0" g="0" b="0"/>
+      </a:fillRef>
+      <a:effectRef idx="2">
+        <a:scrgbClr r="0" g="0" b="0"/>
+      </a:effectRef>
+      <a:fontRef idx="minor"/>
+    </dgm:style>
+  </dgm:styleLbl>
+  <dgm:styleLbl name="fgAcc0">
+    <dgm:scene3d>
+      <a:camera prst="orthographicFront"/>
+      <a:lightRig rig="threePt" dir="t"/>
+    </dgm:scene3d>
+    <dgm:sp3d/>
+    <dgm:txPr/>
+    <dgm:style>
+      <a:lnRef idx="1">
+        <a:scrgbClr r="0" g="0" b="0"/>
+      </a:lnRef>
+      <a:fillRef idx="1">
+        <a:scrgbClr r="0" g="0" b="0"/>
+      </a:fillRef>
+      <a:effectRef idx="2">
+        <a:scrgbClr r="0" g="0" b="0"/>
+      </a:effectRef>
+      <a:fontRef idx="minor"/>
+    </dgm:style>
+  </dgm:styleLbl>
+  <dgm:styleLbl name="fgAcc2">
+    <dgm:scene3d>
+      <a:camera prst="orthographicFront"/>
+      <a:lightRig rig="threePt" dir="t"/>
+    </dgm:scene3d>
+    <dgm:sp3d/>
+    <dgm:txPr/>
+    <dgm:style>
+      <a:lnRef idx="1">
+        <a:scrgbClr r="0" g="0" b="0"/>
+      </a:lnRef>
+      <a:fillRef idx="1">
+        <a:scrgbClr r="0" g="0" b="0"/>
+      </a:fillRef>
+      <a:effectRef idx="2">
+        <a:scrgbClr r="0" g="0" b="0"/>
+      </a:effectRef>
+      <a:fontRef idx="minor"/>
+    </dgm:style>
+  </dgm:styleLbl>
+  <dgm:styleLbl name="fgAcc3">
+    <dgm:scene3d>
+      <a:camera prst="orthographicFront"/>
+      <a:lightRig rig="threePt" dir="t"/>
+    </dgm:scene3d>
+    <dgm:sp3d/>
+    <dgm:txPr/>
+    <dgm:style>
+      <a:lnRef idx="1">
+        <a:scrgbClr r="0" g="0" b="0"/>
+      </a:lnRef>
+      <a:fillRef idx="1">
+        <a:scrgbClr r="0" g="0" b="0"/>
+      </a:fillRef>
+      <a:effectRef idx="2">
+        <a:scrgbClr r="0" g="0" b="0"/>
+      </a:effectRef>
+      <a:fontRef idx="minor"/>
+    </dgm:style>
+  </dgm:styleLbl>
+  <dgm:styleLbl name="fgAcc4">
+    <dgm:scene3d>
+      <a:camera prst="orthographicFront"/>
+      <a:lightRig rig="threePt" dir="t"/>
+    </dgm:scene3d>
+    <dgm:sp3d/>
+    <dgm:txPr/>
+    <dgm:style>
+      <a:lnRef idx="1">
+        <a:scrgbClr r="0" g="0" b="0"/>
+      </a:lnRef>
+      <a:fillRef idx="1">
+        <a:scrgbClr r="0" g="0" b="0"/>
+      </a:fillRef>
+      <a:effectRef idx="2">
+        <a:scrgbClr r="0" g="0" b="0"/>
+      </a:effectRef>
+      <a:fontRef idx="minor"/>
+    </dgm:style>
+  </dgm:styleLbl>
+  <dgm:styleLbl name="bgShp">
+    <dgm:scene3d>
+      <a:camera prst="orthographicFront"/>
+      <a:lightRig rig="threePt" dir="t"/>
+    </dgm:scene3d>
+    <dgm:sp3d/>
+    <dgm:txPr/>
+    <dgm:style>
+      <a:lnRef idx="0">
+        <a:scrgbClr r="0" g="0" b="0"/>
+      </a:lnRef>
+      <a:fillRef idx="1">
+        <a:scrgbClr r="0" g="0" b="0"/>
+      </a:fillRef>
+      <a:effectRef idx="2">
+        <a:scrgbClr r="0" g="0" b="0"/>
+      </a:effectRef>
+      <a:fontRef idx="minor"/>
+    </dgm:style>
+  </dgm:styleLbl>
+  <dgm:styleLbl name="dkBgShp">
+    <dgm:scene3d>
+      <a:camera prst="orthographicFront"/>
+      <a:lightRig rig="threePt" dir="t"/>
+    </dgm:scene3d>
+    <dgm:sp3d/>
+    <dgm:txPr/>
+    <dgm:style>
+      <a:lnRef idx="0">
+        <a:scrgbClr r="0" g="0" b="0"/>
+      </a:lnRef>
+      <a:fillRef idx="1">
+        <a:scrgbClr r="0" g="0" b="0"/>
+      </a:fillRef>
+      <a:effectRef idx="3">
+        <a:scrgbClr r="0" g="0" b="0"/>
+      </a:effectRef>
+      <a:fontRef idx="minor"/>
+    </dgm:style>
+  </dgm:styleLbl>
+  <dgm:styleLbl name="trBgShp">
+    <dgm:scene3d>
+      <a:camera prst="orthographicFront"/>
+      <a:lightRig rig="threePt" dir="t"/>
+    </dgm:scene3d>
+    <dgm:sp3d/>
+    <dgm:txPr/>
+    <dgm:style>
+      <a:lnRef idx="0">
+        <a:scrgbClr r="0" g="0" b="0"/>
+      </a:lnRef>
+      <a:fillRef idx="1">
+        <a:scrgbClr r="0" g="0" b="0"/>
+      </a:fillRef>
+      <a:effectRef idx="0">
+        <a:scrgbClr r="0" g="0" b="0"/>
+      </a:effectRef>
+      <a:fontRef idx="minor"/>
+    </dgm:style>
+  </dgm:styleLbl>
+  <dgm:styleLbl name="fgShp">
+    <dgm:scene3d>
+      <a:camera prst="orthographicFront"/>
+      <a:lightRig rig="threePt" dir="t"/>
+    </dgm:scene3d>
+    <dgm:sp3d/>
+    <dgm:txPr/>
+    <dgm:style>
+      <a:lnRef idx="0">
+        <a:scrgbClr r="0" g="0" b="0"/>
+      </a:lnRef>
+      <a:fillRef idx="3">
+        <a:scrgbClr r="0" g="0" b="0"/>
+      </a:fillRef>
+      <a:effectRef idx="3">
+        <a:scrgbClr r="0" g="0" b="0"/>
+      </a:effectRef>
+      <a:fontRef idx="minor"/>
+    </dgm:style>
+  </dgm:styleLbl>
+  <dgm:styleLbl name="revTx">
+    <dgm:scene3d>
+      <a:camera prst="orthographicFront"/>
+      <a:lightRig rig="threePt" dir="t"/>
+    </dgm:scene3d>
+    <dgm:sp3d/>
+    <dgm:txPr/>
+    <dgm:style>
+      <a:lnRef idx="0">
+        <a:scrgbClr r="0" g="0" b="0"/>
+      </a:lnRef>
+      <a:fillRef idx="0">
+        <a:scrgbClr r="0" g="0" b="0"/>
+      </a:fillRef>
+      <a:effectRef idx="0">
+        <a:scrgbClr r="0" g="0" b="0"/>
+      </a:effectRef>
+      <a:fontRef idx="minor"/>
+    </dgm:style>
+  </dgm:styleLbl>
+</dgm:styleDef>
 </file>
 
 <file path=ppt/slideLayouts/slideLayout1.xml><?xml version="1.0" encoding="utf-8"?>
@@ -685,7 +4868,7 @@
           </a:lstStyle>
           <a:p>
             <a:r>
-              <a:rPr lang="en-US" smtClean="0"/>
+              <a:rPr lang="en-US"/>
               <a:t>Click to edit Master title style</a:t>
             </a:r>
             <a:endParaRPr lang="en-US" dirty="0"/>
@@ -805,7 +4988,7 @@
           </a:lstStyle>
           <a:p>
             <a:r>
-              <a:rPr lang="en-US" smtClean="0"/>
+              <a:rPr lang="en-US"/>
               <a:t>Click to edit Master subtitle style</a:t>
             </a:r>
             <a:endParaRPr lang="en-US" dirty="0"/>
@@ -830,7 +5013,7 @@
             <a:fld id="{B61BEF0D-F0BB-DE4B-95CE-6DB70DBA9567}" type="datetimeFigureOut">
               <a:rPr lang="en-US" dirty="0"/>
               <a:pPr/>
-              <a:t>8/4/2022</a:t>
+              <a:t>8/5/22</a:t>
             </a:fld>
             <a:endParaRPr lang="en-US" dirty="0"/>
           </a:p>
@@ -931,7 +5114,7 @@
           </a:lstStyle>
           <a:p>
             <a:r>
-              <a:rPr lang="en-US" smtClean="0"/>
+              <a:rPr lang="en-US"/>
               <a:t>Click to edit Master title style</a:t>
             </a:r>
             <a:endParaRPr lang="en-US" dirty="0"/>
@@ -1054,7 +5237,7 @@
           <a:p>
             <a:pPr lvl="0"/>
             <a:r>
-              <a:rPr lang="en-US" smtClean="0"/>
+              <a:rPr lang="en-US"/>
               <a:t>Edit Master text styles</a:t>
             </a:r>
           </a:p>
@@ -1078,7 +5261,7 @@
             <a:fld id="{B61BEF0D-F0BB-DE4B-95CE-6DB70DBA9567}" type="datetimeFigureOut">
               <a:rPr lang="en-US" dirty="0"/>
               <a:pPr/>
-              <a:t>8/4/2022</a:t>
+              <a:t>8/5/22</a:t>
             </a:fld>
             <a:endParaRPr lang="en-US" dirty="0"/>
           </a:p>
@@ -1179,7 +5362,7 @@
           </a:lstStyle>
           <a:p>
             <a:r>
-              <a:rPr lang="en-US" smtClean="0"/>
+              <a:rPr lang="en-US"/>
               <a:t>Click to edit Master title style</a:t>
             </a:r>
             <a:endParaRPr lang="en-US" dirty="0"/>
@@ -1243,7 +5426,7 @@
           <a:p>
             <a:pPr lvl="0"/>
             <a:r>
-              <a:rPr lang="en-US" smtClean="0"/>
+              <a:rPr lang="en-US"/>
               <a:t>Edit Master text styles</a:t>
             </a:r>
           </a:p>
@@ -1365,7 +5548,7 @@
           <a:p>
             <a:pPr lvl="0"/>
             <a:r>
-              <a:rPr lang="en-US" smtClean="0"/>
+              <a:rPr lang="en-US"/>
               <a:t>Edit Master text styles</a:t>
             </a:r>
           </a:p>
@@ -1389,7 +5572,7 @@
             <a:fld id="{B61BEF0D-F0BB-DE4B-95CE-6DB70DBA9567}" type="datetimeFigureOut">
               <a:rPr lang="en-US" dirty="0"/>
               <a:pPr/>
-              <a:t>8/4/2022</a:t>
+              <a:t>8/5/22</a:t>
             </a:fld>
             <a:endParaRPr lang="en-US" dirty="0"/>
           </a:p>
@@ -1580,7 +5763,7 @@
           </a:lstStyle>
           <a:p>
             <a:r>
-              <a:rPr lang="en-US" smtClean="0"/>
+              <a:rPr lang="en-US"/>
               <a:t>Click to edit Master title style</a:t>
             </a:r>
             <a:endParaRPr lang="en-US" dirty="0"/>
@@ -1703,7 +5886,7 @@
           <a:p>
             <a:pPr lvl="0"/>
             <a:r>
-              <a:rPr lang="en-US" smtClean="0"/>
+              <a:rPr lang="en-US"/>
               <a:t>Edit Master text styles</a:t>
             </a:r>
           </a:p>
@@ -1727,7 +5910,7 @@
             <a:fld id="{B61BEF0D-F0BB-DE4B-95CE-6DB70DBA9567}" type="datetimeFigureOut">
               <a:rPr lang="en-US" dirty="0"/>
               <a:pPr/>
-              <a:t>8/4/2022</a:t>
+              <a:t>8/5/22</a:t>
             </a:fld>
             <a:endParaRPr lang="en-US" dirty="0"/>
           </a:p>
@@ -1828,7 +6011,7 @@
           </a:lstStyle>
           <a:p>
             <a:r>
-              <a:rPr lang="en-US" smtClean="0"/>
+              <a:rPr lang="en-US"/>
               <a:t>Click to edit Master title style</a:t>
             </a:r>
             <a:endParaRPr lang="en-US" dirty="0"/>
@@ -1892,7 +6075,7 @@
           <a:p>
             <a:pPr lvl="0"/>
             <a:r>
-              <a:rPr lang="en-US" smtClean="0"/>
+              <a:rPr lang="en-US"/>
               <a:t>Edit Master text styles</a:t>
             </a:r>
           </a:p>
@@ -2014,7 +6197,7 @@
           <a:p>
             <a:pPr lvl="0"/>
             <a:r>
-              <a:rPr lang="en-US" smtClean="0"/>
+              <a:rPr lang="en-US"/>
               <a:t>Edit Master text styles</a:t>
             </a:r>
           </a:p>
@@ -2038,7 +6221,7 @@
             <a:fld id="{B61BEF0D-F0BB-DE4B-95CE-6DB70DBA9567}" type="datetimeFigureOut">
               <a:rPr lang="en-US" dirty="0"/>
               <a:pPr/>
-              <a:t>8/4/2022</a:t>
+              <a:t>8/5/22</a:t>
             </a:fld>
             <a:endParaRPr lang="en-US" dirty="0"/>
           </a:p>
@@ -2221,7 +6404,7 @@
           </a:lstStyle>
           <a:p>
             <a:r>
-              <a:rPr lang="en-US" smtClean="0"/>
+              <a:rPr lang="en-US"/>
               <a:t>Click to edit Master title style</a:t>
             </a:r>
             <a:endParaRPr lang="en-US" dirty="0"/>
@@ -2282,7 +6465,7 @@
           <a:p>
             <a:pPr lvl="0"/>
             <a:r>
-              <a:rPr lang="en-US" smtClean="0"/>
+              <a:rPr lang="en-US"/>
               <a:t>Edit Master text styles</a:t>
             </a:r>
           </a:p>
@@ -2404,7 +6587,7 @@
           <a:p>
             <a:pPr lvl="0"/>
             <a:r>
-              <a:rPr lang="en-US" smtClean="0"/>
+              <a:rPr lang="en-US"/>
               <a:t>Edit Master text styles</a:t>
             </a:r>
           </a:p>
@@ -2428,7 +6611,7 @@
             <a:fld id="{B61BEF0D-F0BB-DE4B-95CE-6DB70DBA9567}" type="datetimeFigureOut">
               <a:rPr lang="en-US" dirty="0"/>
               <a:pPr/>
-              <a:t>8/4/2022</a:t>
+              <a:t>8/5/22</a:t>
             </a:fld>
             <a:endParaRPr lang="en-US" dirty="0"/>
           </a:p>
@@ -2518,7 +6701,7 @@
           <a:lstStyle/>
           <a:p>
             <a:r>
-              <a:rPr lang="en-US" smtClean="0"/>
+              <a:rPr lang="en-US"/>
               <a:t>Click to edit Master title style</a:t>
             </a:r>
             <a:endParaRPr lang="en-US" dirty="0"/>
@@ -2542,35 +6725,35 @@
           <a:p>
             <a:pPr lvl="0"/>
             <a:r>
-              <a:rPr lang="en-US" smtClean="0"/>
+              <a:rPr lang="en-US"/>
               <a:t>Edit Master text styles</a:t>
             </a:r>
           </a:p>
           <a:p>
             <a:pPr lvl="1"/>
             <a:r>
-              <a:rPr lang="en-US" smtClean="0"/>
+              <a:rPr lang="en-US"/>
               <a:t>Second level</a:t>
             </a:r>
           </a:p>
           <a:p>
             <a:pPr lvl="2"/>
             <a:r>
-              <a:rPr lang="en-US" smtClean="0"/>
+              <a:rPr lang="en-US"/>
               <a:t>Third level</a:t>
             </a:r>
           </a:p>
           <a:p>
             <a:pPr lvl="3"/>
             <a:r>
-              <a:rPr lang="en-US" smtClean="0"/>
+              <a:rPr lang="en-US"/>
               <a:t>Fourth level</a:t>
             </a:r>
           </a:p>
           <a:p>
             <a:pPr lvl="4"/>
             <a:r>
-              <a:rPr lang="en-US" smtClean="0"/>
+              <a:rPr lang="en-US"/>
               <a:t>Fifth level</a:t>
             </a:r>
             <a:endParaRPr lang="en-US" dirty="0"/>
@@ -2594,7 +6777,7 @@
           <a:p>
             <a:fld id="{55C6B4A9-1611-4792-9094-5F34BCA07E0B}" type="datetimeFigureOut">
               <a:rPr lang="en-US" dirty="0"/>
-              <a:t>8/4/2022</a:t>
+              <a:t>8/5/22</a:t>
             </a:fld>
             <a:endParaRPr lang="en-US" dirty="0"/>
           </a:p>
@@ -2688,7 +6871,7 @@
           <a:lstStyle/>
           <a:p>
             <a:r>
-              <a:rPr lang="en-US" smtClean="0"/>
+              <a:rPr lang="en-US"/>
               <a:t>Click to edit Master title style</a:t>
             </a:r>
             <a:endParaRPr lang="en-US" dirty="0"/>
@@ -2717,35 +6900,35 @@
           <a:p>
             <a:pPr lvl="0"/>
             <a:r>
-              <a:rPr lang="en-US" smtClean="0"/>
+              <a:rPr lang="en-US"/>
               <a:t>Edit Master text styles</a:t>
             </a:r>
           </a:p>
           <a:p>
             <a:pPr lvl="1"/>
             <a:r>
-              <a:rPr lang="en-US" smtClean="0"/>
+              <a:rPr lang="en-US"/>
               <a:t>Second level</a:t>
             </a:r>
           </a:p>
           <a:p>
             <a:pPr lvl="2"/>
             <a:r>
-              <a:rPr lang="en-US" smtClean="0"/>
+              <a:rPr lang="en-US"/>
               <a:t>Third level</a:t>
             </a:r>
           </a:p>
           <a:p>
             <a:pPr lvl="3"/>
             <a:r>
-              <a:rPr lang="en-US" smtClean="0"/>
+              <a:rPr lang="en-US"/>
               <a:t>Fourth level</a:t>
             </a:r>
           </a:p>
           <a:p>
             <a:pPr lvl="4"/>
             <a:r>
-              <a:rPr lang="en-US" smtClean="0"/>
+              <a:rPr lang="en-US"/>
               <a:t>Fifth level</a:t>
             </a:r>
             <a:endParaRPr lang="en-US" dirty="0"/>
@@ -2770,7 +6953,7 @@
             <a:fld id="{B61BEF0D-F0BB-DE4B-95CE-6DB70DBA9567}" type="datetimeFigureOut">
               <a:rPr lang="en-US" dirty="0"/>
               <a:pPr/>
-              <a:t>8/4/2022</a:t>
+              <a:t>8/5/22</a:t>
             </a:fld>
             <a:endParaRPr lang="en-US" dirty="0"/>
           </a:p>
@@ -2866,7 +7049,7 @@
           </a:lstStyle>
           <a:p>
             <a:r>
-              <a:rPr lang="en-US" smtClean="0"/>
+              <a:rPr lang="en-US"/>
               <a:t>Click to edit Master title style</a:t>
             </a:r>
             <a:endParaRPr lang="en-US" dirty="0"/>
@@ -2890,35 +7073,35 @@
           <a:p>
             <a:pPr lvl="0"/>
             <a:r>
-              <a:rPr lang="en-US" smtClean="0"/>
+              <a:rPr lang="en-US"/>
               <a:t>Edit Master text styles</a:t>
             </a:r>
           </a:p>
           <a:p>
             <a:pPr lvl="1"/>
             <a:r>
-              <a:rPr lang="en-US" smtClean="0"/>
+              <a:rPr lang="en-US"/>
               <a:t>Second level</a:t>
             </a:r>
           </a:p>
           <a:p>
             <a:pPr lvl="2"/>
             <a:r>
-              <a:rPr lang="en-US" smtClean="0"/>
+              <a:rPr lang="en-US"/>
               <a:t>Third level</a:t>
             </a:r>
           </a:p>
           <a:p>
             <a:pPr lvl="3"/>
             <a:r>
-              <a:rPr lang="en-US" smtClean="0"/>
+              <a:rPr lang="en-US"/>
               <a:t>Fourth level</a:t>
             </a:r>
           </a:p>
           <a:p>
             <a:pPr lvl="4"/>
             <a:r>
-              <a:rPr lang="en-US" smtClean="0"/>
+              <a:rPr lang="en-US"/>
               <a:t>Fifth level</a:t>
             </a:r>
             <a:endParaRPr lang="en-US" dirty="0"/>
@@ -2943,7 +7126,7 @@
             <a:fld id="{B61BEF0D-F0BB-DE4B-95CE-6DB70DBA9567}" type="datetimeFigureOut">
               <a:rPr lang="en-US" dirty="0"/>
               <a:pPr/>
-              <a:t>8/4/2022</a:t>
+              <a:t>8/5/22</a:t>
             </a:fld>
             <a:endParaRPr lang="en-US" dirty="0"/>
           </a:p>
@@ -3042,7 +7225,7 @@
           </a:lstStyle>
           <a:p>
             <a:r>
-              <a:rPr lang="en-US" smtClean="0"/>
+              <a:rPr lang="en-US"/>
               <a:t>Click to edit Master title style</a:t>
             </a:r>
             <a:endParaRPr lang="en-US" dirty="0"/>
@@ -3163,7 +7346,7 @@
           <a:p>
             <a:pPr lvl="0"/>
             <a:r>
-              <a:rPr lang="en-US" smtClean="0"/>
+              <a:rPr lang="en-US"/>
               <a:t>Edit Master text styles</a:t>
             </a:r>
           </a:p>
@@ -3187,7 +7370,7 @@
             <a:fld id="{B61BEF0D-F0BB-DE4B-95CE-6DB70DBA9567}" type="datetimeFigureOut">
               <a:rPr lang="en-US" dirty="0"/>
               <a:pPr/>
-              <a:t>8/4/2022</a:t>
+              <a:t>8/5/22</a:t>
             </a:fld>
             <a:endParaRPr lang="en-US" dirty="0"/>
           </a:p>
@@ -3277,7 +7460,7 @@
           <a:lstStyle/>
           <a:p>
             <a:r>
-              <a:rPr lang="en-US" smtClean="0"/>
+              <a:rPr lang="en-US"/>
               <a:t>Click to edit Master title style</a:t>
             </a:r>
             <a:endParaRPr lang="en-US" dirty="0"/>
@@ -3306,35 +7489,35 @@
           <a:p>
             <a:pPr lvl="0"/>
             <a:r>
-              <a:rPr lang="en-US" smtClean="0"/>
+              <a:rPr lang="en-US"/>
               <a:t>Edit Master text styles</a:t>
             </a:r>
           </a:p>
           <a:p>
             <a:pPr lvl="1"/>
             <a:r>
-              <a:rPr lang="en-US" smtClean="0"/>
+              <a:rPr lang="en-US"/>
               <a:t>Second level</a:t>
             </a:r>
           </a:p>
           <a:p>
             <a:pPr lvl="2"/>
             <a:r>
-              <a:rPr lang="en-US" smtClean="0"/>
+              <a:rPr lang="en-US"/>
               <a:t>Third level</a:t>
             </a:r>
           </a:p>
           <a:p>
             <a:pPr lvl="3"/>
             <a:r>
-              <a:rPr lang="en-US" smtClean="0"/>
+              <a:rPr lang="en-US"/>
               <a:t>Fourth level</a:t>
             </a:r>
           </a:p>
           <a:p>
             <a:pPr lvl="4"/>
             <a:r>
-              <a:rPr lang="en-US" smtClean="0"/>
+              <a:rPr lang="en-US"/>
               <a:t>Fifth level</a:t>
             </a:r>
             <a:endParaRPr lang="en-US" dirty="0"/>
@@ -3363,35 +7546,35 @@
           <a:p>
             <a:pPr lvl="0"/>
             <a:r>
-              <a:rPr lang="en-US" smtClean="0"/>
+              <a:rPr lang="en-US"/>
               <a:t>Edit Master text styles</a:t>
             </a:r>
           </a:p>
           <a:p>
             <a:pPr lvl="1"/>
             <a:r>
-              <a:rPr lang="en-US" smtClean="0"/>
+              <a:rPr lang="en-US"/>
               <a:t>Second level</a:t>
             </a:r>
           </a:p>
           <a:p>
             <a:pPr lvl="2"/>
             <a:r>
-              <a:rPr lang="en-US" smtClean="0"/>
+              <a:rPr lang="en-US"/>
               <a:t>Third level</a:t>
             </a:r>
           </a:p>
           <a:p>
             <a:pPr lvl="3"/>
             <a:r>
-              <a:rPr lang="en-US" smtClean="0"/>
+              <a:rPr lang="en-US"/>
               <a:t>Fourth level</a:t>
             </a:r>
           </a:p>
           <a:p>
             <a:pPr lvl="4"/>
             <a:r>
-              <a:rPr lang="en-US" smtClean="0"/>
+              <a:rPr lang="en-US"/>
               <a:t>Fifth level</a:t>
             </a:r>
             <a:endParaRPr lang="en-US" dirty="0"/>
@@ -3415,7 +7598,7 @@
           <a:p>
             <a:fld id="{EB712588-04B1-427B-82EE-E8DB90309F08}" type="datetimeFigureOut">
               <a:rPr lang="en-US" dirty="0"/>
-              <a:t>8/4/2022</a:t>
+              <a:t>8/5/22</a:t>
             </a:fld>
             <a:endParaRPr lang="en-US" dirty="0"/>
           </a:p>
@@ -3508,7 +7691,7 @@
           </a:lstStyle>
           <a:p>
             <a:r>
-              <a:rPr lang="en-US" smtClean="0"/>
+              <a:rPr lang="en-US"/>
               <a:t>Click to edit Master title style</a:t>
             </a:r>
             <a:endParaRPr lang="en-US" dirty="0"/>
@@ -3576,7 +7759,7 @@
           <a:p>
             <a:pPr lvl="0"/>
             <a:r>
-              <a:rPr lang="en-US" smtClean="0"/>
+              <a:rPr lang="en-US"/>
               <a:t>Edit Master text styles</a:t>
             </a:r>
           </a:p>
@@ -3606,35 +7789,35 @@
           <a:p>
             <a:pPr lvl="0"/>
             <a:r>
-              <a:rPr lang="en-US" smtClean="0"/>
+              <a:rPr lang="en-US"/>
               <a:t>Edit Master text styles</a:t>
             </a:r>
           </a:p>
           <a:p>
             <a:pPr lvl="1"/>
             <a:r>
-              <a:rPr lang="en-US" smtClean="0"/>
+              <a:rPr lang="en-US"/>
               <a:t>Second level</a:t>
             </a:r>
           </a:p>
           <a:p>
             <a:pPr lvl="2"/>
             <a:r>
-              <a:rPr lang="en-US" smtClean="0"/>
+              <a:rPr lang="en-US"/>
               <a:t>Third level</a:t>
             </a:r>
           </a:p>
           <a:p>
             <a:pPr lvl="3"/>
             <a:r>
-              <a:rPr lang="en-US" smtClean="0"/>
+              <a:rPr lang="en-US"/>
               <a:t>Fourth level</a:t>
             </a:r>
           </a:p>
           <a:p>
             <a:pPr lvl="4"/>
             <a:r>
-              <a:rPr lang="en-US" smtClean="0"/>
+              <a:rPr lang="en-US"/>
               <a:t>Fifth level</a:t>
             </a:r>
             <a:endParaRPr lang="en-US" dirty="0"/>
@@ -3702,7 +7885,7 @@
           <a:p>
             <a:pPr lvl="0"/>
             <a:r>
-              <a:rPr lang="en-US" smtClean="0"/>
+              <a:rPr lang="en-US"/>
               <a:t>Edit Master text styles</a:t>
             </a:r>
           </a:p>
@@ -3732,35 +7915,35 @@
           <a:p>
             <a:pPr lvl="0"/>
             <a:r>
-              <a:rPr lang="en-US" smtClean="0"/>
+              <a:rPr lang="en-US"/>
               <a:t>Edit Master text styles</a:t>
             </a:r>
           </a:p>
           <a:p>
             <a:pPr lvl="1"/>
             <a:r>
-              <a:rPr lang="en-US" smtClean="0"/>
+              <a:rPr lang="en-US"/>
               <a:t>Second level</a:t>
             </a:r>
           </a:p>
           <a:p>
             <a:pPr lvl="2"/>
             <a:r>
-              <a:rPr lang="en-US" smtClean="0"/>
+              <a:rPr lang="en-US"/>
               <a:t>Third level</a:t>
             </a:r>
           </a:p>
           <a:p>
             <a:pPr lvl="3"/>
             <a:r>
-              <a:rPr lang="en-US" smtClean="0"/>
+              <a:rPr lang="en-US"/>
               <a:t>Fourth level</a:t>
             </a:r>
           </a:p>
           <a:p>
             <a:pPr lvl="4"/>
             <a:r>
-              <a:rPr lang="en-US" smtClean="0"/>
+              <a:rPr lang="en-US"/>
               <a:t>Fifth level</a:t>
             </a:r>
             <a:endParaRPr lang="en-US" dirty="0"/>
@@ -3785,7 +7968,7 @@
             <a:fld id="{B61BEF0D-F0BB-DE4B-95CE-6DB70DBA9567}" type="datetimeFigureOut">
               <a:rPr lang="en-US" dirty="0"/>
               <a:pPr/>
-              <a:t>8/4/2022</a:t>
+              <a:t>8/5/22</a:t>
             </a:fld>
             <a:endParaRPr lang="en-US" dirty="0"/>
           </a:p>
@@ -3880,7 +8063,7 @@
           <a:lstStyle/>
           <a:p>
             <a:r>
-              <a:rPr lang="en-US" smtClean="0"/>
+              <a:rPr lang="en-US"/>
               <a:t>Click to edit Master title style</a:t>
             </a:r>
             <a:endParaRPr lang="en-US" dirty="0"/>
@@ -3905,7 +8088,7 @@
             <a:fld id="{B61BEF0D-F0BB-DE4B-95CE-6DB70DBA9567}" type="datetimeFigureOut">
               <a:rPr lang="en-US" dirty="0"/>
               <a:pPr/>
-              <a:t>8/4/2022</a:t>
+              <a:t>8/5/22</a:t>
             </a:fld>
             <a:endParaRPr lang="en-US" dirty="0"/>
           </a:p>
@@ -3997,7 +8180,7 @@
             <a:fld id="{B61BEF0D-F0BB-DE4B-95CE-6DB70DBA9567}" type="datetimeFigureOut">
               <a:rPr lang="en-US" dirty="0"/>
               <a:pPr/>
-              <a:t>8/4/2022</a:t>
+              <a:t>8/5/22</a:t>
             </a:fld>
             <a:endParaRPr lang="en-US" dirty="0"/>
           </a:p>
@@ -4098,7 +8281,7 @@
           </a:lstStyle>
           <a:p>
             <a:r>
-              <a:rPr lang="en-US" smtClean="0"/>
+              <a:rPr lang="en-US"/>
               <a:t>Click to edit Master title style</a:t>
             </a:r>
             <a:endParaRPr lang="en-US" dirty="0"/>
@@ -4129,35 +8312,35 @@
           <a:p>
             <a:pPr lvl="0"/>
             <a:r>
-              <a:rPr lang="en-US" smtClean="0"/>
+              <a:rPr lang="en-US"/>
               <a:t>Edit Master text styles</a:t>
             </a:r>
           </a:p>
           <a:p>
             <a:pPr lvl="1"/>
             <a:r>
-              <a:rPr lang="en-US" smtClean="0"/>
+              <a:rPr lang="en-US"/>
               <a:t>Second level</a:t>
             </a:r>
           </a:p>
           <a:p>
             <a:pPr lvl="2"/>
             <a:r>
-              <a:rPr lang="en-US" smtClean="0"/>
+              <a:rPr lang="en-US"/>
               <a:t>Third level</a:t>
             </a:r>
           </a:p>
           <a:p>
             <a:pPr lvl="3"/>
             <a:r>
-              <a:rPr lang="en-US" smtClean="0"/>
+              <a:rPr lang="en-US"/>
               <a:t>Fourth level</a:t>
             </a:r>
           </a:p>
           <a:p>
             <a:pPr lvl="4"/>
             <a:r>
-              <a:rPr lang="en-US" smtClean="0"/>
+              <a:rPr lang="en-US"/>
               <a:t>Fifth level</a:t>
             </a:r>
             <a:endParaRPr lang="en-US" dirty="0"/>
@@ -4225,7 +8408,7 @@
           <a:p>
             <a:pPr lvl="0"/>
             <a:r>
-              <a:rPr lang="en-US" smtClean="0"/>
+              <a:rPr lang="en-US"/>
               <a:t>Edit Master text styles</a:t>
             </a:r>
           </a:p>
@@ -4248,7 +8431,7 @@
           <a:p>
             <a:fld id="{42A54C80-263E-416B-A8E0-580EDEADCBDC}" type="datetimeFigureOut">
               <a:rPr lang="en-US" dirty="0"/>
-              <a:t>8/4/2022</a:t>
+              <a:t>8/5/22</a:t>
             </a:fld>
             <a:endParaRPr lang="en-US" dirty="0"/>
           </a:p>
@@ -4348,7 +8531,7 @@
           </a:lstStyle>
           <a:p>
             <a:r>
-              <a:rPr lang="en-US" smtClean="0"/>
+              <a:rPr lang="en-US"/>
               <a:t>Click to edit Master title style</a:t>
             </a:r>
             <a:endParaRPr lang="en-US" dirty="0"/>
@@ -4415,7 +8598,7 @@
           </a:lstStyle>
           <a:p>
             <a:r>
-              <a:rPr lang="en-US" smtClean="0"/>
+              <a:rPr lang="en-US"/>
               <a:t>Click icon to add picture</a:t>
             </a:r>
             <a:endParaRPr lang="en-US" dirty="0"/>
@@ -4483,7 +8666,7 @@
           <a:p>
             <a:pPr lvl="0"/>
             <a:r>
-              <a:rPr lang="en-US" smtClean="0"/>
+              <a:rPr lang="en-US"/>
               <a:t>Edit Master text styles</a:t>
             </a:r>
           </a:p>
@@ -4507,7 +8690,7 @@
             <a:fld id="{B61BEF0D-F0BB-DE4B-95CE-6DB70DBA9567}" type="datetimeFigureOut">
               <a:rPr lang="en-US" dirty="0"/>
               <a:pPr/>
-              <a:t>8/4/2022</a:t>
+              <a:t>8/5/22</a:t>
             </a:fld>
             <a:endParaRPr lang="en-US" dirty="0"/>
           </a:p>
@@ -5142,7 +9325,7 @@
           <a:lstStyle/>
           <a:p>
             <a:r>
-              <a:rPr lang="en-US" smtClean="0"/>
+              <a:rPr lang="en-US"/>
               <a:t>Click to edit Master title style</a:t>
             </a:r>
             <a:endParaRPr lang="en-US" dirty="0"/>
@@ -5176,35 +9359,35 @@
           <a:p>
             <a:pPr lvl="0"/>
             <a:r>
-              <a:rPr lang="en-US" smtClean="0"/>
+              <a:rPr lang="en-US"/>
               <a:t>Edit Master text styles</a:t>
             </a:r>
           </a:p>
           <a:p>
             <a:pPr lvl="1"/>
             <a:r>
-              <a:rPr lang="en-US" smtClean="0"/>
+              <a:rPr lang="en-US"/>
               <a:t>Second level</a:t>
             </a:r>
           </a:p>
           <a:p>
             <a:pPr lvl="2"/>
             <a:r>
-              <a:rPr lang="en-US" smtClean="0"/>
+              <a:rPr lang="en-US"/>
               <a:t>Third level</a:t>
             </a:r>
           </a:p>
           <a:p>
             <a:pPr lvl="3"/>
             <a:r>
-              <a:rPr lang="en-US" smtClean="0"/>
+              <a:rPr lang="en-US"/>
               <a:t>Fourth level</a:t>
             </a:r>
           </a:p>
           <a:p>
             <a:pPr lvl="4"/>
             <a:r>
-              <a:rPr lang="en-US" smtClean="0"/>
+              <a:rPr lang="en-US"/>
               <a:t>Fifth level</a:t>
             </a:r>
             <a:endParaRPr lang="en-US" dirty="0"/>
@@ -5247,7 +9430,7 @@
             <a:fld id="{B61BEF0D-F0BB-DE4B-95CE-6DB70DBA9567}" type="datetimeFigureOut">
               <a:rPr lang="en-US" dirty="0"/>
               <a:pPr/>
-              <a:t>8/4/2022</a:t>
+              <a:t>8/5/22</a:t>
             </a:fld>
             <a:endParaRPr lang="en-US" dirty="0"/>
           </a:p>
@@ -5753,6 +9936,14 @@
 <file path=ppt/slides/slide1.xml><?xml version="1.0" encoding="utf-8"?>
 <p:sld xmlns:a="http://schemas.openxmlformats.org/drawingml/2006/main" xmlns:r="http://schemas.openxmlformats.org/officeDocument/2006/relationships" xmlns:p="http://schemas.openxmlformats.org/presentationml/2006/main">
   <p:cSld>
+    <p:bg>
+      <p:bgPr>
+        <a:solidFill>
+          <a:schemeClr val="bg1"/>
+        </a:solidFill>
+        <a:effectLst/>
+      </p:bgPr>
+    </p:bg>
     <p:spTree>
       <p:nvGrpSpPr>
         <p:cNvPr id="1" name=""/>
@@ -5777,27 +9968,34 @@
             <p:ph type="ctrTitle"/>
           </p:nvPr>
         </p:nvSpPr>
-        <p:spPr/>
+        <p:spPr>
+          <a:xfrm>
+            <a:off x="4974337" y="1265314"/>
+            <a:ext cx="4299666" cy="3249131"/>
+          </a:xfrm>
+        </p:spPr>
         <p:txBody>
-          <a:bodyPr/>
+          <a:bodyPr>
+            <a:normAutofit/>
+          </a:bodyPr>
           <a:lstStyle/>
           <a:p>
+            <a:pPr algn="l">
+              <a:lnSpc>
+                <a:spcPct val="90000"/>
+              </a:lnSpc>
+            </a:pPr>
             <a:r>
-              <a:rPr lang="en-US" dirty="0" smtClean="0"/>
+              <a:rPr lang="en-US"/>
               <a:t>E-Naira Hackathon</a:t>
             </a:r>
             <a:br>
-              <a:rPr lang="en-US" dirty="0" smtClean="0"/>
+              <a:rPr lang="en-US"/>
             </a:br>
             <a:r>
-              <a:rPr lang="en-US" dirty="0" smtClean="0"/>
-              <a:t>The </a:t>
+              <a:rPr lang="en-US"/>
+              <a:t>The Hackatheers</a:t>
             </a:r>
-            <a:r>
-              <a:rPr lang="en-US" dirty="0" err="1" smtClean="0"/>
-              <a:t>Hackatheers</a:t>
-            </a:r>
-            <a:endParaRPr lang="en-US" dirty="0"/>
           </a:p>
         </p:txBody>
       </p:sp>
@@ -5811,23 +10009,2672 @@
             <p:ph type="subTitle" idx="1"/>
           </p:nvPr>
         </p:nvSpPr>
-        <p:spPr/>
+        <p:spPr>
+          <a:xfrm>
+            <a:off x="4974336" y="4514446"/>
+            <a:ext cx="4299666" cy="871042"/>
+          </a:xfrm>
+        </p:spPr>
+        <p:txBody>
+          <a:bodyPr>
+            <a:normAutofit/>
+          </a:bodyPr>
+          <a:lstStyle/>
+          <a:p>
+            <a:pPr algn="l">
+              <a:lnSpc>
+                <a:spcPct val="90000"/>
+              </a:lnSpc>
+            </a:pPr>
+            <a:r>
+              <a:rPr lang="en-US" sz="1500"/>
+              <a:t>How the E-naira can be adopted by SME’s and startups to create innovative products or enhance their existing services</a:t>
+            </a:r>
+          </a:p>
+        </p:txBody>
+      </p:sp>
+      <p:sp>
+        <p:nvSpPr>
+          <p:cNvPr id="12" name="Isosceles Triangle 9">
+            <a:extLst>
+              <a:ext uri="{FF2B5EF4-FFF2-40B4-BE49-F238E27FC236}">
+                <a16:creationId xmlns:a16="http://schemas.microsoft.com/office/drawing/2014/main" id="{5A7802B6-FF37-40CF-A7E2-6F2A0D9A91EF}"/>
+              </a:ext>
+              <a:ext uri="{C183D7F6-B498-43B3-948B-1728B52AA6E4}">
+                <adec:decorative xmlns:adec="http://schemas.microsoft.com/office/drawing/2017/decorative" val="1"/>
+              </a:ext>
+            </a:extLst>
+          </p:cNvPr>
+          <p:cNvSpPr>
+            <a:spLocks noGrp="1" noRot="1" noChangeAspect="1" noMove="1" noResize="1" noEditPoints="1" noAdjustHandles="1" noChangeArrowheads="1" noChangeShapeType="1" noTextEdit="1"/>
+          </p:cNvSpPr>
+          <p:nvPr>
+            <p:extLst>
+              <p:ext uri="{386F3935-93C4-4BCD-93E2-E3B085C9AB24}">
+                <p16:designElem xmlns:p16="http://schemas.microsoft.com/office/powerpoint/2015/main" val="1"/>
+              </p:ext>
+            </p:extLst>
+          </p:nvPr>
+        </p:nvSpPr>
+        <p:spPr>
+          <a:xfrm rot="10800000">
+            <a:off x="3174" y="12700"/>
+            <a:ext cx="842596" cy="5666154"/>
+          </a:xfrm>
+          <a:prstGeom prst="triangle">
+            <a:avLst>
+              <a:gd name="adj" fmla="val 100000"/>
+            </a:avLst>
+          </a:prstGeom>
+          <a:solidFill>
+            <a:schemeClr val="accent1">
+              <a:alpha val="85000"/>
+            </a:schemeClr>
+          </a:solidFill>
+          <a:ln>
+            <a:noFill/>
+          </a:ln>
+          <a:effectLst/>
+        </p:spPr>
+        <p:style>
+          <a:lnRef idx="1">
+            <a:schemeClr val="accent1"/>
+          </a:lnRef>
+          <a:fillRef idx="3">
+            <a:schemeClr val="accent1"/>
+          </a:fillRef>
+          <a:effectRef idx="2">
+            <a:schemeClr val="accent1"/>
+          </a:effectRef>
+          <a:fontRef idx="minor">
+            <a:schemeClr val="lt1"/>
+          </a:fontRef>
+        </p:style>
+      </p:sp>
+      <p:pic>
+        <p:nvPicPr>
+          <p:cNvPr id="7" name="Graphic 6" descr="Gold bars">
+            <a:extLst>
+              <a:ext uri="{FF2B5EF4-FFF2-40B4-BE49-F238E27FC236}">
+                <a16:creationId xmlns:a16="http://schemas.microsoft.com/office/drawing/2014/main" id="{74A9CEF8-1B0B-7088-29CB-C607DDE51442}"/>
+              </a:ext>
+            </a:extLst>
+          </p:cNvPr>
+          <p:cNvPicPr>
+            <a:picLocks noChangeAspect="1"/>
+          </p:cNvPicPr>
+          <p:nvPr/>
+        </p:nvPicPr>
+        <p:blipFill>
+          <a:blip r:embed="rId2">
+            <a:extLst>
+              <a:ext uri="{28A0092B-C50C-407E-A947-70E740481C1C}">
+                <a14:useLocalDpi xmlns:a14="http://schemas.microsoft.com/office/drawing/2010/main" val="0"/>
+              </a:ext>
+              <a:ext uri="{96DAC541-7B7A-43D3-8B79-37D633B846F1}">
+                <asvg:svgBlip xmlns:asvg="http://schemas.microsoft.com/office/drawing/2016/SVG/main" r:embed="rId3"/>
+              </a:ext>
+            </a:extLst>
+          </a:blip>
+          <a:stretch>
+            <a:fillRect/>
+          </a:stretch>
+        </p:blipFill>
+        <p:spPr>
+          <a:xfrm>
+            <a:off x="888604" y="1550139"/>
+            <a:ext cx="3765692" cy="3765692"/>
+          </a:xfrm>
+          <a:prstGeom prst="rect">
+            <a:avLst/>
+          </a:prstGeom>
+        </p:spPr>
+      </p:pic>
+    </p:spTree>
+    <p:extLst>
+      <p:ext uri="{BB962C8B-B14F-4D97-AF65-F5344CB8AC3E}">
+        <p14:creationId xmlns:p14="http://schemas.microsoft.com/office/powerpoint/2010/main" val="3551972633"/>
+      </p:ext>
+    </p:extLst>
+  </p:cSld>
+  <p:clrMapOvr>
+    <a:masterClrMapping/>
+  </p:clrMapOvr>
+</p:sld>
+</file>
+
+<file path=ppt/slides/slide2.xml><?xml version="1.0" encoding="utf-8"?>
+<p:sld xmlns:a="http://schemas.openxmlformats.org/drawingml/2006/main" xmlns:r="http://schemas.openxmlformats.org/officeDocument/2006/relationships" xmlns:p="http://schemas.openxmlformats.org/presentationml/2006/main">
+  <p:cSld>
+    <p:spTree>
+      <p:nvGrpSpPr>
+        <p:cNvPr id="1" name=""/>
+        <p:cNvGrpSpPr/>
+        <p:nvPr/>
+      </p:nvGrpSpPr>
+      <p:grpSpPr>
+        <a:xfrm>
+          <a:off x="0" y="0"/>
+          <a:ext cx="0" cy="0"/>
+          <a:chOff x="0" y="0"/>
+          <a:chExt cx="0" cy="0"/>
+        </a:xfrm>
+      </p:grpSpPr>
+      <p:sp>
+        <p:nvSpPr>
+          <p:cNvPr id="2" name="Title 1">
+            <a:extLst>
+              <a:ext uri="{FF2B5EF4-FFF2-40B4-BE49-F238E27FC236}">
+                <a16:creationId xmlns:a16="http://schemas.microsoft.com/office/drawing/2014/main" id="{D6C3E1EC-7AE4-2AAD-44E1-43A94AD26AF3}"/>
+              </a:ext>
+            </a:extLst>
+          </p:cNvPr>
+          <p:cNvSpPr>
+            <a:spLocks noGrp="1"/>
+          </p:cNvSpPr>
+          <p:nvPr>
+            <p:ph type="title"/>
+          </p:nvPr>
+        </p:nvSpPr>
+        <p:spPr>
+          <a:xfrm>
+            <a:off x="677334" y="609600"/>
+            <a:ext cx="8596668" cy="752061"/>
+          </a:xfrm>
+        </p:spPr>
         <p:txBody>
           <a:bodyPr/>
           <a:lstStyle/>
           <a:p>
             <a:r>
-              <a:rPr lang="en-US" dirty="0" smtClean="0"/>
-              <a:t>How the E-naira can be adopted by SME’s and startups to create innovative products or enhance their existing services</a:t>
+              <a:rPr lang="en-GB" dirty="0"/>
+              <a:t>S</a:t>
             </a:r>
-            <a:endParaRPr lang="en-US" dirty="0"/>
+            <a:r>
+              <a:rPr lang="en-IT" dirty="0"/>
+              <a:t>upply chain</a:t>
+            </a:r>
+          </a:p>
+        </p:txBody>
+      </p:sp>
+      <p:sp>
+        <p:nvSpPr>
+          <p:cNvPr id="4" name="Rounded Rectangle 3">
+            <a:extLst>
+              <a:ext uri="{FF2B5EF4-FFF2-40B4-BE49-F238E27FC236}">
+                <a16:creationId xmlns:a16="http://schemas.microsoft.com/office/drawing/2014/main" id="{3B7D3754-3BE3-8054-6DA3-2ACE64C0B415}"/>
+              </a:ext>
+            </a:extLst>
+          </p:cNvPr>
+          <p:cNvSpPr/>
+          <p:nvPr/>
+        </p:nvSpPr>
+        <p:spPr>
+          <a:xfrm>
+            <a:off x="677334" y="1404730"/>
+            <a:ext cx="1886962" cy="1577009"/>
+          </a:xfrm>
+          <a:prstGeom prst="roundRect">
+            <a:avLst/>
+          </a:prstGeom>
+        </p:spPr>
+        <p:style>
+          <a:lnRef idx="2">
+            <a:schemeClr val="accent1">
+              <a:shade val="50000"/>
+            </a:schemeClr>
+          </a:lnRef>
+          <a:fillRef idx="1">
+            <a:schemeClr val="accent1"/>
+          </a:fillRef>
+          <a:effectRef idx="0">
+            <a:schemeClr val="accent1"/>
+          </a:effectRef>
+          <a:fontRef idx="minor">
+            <a:schemeClr val="lt1"/>
+          </a:fontRef>
+        </p:style>
+        <p:txBody>
+          <a:bodyPr rtlCol="0" anchor="ctr"/>
+          <a:lstStyle/>
+          <a:p>
+            <a:pPr algn="ctr"/>
+            <a:r>
+              <a:rPr lang="en-GB" dirty="0" err="1"/>
+              <a:t>eNaira</a:t>
+            </a:r>
+            <a:endParaRPr lang="en-IT" dirty="0"/>
+          </a:p>
+        </p:txBody>
+      </p:sp>
+      <p:sp>
+        <p:nvSpPr>
+          <p:cNvPr id="5" name="Rounded Rectangle 4">
+            <a:extLst>
+              <a:ext uri="{FF2B5EF4-FFF2-40B4-BE49-F238E27FC236}">
+                <a16:creationId xmlns:a16="http://schemas.microsoft.com/office/drawing/2014/main" id="{03A245E3-C147-164E-9CB5-F0B4CCAA579D}"/>
+              </a:ext>
+            </a:extLst>
+          </p:cNvPr>
+          <p:cNvSpPr/>
+          <p:nvPr/>
+        </p:nvSpPr>
+        <p:spPr>
+          <a:xfrm>
+            <a:off x="3339974" y="1404730"/>
+            <a:ext cx="1886962" cy="1577009"/>
+          </a:xfrm>
+          <a:prstGeom prst="roundRect">
+            <a:avLst/>
+          </a:prstGeom>
+        </p:spPr>
+        <p:style>
+          <a:lnRef idx="2">
+            <a:schemeClr val="accent1">
+              <a:shade val="50000"/>
+            </a:schemeClr>
+          </a:lnRef>
+          <a:fillRef idx="1">
+            <a:schemeClr val="accent1"/>
+          </a:fillRef>
+          <a:effectRef idx="0">
+            <a:schemeClr val="accent1"/>
+          </a:effectRef>
+          <a:fontRef idx="minor">
+            <a:schemeClr val="lt1"/>
+          </a:fontRef>
+        </p:style>
+        <p:txBody>
+          <a:bodyPr rtlCol="0" anchor="ctr"/>
+          <a:lstStyle/>
+          <a:p>
+            <a:pPr algn="ctr"/>
+            <a:r>
+              <a:rPr lang="en-GB" dirty="0"/>
+              <a:t>B</a:t>
+            </a:r>
+            <a:r>
+              <a:rPr lang="en-IT" dirty="0"/>
+              <a:t>ank/loaners</a:t>
+            </a:r>
+          </a:p>
+        </p:txBody>
+      </p:sp>
+      <p:sp>
+        <p:nvSpPr>
+          <p:cNvPr id="6" name="Rounded Rectangle 5">
+            <a:extLst>
+              <a:ext uri="{FF2B5EF4-FFF2-40B4-BE49-F238E27FC236}">
+                <a16:creationId xmlns:a16="http://schemas.microsoft.com/office/drawing/2014/main" id="{BD41565C-F311-5CF9-BB5D-D34ECF30729F}"/>
+              </a:ext>
+            </a:extLst>
+          </p:cNvPr>
+          <p:cNvSpPr/>
+          <p:nvPr/>
+        </p:nvSpPr>
+        <p:spPr>
+          <a:xfrm>
+            <a:off x="6002614" y="1404730"/>
+            <a:ext cx="1886962" cy="1577009"/>
+          </a:xfrm>
+          <a:prstGeom prst="roundRect">
+            <a:avLst/>
+          </a:prstGeom>
+        </p:spPr>
+        <p:style>
+          <a:lnRef idx="2">
+            <a:schemeClr val="accent1">
+              <a:shade val="50000"/>
+            </a:schemeClr>
+          </a:lnRef>
+          <a:fillRef idx="1">
+            <a:schemeClr val="accent1"/>
+          </a:fillRef>
+          <a:effectRef idx="0">
+            <a:schemeClr val="accent1"/>
+          </a:effectRef>
+          <a:fontRef idx="minor">
+            <a:schemeClr val="lt1"/>
+          </a:fontRef>
+        </p:style>
+        <p:txBody>
+          <a:bodyPr rtlCol="0" anchor="ctr"/>
+          <a:lstStyle/>
+          <a:p>
+            <a:pPr algn="ctr"/>
+            <a:r>
+              <a:rPr lang="en-IT" dirty="0"/>
+              <a:t>reciever</a:t>
+            </a:r>
+          </a:p>
+        </p:txBody>
+      </p:sp>
+      <p:sp>
+        <p:nvSpPr>
+          <p:cNvPr id="8" name="Rounded Rectangle 7">
+            <a:extLst>
+              <a:ext uri="{FF2B5EF4-FFF2-40B4-BE49-F238E27FC236}">
+                <a16:creationId xmlns:a16="http://schemas.microsoft.com/office/drawing/2014/main" id="{EF444DE4-90CA-08BC-4C31-C3C91E03E9D4}"/>
+              </a:ext>
+            </a:extLst>
+          </p:cNvPr>
+          <p:cNvSpPr/>
+          <p:nvPr/>
+        </p:nvSpPr>
+        <p:spPr>
+          <a:xfrm>
+            <a:off x="677334" y="4889479"/>
+            <a:ext cx="1886962" cy="1577009"/>
+          </a:xfrm>
+          <a:prstGeom prst="roundRect">
+            <a:avLst/>
+          </a:prstGeom>
+        </p:spPr>
+        <p:style>
+          <a:lnRef idx="2">
+            <a:schemeClr val="accent1">
+              <a:shade val="50000"/>
+            </a:schemeClr>
+          </a:lnRef>
+          <a:fillRef idx="1">
+            <a:schemeClr val="accent1"/>
+          </a:fillRef>
+          <a:effectRef idx="0">
+            <a:schemeClr val="accent1"/>
+          </a:effectRef>
+          <a:fontRef idx="minor">
+            <a:schemeClr val="lt1"/>
+          </a:fontRef>
+        </p:style>
+        <p:txBody>
+          <a:bodyPr rtlCol="0" anchor="ctr"/>
+          <a:lstStyle/>
+          <a:p>
+            <a:pPr algn="ctr"/>
+            <a:r>
+              <a:rPr lang="en-IT" dirty="0"/>
+              <a:t>merchant</a:t>
+            </a:r>
+          </a:p>
+        </p:txBody>
+      </p:sp>
+      <p:sp>
+        <p:nvSpPr>
+          <p:cNvPr id="9" name="Rounded Rectangle 8">
+            <a:extLst>
+              <a:ext uri="{FF2B5EF4-FFF2-40B4-BE49-F238E27FC236}">
+                <a16:creationId xmlns:a16="http://schemas.microsoft.com/office/drawing/2014/main" id="{15B56553-BF15-C52B-5008-57D0A144D09E}"/>
+              </a:ext>
+            </a:extLst>
+          </p:cNvPr>
+          <p:cNvSpPr/>
+          <p:nvPr/>
+        </p:nvSpPr>
+        <p:spPr>
+          <a:xfrm>
+            <a:off x="3339974" y="4889478"/>
+            <a:ext cx="1886962" cy="1577009"/>
+          </a:xfrm>
+          <a:prstGeom prst="roundRect">
+            <a:avLst/>
+          </a:prstGeom>
+        </p:spPr>
+        <p:style>
+          <a:lnRef idx="2">
+            <a:schemeClr val="accent1">
+              <a:shade val="50000"/>
+            </a:schemeClr>
+          </a:lnRef>
+          <a:fillRef idx="1">
+            <a:schemeClr val="accent1"/>
+          </a:fillRef>
+          <a:effectRef idx="0">
+            <a:schemeClr val="accent1"/>
+          </a:effectRef>
+          <a:fontRef idx="minor">
+            <a:schemeClr val="lt1"/>
+          </a:fontRef>
+        </p:style>
+        <p:txBody>
+          <a:bodyPr rtlCol="0" anchor="ctr"/>
+          <a:lstStyle/>
+          <a:p>
+            <a:pPr algn="ctr"/>
+            <a:r>
+              <a:rPr lang="en-IT" dirty="0"/>
+              <a:t>merchnat</a:t>
+            </a:r>
+          </a:p>
+        </p:txBody>
+      </p:sp>
+      <p:sp>
+        <p:nvSpPr>
+          <p:cNvPr id="10" name="Rounded Rectangle 9">
+            <a:extLst>
+              <a:ext uri="{FF2B5EF4-FFF2-40B4-BE49-F238E27FC236}">
+                <a16:creationId xmlns:a16="http://schemas.microsoft.com/office/drawing/2014/main" id="{350B0991-7F5C-7224-473E-6735FA66F58C}"/>
+              </a:ext>
+            </a:extLst>
+          </p:cNvPr>
+          <p:cNvSpPr/>
+          <p:nvPr/>
+        </p:nvSpPr>
+        <p:spPr>
+          <a:xfrm>
+            <a:off x="6002614" y="4892218"/>
+            <a:ext cx="1886962" cy="1577009"/>
+          </a:xfrm>
+          <a:prstGeom prst="roundRect">
+            <a:avLst/>
+          </a:prstGeom>
+        </p:spPr>
+        <p:style>
+          <a:lnRef idx="2">
+            <a:schemeClr val="accent1">
+              <a:shade val="50000"/>
+            </a:schemeClr>
+          </a:lnRef>
+          <a:fillRef idx="1">
+            <a:schemeClr val="accent1"/>
+          </a:fillRef>
+          <a:effectRef idx="0">
+            <a:schemeClr val="accent1"/>
+          </a:effectRef>
+          <a:fontRef idx="minor">
+            <a:schemeClr val="lt1"/>
+          </a:fontRef>
+        </p:style>
+        <p:txBody>
+          <a:bodyPr rtlCol="0" anchor="ctr"/>
+          <a:lstStyle/>
+          <a:p>
+            <a:pPr algn="ctr"/>
+            <a:r>
+              <a:rPr lang="en-GB" dirty="0"/>
+              <a:t>B</a:t>
+            </a:r>
+            <a:r>
+              <a:rPr lang="en-IT" dirty="0"/>
+              <a:t>ank/loaners</a:t>
+            </a:r>
+          </a:p>
+        </p:txBody>
+      </p:sp>
+      <p:cxnSp>
+        <p:nvCxnSpPr>
+          <p:cNvPr id="12" name="Straight Arrow Connector 11">
+            <a:extLst>
+              <a:ext uri="{FF2B5EF4-FFF2-40B4-BE49-F238E27FC236}">
+                <a16:creationId xmlns:a16="http://schemas.microsoft.com/office/drawing/2014/main" id="{6CA11134-5D5A-4498-BFAB-CAB05A96FB00}"/>
+              </a:ext>
+            </a:extLst>
+          </p:cNvPr>
+          <p:cNvCxnSpPr>
+            <a:cxnSpLocks/>
+            <a:endCxn id="5" idx="1"/>
+          </p:cNvCxnSpPr>
+          <p:nvPr/>
+        </p:nvCxnSpPr>
+        <p:spPr>
+          <a:xfrm>
+            <a:off x="2216426" y="2193234"/>
+            <a:ext cx="1123548" cy="1"/>
+          </a:xfrm>
+          <a:prstGeom prst="straightConnector1">
+            <a:avLst/>
+          </a:prstGeom>
+          <a:ln>
+            <a:noFill/>
+            <a:tailEnd type="triangle"/>
+          </a:ln>
+          <a:effectLst>
+            <a:outerShdw blurRad="225425" dist="50800" dir="5220000" algn="ctr">
+              <a:srgbClr val="000000">
+                <a:alpha val="33000"/>
+              </a:srgbClr>
+            </a:outerShdw>
+          </a:effectLst>
+          <a:scene3d>
+            <a:camera prst="perspectiveFront" fov="3300000">
+              <a:rot lat="486000" lon="19530000" rev="174000"/>
+            </a:camera>
+            <a:lightRig rig="harsh" dir="t">
+              <a:rot lat="0" lon="0" rev="3000000"/>
+            </a:lightRig>
+          </a:scene3d>
+          <a:sp3d extrusionH="254000" contourW="19050">
+            <a:bevelT w="82550" h="44450" prst="angle"/>
+            <a:bevelB w="82550" h="44450" prst="angle"/>
+            <a:contourClr>
+              <a:srgbClr val="FFFFFF"/>
+            </a:contourClr>
+          </a:sp3d>
+        </p:spPr>
+        <p:style>
+          <a:lnRef idx="1">
+            <a:schemeClr val="accent1"/>
+          </a:lnRef>
+          <a:fillRef idx="0">
+            <a:schemeClr val="accent1"/>
+          </a:fillRef>
+          <a:effectRef idx="0">
+            <a:schemeClr val="accent1"/>
+          </a:effectRef>
+          <a:fontRef idx="minor">
+            <a:schemeClr val="tx1"/>
+          </a:fontRef>
+        </p:style>
+      </p:cxnSp>
+      <p:sp>
+        <p:nvSpPr>
+          <p:cNvPr id="15" name="Right Arrow 14">
+            <a:extLst>
+              <a:ext uri="{FF2B5EF4-FFF2-40B4-BE49-F238E27FC236}">
+                <a16:creationId xmlns:a16="http://schemas.microsoft.com/office/drawing/2014/main" id="{9581657D-8008-83EF-DB58-40E8FC5825A7}"/>
+              </a:ext>
+            </a:extLst>
+          </p:cNvPr>
+          <p:cNvSpPr/>
+          <p:nvPr/>
+        </p:nvSpPr>
+        <p:spPr>
+          <a:xfrm>
+            <a:off x="2564296" y="2117035"/>
+            <a:ext cx="775678" cy="198782"/>
+          </a:xfrm>
+          <a:prstGeom prst="rightArrow">
+            <a:avLst/>
+          </a:prstGeom>
+        </p:spPr>
+        <p:style>
+          <a:lnRef idx="2">
+            <a:schemeClr val="accent1">
+              <a:shade val="50000"/>
+            </a:schemeClr>
+          </a:lnRef>
+          <a:fillRef idx="1">
+            <a:schemeClr val="accent1"/>
+          </a:fillRef>
+          <a:effectRef idx="0">
+            <a:schemeClr val="accent1"/>
+          </a:effectRef>
+          <a:fontRef idx="minor">
+            <a:schemeClr val="lt1"/>
+          </a:fontRef>
+        </p:style>
+        <p:txBody>
+          <a:bodyPr rtlCol="0" anchor="ctr"/>
+          <a:lstStyle/>
+          <a:p>
+            <a:pPr algn="ctr"/>
+            <a:endParaRPr lang="en-IT"/>
+          </a:p>
+        </p:txBody>
+      </p:sp>
+      <p:sp>
+        <p:nvSpPr>
+          <p:cNvPr id="16" name="Right Arrow 15">
+            <a:extLst>
+              <a:ext uri="{FF2B5EF4-FFF2-40B4-BE49-F238E27FC236}">
+                <a16:creationId xmlns:a16="http://schemas.microsoft.com/office/drawing/2014/main" id="{B7FF2A84-FB03-CF09-2E96-D57B81355E9F}"/>
+              </a:ext>
+            </a:extLst>
+          </p:cNvPr>
+          <p:cNvSpPr/>
+          <p:nvPr/>
+        </p:nvSpPr>
+        <p:spPr>
+          <a:xfrm>
+            <a:off x="5226936" y="2117035"/>
+            <a:ext cx="775678" cy="198782"/>
+          </a:xfrm>
+          <a:prstGeom prst="rightArrow">
+            <a:avLst/>
+          </a:prstGeom>
+        </p:spPr>
+        <p:style>
+          <a:lnRef idx="2">
+            <a:schemeClr val="accent1">
+              <a:shade val="50000"/>
+            </a:schemeClr>
+          </a:lnRef>
+          <a:fillRef idx="1">
+            <a:schemeClr val="accent1"/>
+          </a:fillRef>
+          <a:effectRef idx="0">
+            <a:schemeClr val="accent1"/>
+          </a:effectRef>
+          <a:fontRef idx="minor">
+            <a:schemeClr val="lt1"/>
+          </a:fontRef>
+        </p:style>
+        <p:txBody>
+          <a:bodyPr rtlCol="0" anchor="ctr"/>
+          <a:lstStyle/>
+          <a:p>
+            <a:pPr algn="ctr"/>
+            <a:endParaRPr lang="en-IT"/>
+          </a:p>
+        </p:txBody>
+      </p:sp>
+      <p:cxnSp>
+        <p:nvCxnSpPr>
+          <p:cNvPr id="18" name="Elbow Connector 17">
+            <a:extLst>
+              <a:ext uri="{FF2B5EF4-FFF2-40B4-BE49-F238E27FC236}">
+                <a16:creationId xmlns:a16="http://schemas.microsoft.com/office/drawing/2014/main" id="{3536C356-28E9-B247-B0BC-11E15F6F2B59}"/>
+              </a:ext>
+            </a:extLst>
+          </p:cNvPr>
+          <p:cNvCxnSpPr>
+            <a:stCxn id="6" idx="3"/>
+            <a:endCxn id="8" idx="0"/>
+          </p:cNvCxnSpPr>
+          <p:nvPr/>
+        </p:nvCxnSpPr>
+        <p:spPr>
+          <a:xfrm flipH="1">
+            <a:off x="1620815" y="2193235"/>
+            <a:ext cx="6268761" cy="2696244"/>
+          </a:xfrm>
+          <a:prstGeom prst="bentConnector4">
+            <a:avLst>
+              <a:gd name="adj1" fmla="val -3647"/>
+              <a:gd name="adj2" fmla="val 64622"/>
+            </a:avLst>
+          </a:prstGeom>
+          <a:ln w="57150"/>
+        </p:spPr>
+        <p:style>
+          <a:lnRef idx="1">
+            <a:schemeClr val="accent1"/>
+          </a:lnRef>
+          <a:fillRef idx="0">
+            <a:schemeClr val="accent1"/>
+          </a:fillRef>
+          <a:effectRef idx="0">
+            <a:schemeClr val="accent1"/>
+          </a:effectRef>
+          <a:fontRef idx="minor">
+            <a:schemeClr val="tx1"/>
+          </a:fontRef>
+        </p:style>
+      </p:cxnSp>
+      <p:sp>
+        <p:nvSpPr>
+          <p:cNvPr id="19" name="Right Arrow 18">
+            <a:extLst>
+              <a:ext uri="{FF2B5EF4-FFF2-40B4-BE49-F238E27FC236}">
+                <a16:creationId xmlns:a16="http://schemas.microsoft.com/office/drawing/2014/main" id="{BB3BE1E3-EF1B-C4A6-77F0-D4CC371AC2F9}"/>
+              </a:ext>
+            </a:extLst>
+          </p:cNvPr>
+          <p:cNvSpPr/>
+          <p:nvPr/>
+        </p:nvSpPr>
+        <p:spPr>
+          <a:xfrm>
+            <a:off x="2564296" y="5578592"/>
+            <a:ext cx="775678" cy="198782"/>
+          </a:xfrm>
+          <a:prstGeom prst="rightArrow">
+            <a:avLst/>
+          </a:prstGeom>
+        </p:spPr>
+        <p:style>
+          <a:lnRef idx="2">
+            <a:schemeClr val="accent1">
+              <a:shade val="50000"/>
+            </a:schemeClr>
+          </a:lnRef>
+          <a:fillRef idx="1">
+            <a:schemeClr val="accent1"/>
+          </a:fillRef>
+          <a:effectRef idx="0">
+            <a:schemeClr val="accent1"/>
+          </a:effectRef>
+          <a:fontRef idx="minor">
+            <a:schemeClr val="lt1"/>
+          </a:fontRef>
+        </p:style>
+        <p:txBody>
+          <a:bodyPr rtlCol="0" anchor="ctr"/>
+          <a:lstStyle/>
+          <a:p>
+            <a:pPr algn="ctr"/>
+            <a:endParaRPr lang="en-IT" dirty="0"/>
+          </a:p>
+        </p:txBody>
+      </p:sp>
+      <p:sp>
+        <p:nvSpPr>
+          <p:cNvPr id="20" name="Right Arrow 19">
+            <a:extLst>
+              <a:ext uri="{FF2B5EF4-FFF2-40B4-BE49-F238E27FC236}">
+                <a16:creationId xmlns:a16="http://schemas.microsoft.com/office/drawing/2014/main" id="{09C88627-D510-6CC7-D1D8-A3DD4C3A9E14}"/>
+              </a:ext>
+            </a:extLst>
+          </p:cNvPr>
+          <p:cNvSpPr/>
+          <p:nvPr/>
+        </p:nvSpPr>
+        <p:spPr>
+          <a:xfrm>
+            <a:off x="5226936" y="5611147"/>
+            <a:ext cx="775678" cy="198782"/>
+          </a:xfrm>
+          <a:prstGeom prst="rightArrow">
+            <a:avLst/>
+          </a:prstGeom>
+        </p:spPr>
+        <p:style>
+          <a:lnRef idx="2">
+            <a:schemeClr val="accent1">
+              <a:shade val="50000"/>
+            </a:schemeClr>
+          </a:lnRef>
+          <a:fillRef idx="1">
+            <a:schemeClr val="accent1"/>
+          </a:fillRef>
+          <a:effectRef idx="0">
+            <a:schemeClr val="accent1"/>
+          </a:effectRef>
+          <a:fontRef idx="minor">
+            <a:schemeClr val="lt1"/>
+          </a:fontRef>
+        </p:style>
+        <p:txBody>
+          <a:bodyPr rtlCol="0" anchor="ctr"/>
+          <a:lstStyle/>
+          <a:p>
+            <a:pPr algn="ctr"/>
+            <a:endParaRPr lang="en-IT"/>
           </a:p>
         </p:txBody>
       </p:sp>
     </p:spTree>
     <p:extLst>
       <p:ext uri="{BB962C8B-B14F-4D97-AF65-F5344CB8AC3E}">
-        <p14:creationId xmlns:p14="http://schemas.microsoft.com/office/powerpoint/2010/main" val="3551972633"/>
+        <p14:creationId xmlns:p14="http://schemas.microsoft.com/office/powerpoint/2010/main" val="2291490618"/>
+      </p:ext>
+    </p:extLst>
+  </p:cSld>
+  <p:clrMapOvr>
+    <a:masterClrMapping/>
+  </p:clrMapOvr>
+</p:sld>
+</file>
+
+<file path=ppt/slides/slide3.xml><?xml version="1.0" encoding="utf-8"?>
+<p:sld xmlns:a="http://schemas.openxmlformats.org/drawingml/2006/main" xmlns:r="http://schemas.openxmlformats.org/officeDocument/2006/relationships" xmlns:p="http://schemas.openxmlformats.org/presentationml/2006/main">
+  <p:cSld>
+    <p:bg>
+      <p:bgPr>
+        <a:solidFill>
+          <a:schemeClr val="bg1"/>
+        </a:solidFill>
+        <a:effectLst/>
+      </p:bgPr>
+    </p:bg>
+    <p:spTree>
+      <p:nvGrpSpPr>
+        <p:cNvPr id="1" name=""/>
+        <p:cNvGrpSpPr/>
+        <p:nvPr/>
+      </p:nvGrpSpPr>
+      <p:grpSpPr>
+        <a:xfrm>
+          <a:off x="0" y="0"/>
+          <a:ext cx="0" cy="0"/>
+          <a:chOff x="0" y="0"/>
+          <a:chExt cx="0" cy="0"/>
+        </a:xfrm>
+      </p:grpSpPr>
+      <p:grpSp>
+        <p:nvGrpSpPr>
+          <p:cNvPr id="33" name="Group 32">
+            <a:extLst>
+              <a:ext uri="{FF2B5EF4-FFF2-40B4-BE49-F238E27FC236}">
+                <a16:creationId xmlns:a16="http://schemas.microsoft.com/office/drawing/2014/main" id="{609316A9-990D-4EC3-A671-70EE5C1493A4}"/>
+              </a:ext>
+              <a:ext uri="{C183D7F6-B498-43B3-948B-1728B52AA6E4}">
+                <adec:decorative xmlns:adec="http://schemas.microsoft.com/office/drawing/2017/decorative" val="1"/>
+              </a:ext>
+            </a:extLst>
+          </p:cNvPr>
+          <p:cNvGrpSpPr>
+            <a:grpSpLocks noGrp="1" noUngrp="1" noRot="1" noChangeAspect="1" noMove="1" noResize="1"/>
+          </p:cNvGrpSpPr>
+          <p:nvPr>
+            <p:extLst>
+              <p:ext uri="{386F3935-93C4-4BCD-93E2-E3B085C9AB24}">
+                <p16:designElem xmlns:p16="http://schemas.microsoft.com/office/powerpoint/2015/main" val="1"/>
+              </p:ext>
+            </p:extLst>
+          </p:nvPr>
+        </p:nvGrpSpPr>
+        <p:grpSpPr>
+          <a:xfrm>
+            <a:off x="0" y="-8467"/>
+            <a:ext cx="12192000" cy="6866467"/>
+            <a:chOff x="0" y="-8467"/>
+            <a:chExt cx="12192000" cy="6866467"/>
+          </a:xfrm>
+        </p:grpSpPr>
+        <p:cxnSp>
+          <p:nvCxnSpPr>
+            <p:cNvPr id="34" name="Straight Connector 33">
+              <a:extLst>
+                <a:ext uri="{FF2B5EF4-FFF2-40B4-BE49-F238E27FC236}">
+                  <a16:creationId xmlns:a16="http://schemas.microsoft.com/office/drawing/2014/main" id="{9B0C6109-9159-49CA-AD7A-F9035539DB7F}"/>
+                </a:ext>
+                <a:ext uri="{C183D7F6-B498-43B3-948B-1728B52AA6E4}">
+                  <adec:decorative xmlns:adec="http://schemas.microsoft.com/office/drawing/2017/decorative" val="1"/>
+                </a:ext>
+              </a:extLst>
+            </p:cNvPr>
+            <p:cNvCxnSpPr/>
+            <p:nvPr>
+              <p:extLst>
+                <p:ext uri="{386F3935-93C4-4BCD-93E2-E3B085C9AB24}">
+                  <p16:designElem xmlns:p16="http://schemas.microsoft.com/office/powerpoint/2015/main" val="1"/>
+                </p:ext>
+              </p:extLst>
+            </p:nvPr>
+          </p:nvCxnSpPr>
+          <p:spPr>
+            <a:xfrm>
+              <a:off x="9371012" y="0"/>
+              <a:ext cx="1219200" cy="6858000"/>
+            </a:xfrm>
+            <a:prstGeom prst="line">
+              <a:avLst/>
+            </a:prstGeom>
+            <a:ln w="9525">
+              <a:solidFill>
+                <a:schemeClr val="bg1">
+                  <a:lumMod val="75000"/>
+                </a:schemeClr>
+              </a:solidFill>
+            </a:ln>
+          </p:spPr>
+          <p:style>
+            <a:lnRef idx="2">
+              <a:schemeClr val="accent1"/>
+            </a:lnRef>
+            <a:fillRef idx="0">
+              <a:schemeClr val="accent1"/>
+            </a:fillRef>
+            <a:effectRef idx="1">
+              <a:schemeClr val="accent1"/>
+            </a:effectRef>
+            <a:fontRef idx="minor">
+              <a:schemeClr val="tx1"/>
+            </a:fontRef>
+          </p:style>
+        </p:cxnSp>
+        <p:cxnSp>
+          <p:nvCxnSpPr>
+            <p:cNvPr id="35" name="Straight Connector 34">
+              <a:extLst>
+                <a:ext uri="{FF2B5EF4-FFF2-40B4-BE49-F238E27FC236}">
+                  <a16:creationId xmlns:a16="http://schemas.microsoft.com/office/drawing/2014/main" id="{686F14F5-308C-4EB6-87AB-05DE9501B1AA}"/>
+                </a:ext>
+                <a:ext uri="{C183D7F6-B498-43B3-948B-1728B52AA6E4}">
+                  <adec:decorative xmlns:adec="http://schemas.microsoft.com/office/drawing/2017/decorative" val="1"/>
+                </a:ext>
+              </a:extLst>
+            </p:cNvPr>
+            <p:cNvCxnSpPr/>
+            <p:nvPr>
+              <p:extLst>
+                <p:ext uri="{386F3935-93C4-4BCD-93E2-E3B085C9AB24}">
+                  <p16:designElem xmlns:p16="http://schemas.microsoft.com/office/powerpoint/2015/main" val="1"/>
+                </p:ext>
+              </p:extLst>
+            </p:nvPr>
+          </p:nvCxnSpPr>
+          <p:spPr>
+            <a:xfrm flipH="1">
+              <a:off x="7425267" y="3681413"/>
+              <a:ext cx="4763558" cy="3176587"/>
+            </a:xfrm>
+            <a:prstGeom prst="line">
+              <a:avLst/>
+            </a:prstGeom>
+            <a:ln w="9525">
+              <a:solidFill>
+                <a:schemeClr val="bg1">
+                  <a:lumMod val="85000"/>
+                </a:schemeClr>
+              </a:solidFill>
+            </a:ln>
+          </p:spPr>
+          <p:style>
+            <a:lnRef idx="2">
+              <a:schemeClr val="accent1"/>
+            </a:lnRef>
+            <a:fillRef idx="0">
+              <a:schemeClr val="accent1"/>
+            </a:fillRef>
+            <a:effectRef idx="1">
+              <a:schemeClr val="accent1"/>
+            </a:effectRef>
+            <a:fontRef idx="minor">
+              <a:schemeClr val="tx1"/>
+            </a:fontRef>
+          </p:style>
+        </p:cxnSp>
+        <p:sp>
+          <p:nvSpPr>
+            <p:cNvPr id="36" name="Rectangle 23">
+              <a:extLst>
+                <a:ext uri="{FF2B5EF4-FFF2-40B4-BE49-F238E27FC236}">
+                  <a16:creationId xmlns:a16="http://schemas.microsoft.com/office/drawing/2014/main" id="{BA032363-A188-47C5-9D59-9B788809DCD2}"/>
+                </a:ext>
+                <a:ext uri="{C183D7F6-B498-43B3-948B-1728B52AA6E4}">
+                  <adec:decorative xmlns:adec="http://schemas.microsoft.com/office/drawing/2017/decorative" val="1"/>
+                </a:ext>
+              </a:extLst>
+            </p:cNvPr>
+            <p:cNvSpPr/>
+            <p:nvPr>
+              <p:extLst>
+                <p:ext uri="{386F3935-93C4-4BCD-93E2-E3B085C9AB24}">
+                  <p16:designElem xmlns:p16="http://schemas.microsoft.com/office/powerpoint/2015/main" val="1"/>
+                </p:ext>
+              </p:extLst>
+            </p:nvPr>
+          </p:nvSpPr>
+          <p:spPr>
+            <a:xfrm>
+              <a:off x="9181476" y="-8467"/>
+              <a:ext cx="3007349" cy="6866467"/>
+            </a:xfrm>
+            <a:custGeom>
+              <a:avLst/>
+              <a:gdLst/>
+              <a:ahLst/>
+              <a:cxnLst/>
+              <a:rect l="l" t="t" r="r" b="b"/>
+              <a:pathLst>
+                <a:path w="3007349" h="6866467">
+                  <a:moveTo>
+                    <a:pt x="2045532" y="0"/>
+                  </a:moveTo>
+                  <a:lnTo>
+                    <a:pt x="3007349" y="0"/>
+                  </a:lnTo>
+                  <a:lnTo>
+                    <a:pt x="3007349" y="6866467"/>
+                  </a:lnTo>
+                  <a:lnTo>
+                    <a:pt x="0" y="6866467"/>
+                  </a:lnTo>
+                  <a:lnTo>
+                    <a:pt x="2045532" y="0"/>
+                  </a:lnTo>
+                  <a:close/>
+                </a:path>
+              </a:pathLst>
+            </a:custGeom>
+            <a:solidFill>
+              <a:schemeClr val="accent1">
+                <a:alpha val="30000"/>
+              </a:schemeClr>
+            </a:solidFill>
+            <a:ln>
+              <a:noFill/>
+            </a:ln>
+            <a:effectLst/>
+          </p:spPr>
+          <p:style>
+            <a:lnRef idx="1">
+              <a:schemeClr val="accent1"/>
+            </a:lnRef>
+            <a:fillRef idx="3">
+              <a:schemeClr val="accent1"/>
+            </a:fillRef>
+            <a:effectRef idx="2">
+              <a:schemeClr val="accent1"/>
+            </a:effectRef>
+            <a:fontRef idx="minor">
+              <a:schemeClr val="lt1"/>
+            </a:fontRef>
+          </p:style>
+        </p:sp>
+        <p:sp>
+          <p:nvSpPr>
+            <p:cNvPr id="37" name="Rectangle 25">
+              <a:extLst>
+                <a:ext uri="{FF2B5EF4-FFF2-40B4-BE49-F238E27FC236}">
+                  <a16:creationId xmlns:a16="http://schemas.microsoft.com/office/drawing/2014/main" id="{2C4077DF-6BB9-4069-AD28-6B1664EBB064}"/>
+                </a:ext>
+                <a:ext uri="{C183D7F6-B498-43B3-948B-1728B52AA6E4}">
+                  <adec:decorative xmlns:adec="http://schemas.microsoft.com/office/drawing/2017/decorative" val="1"/>
+                </a:ext>
+              </a:extLst>
+            </p:cNvPr>
+            <p:cNvSpPr/>
+            <p:nvPr>
+              <p:extLst>
+                <p:ext uri="{386F3935-93C4-4BCD-93E2-E3B085C9AB24}">
+                  <p16:designElem xmlns:p16="http://schemas.microsoft.com/office/powerpoint/2015/main" val="1"/>
+                </p:ext>
+              </p:extLst>
+            </p:nvPr>
+          </p:nvSpPr>
+          <p:spPr>
+            <a:xfrm>
+              <a:off x="9603442" y="-8467"/>
+              <a:ext cx="2588558" cy="6866467"/>
+            </a:xfrm>
+            <a:custGeom>
+              <a:avLst/>
+              <a:gdLst/>
+              <a:ahLst/>
+              <a:cxnLst/>
+              <a:rect l="l" t="t" r="r" b="b"/>
+              <a:pathLst>
+                <a:path w="2573311" h="6866467">
+                  <a:moveTo>
+                    <a:pt x="0" y="0"/>
+                  </a:moveTo>
+                  <a:lnTo>
+                    <a:pt x="2573311" y="0"/>
+                  </a:lnTo>
+                  <a:lnTo>
+                    <a:pt x="2573311" y="6866467"/>
+                  </a:lnTo>
+                  <a:lnTo>
+                    <a:pt x="1202336" y="6866467"/>
+                  </a:lnTo>
+                  <a:lnTo>
+                    <a:pt x="0" y="0"/>
+                  </a:lnTo>
+                  <a:close/>
+                </a:path>
+              </a:pathLst>
+            </a:custGeom>
+            <a:solidFill>
+              <a:schemeClr val="accent1">
+                <a:alpha val="20000"/>
+              </a:schemeClr>
+            </a:solidFill>
+            <a:ln>
+              <a:noFill/>
+            </a:ln>
+            <a:effectLst/>
+          </p:spPr>
+          <p:style>
+            <a:lnRef idx="1">
+              <a:schemeClr val="accent1"/>
+            </a:lnRef>
+            <a:fillRef idx="3">
+              <a:schemeClr val="accent1"/>
+            </a:fillRef>
+            <a:effectRef idx="2">
+              <a:schemeClr val="accent1"/>
+            </a:effectRef>
+            <a:fontRef idx="minor">
+              <a:schemeClr val="lt1"/>
+            </a:fontRef>
+          </p:style>
+        </p:sp>
+        <p:sp>
+          <p:nvSpPr>
+            <p:cNvPr id="38" name="Isosceles Triangle 37">
+              <a:extLst>
+                <a:ext uri="{FF2B5EF4-FFF2-40B4-BE49-F238E27FC236}">
+                  <a16:creationId xmlns:a16="http://schemas.microsoft.com/office/drawing/2014/main" id="{1D2B8B50-3419-41ED-9A9F-3CF9EEBBD3F2}"/>
+                </a:ext>
+                <a:ext uri="{C183D7F6-B498-43B3-948B-1728B52AA6E4}">
+                  <adec:decorative xmlns:adec="http://schemas.microsoft.com/office/drawing/2017/decorative" val="1"/>
+                </a:ext>
+              </a:extLst>
+            </p:cNvPr>
+            <p:cNvSpPr/>
+            <p:nvPr>
+              <p:extLst>
+                <p:ext uri="{386F3935-93C4-4BCD-93E2-E3B085C9AB24}">
+                  <p16:designElem xmlns:p16="http://schemas.microsoft.com/office/powerpoint/2015/main" val="1"/>
+                </p:ext>
+              </p:extLst>
+            </p:nvPr>
+          </p:nvSpPr>
+          <p:spPr>
+            <a:xfrm>
+              <a:off x="8932333" y="3048000"/>
+              <a:ext cx="3259667" cy="3810000"/>
+            </a:xfrm>
+            <a:prstGeom prst="triangle">
+              <a:avLst>
+                <a:gd name="adj" fmla="val 100000"/>
+              </a:avLst>
+            </a:prstGeom>
+            <a:solidFill>
+              <a:schemeClr val="accent2">
+                <a:alpha val="72000"/>
+              </a:schemeClr>
+            </a:solidFill>
+            <a:ln>
+              <a:noFill/>
+            </a:ln>
+            <a:effectLst/>
+          </p:spPr>
+          <p:style>
+            <a:lnRef idx="1">
+              <a:schemeClr val="accent1"/>
+            </a:lnRef>
+            <a:fillRef idx="3">
+              <a:schemeClr val="accent1"/>
+            </a:fillRef>
+            <a:effectRef idx="2">
+              <a:schemeClr val="accent1"/>
+            </a:effectRef>
+            <a:fontRef idx="minor">
+              <a:schemeClr val="lt1"/>
+            </a:fontRef>
+          </p:style>
+        </p:sp>
+        <p:sp>
+          <p:nvSpPr>
+            <p:cNvPr id="39" name="Rectangle 27">
+              <a:extLst>
+                <a:ext uri="{FF2B5EF4-FFF2-40B4-BE49-F238E27FC236}">
+                  <a16:creationId xmlns:a16="http://schemas.microsoft.com/office/drawing/2014/main" id="{5C640498-2E73-4FA2-BEB6-C3596A458C8A}"/>
+                </a:ext>
+                <a:ext uri="{C183D7F6-B498-43B3-948B-1728B52AA6E4}">
+                  <adec:decorative xmlns:adec="http://schemas.microsoft.com/office/drawing/2017/decorative" val="1"/>
+                </a:ext>
+              </a:extLst>
+            </p:cNvPr>
+            <p:cNvSpPr/>
+            <p:nvPr>
+              <p:extLst>
+                <p:ext uri="{386F3935-93C4-4BCD-93E2-E3B085C9AB24}">
+                  <p16:designElem xmlns:p16="http://schemas.microsoft.com/office/powerpoint/2015/main" val="1"/>
+                </p:ext>
+              </p:extLst>
+            </p:nvPr>
+          </p:nvSpPr>
+          <p:spPr>
+            <a:xfrm>
+              <a:off x="9334500" y="-8467"/>
+              <a:ext cx="2854326" cy="6866467"/>
+            </a:xfrm>
+            <a:custGeom>
+              <a:avLst/>
+              <a:gdLst/>
+              <a:ahLst/>
+              <a:cxnLst/>
+              <a:rect l="l" t="t" r="r" b="b"/>
+              <a:pathLst>
+                <a:path w="2858013" h="6866467">
+                  <a:moveTo>
+                    <a:pt x="0" y="0"/>
+                  </a:moveTo>
+                  <a:lnTo>
+                    <a:pt x="2858013" y="0"/>
+                  </a:lnTo>
+                  <a:lnTo>
+                    <a:pt x="2858013" y="6866467"/>
+                  </a:lnTo>
+                  <a:lnTo>
+                    <a:pt x="2473942" y="6866467"/>
+                  </a:lnTo>
+                  <a:lnTo>
+                    <a:pt x="0" y="0"/>
+                  </a:lnTo>
+                  <a:close/>
+                </a:path>
+              </a:pathLst>
+            </a:custGeom>
+            <a:solidFill>
+              <a:schemeClr val="accent2">
+                <a:lumMod val="75000"/>
+                <a:alpha val="70000"/>
+              </a:schemeClr>
+            </a:solidFill>
+            <a:ln>
+              <a:noFill/>
+            </a:ln>
+            <a:effectLst/>
+          </p:spPr>
+          <p:style>
+            <a:lnRef idx="1">
+              <a:schemeClr val="accent1"/>
+            </a:lnRef>
+            <a:fillRef idx="3">
+              <a:schemeClr val="accent1"/>
+            </a:fillRef>
+            <a:effectRef idx="2">
+              <a:schemeClr val="accent1"/>
+            </a:effectRef>
+            <a:fontRef idx="minor">
+              <a:schemeClr val="lt1"/>
+            </a:fontRef>
+          </p:style>
+        </p:sp>
+        <p:sp>
+          <p:nvSpPr>
+            <p:cNvPr id="40" name="Rectangle 28">
+              <a:extLst>
+                <a:ext uri="{FF2B5EF4-FFF2-40B4-BE49-F238E27FC236}">
+                  <a16:creationId xmlns:a16="http://schemas.microsoft.com/office/drawing/2014/main" id="{3240EEFC-4112-4C39-A816-C815774F6D69}"/>
+                </a:ext>
+                <a:ext uri="{C183D7F6-B498-43B3-948B-1728B52AA6E4}">
+                  <adec:decorative xmlns:adec="http://schemas.microsoft.com/office/drawing/2017/decorative" val="1"/>
+                </a:ext>
+              </a:extLst>
+            </p:cNvPr>
+            <p:cNvSpPr/>
+            <p:nvPr>
+              <p:extLst>
+                <p:ext uri="{386F3935-93C4-4BCD-93E2-E3B085C9AB24}">
+                  <p16:designElem xmlns:p16="http://schemas.microsoft.com/office/powerpoint/2015/main" val="1"/>
+                </p:ext>
+              </p:extLst>
+            </p:nvPr>
+          </p:nvSpPr>
+          <p:spPr>
+            <a:xfrm>
+              <a:off x="10898730" y="-8467"/>
+              <a:ext cx="1290094" cy="6866467"/>
+            </a:xfrm>
+            <a:custGeom>
+              <a:avLst/>
+              <a:gdLst/>
+              <a:ahLst/>
+              <a:cxnLst/>
+              <a:rect l="l" t="t" r="r" b="b"/>
+              <a:pathLst>
+                <a:path w="1290094" h="6858000">
+                  <a:moveTo>
+                    <a:pt x="1019735" y="0"/>
+                  </a:moveTo>
+                  <a:lnTo>
+                    <a:pt x="1290094" y="0"/>
+                  </a:lnTo>
+                  <a:lnTo>
+                    <a:pt x="1290094" y="6858000"/>
+                  </a:lnTo>
+                  <a:lnTo>
+                    <a:pt x="0" y="6858000"/>
+                  </a:lnTo>
+                  <a:lnTo>
+                    <a:pt x="1019735" y="0"/>
+                  </a:lnTo>
+                  <a:close/>
+                </a:path>
+              </a:pathLst>
+            </a:custGeom>
+            <a:solidFill>
+              <a:schemeClr val="accent1">
+                <a:lumMod val="60000"/>
+                <a:lumOff val="40000"/>
+                <a:alpha val="70000"/>
+              </a:schemeClr>
+            </a:solidFill>
+            <a:ln>
+              <a:noFill/>
+            </a:ln>
+            <a:effectLst/>
+          </p:spPr>
+          <p:style>
+            <a:lnRef idx="1">
+              <a:schemeClr val="accent1"/>
+            </a:lnRef>
+            <a:fillRef idx="3">
+              <a:schemeClr val="accent1"/>
+            </a:fillRef>
+            <a:effectRef idx="2">
+              <a:schemeClr val="accent1"/>
+            </a:effectRef>
+            <a:fontRef idx="minor">
+              <a:schemeClr val="lt1"/>
+            </a:fontRef>
+          </p:style>
+        </p:sp>
+        <p:sp>
+          <p:nvSpPr>
+            <p:cNvPr id="41" name="Rectangle 29">
+              <a:extLst>
+                <a:ext uri="{FF2B5EF4-FFF2-40B4-BE49-F238E27FC236}">
+                  <a16:creationId xmlns:a16="http://schemas.microsoft.com/office/drawing/2014/main" id="{ADF362B0-03EA-4800-9FAA-9F128587E428}"/>
+                </a:ext>
+                <a:ext uri="{C183D7F6-B498-43B3-948B-1728B52AA6E4}">
+                  <adec:decorative xmlns:adec="http://schemas.microsoft.com/office/drawing/2017/decorative" val="1"/>
+                </a:ext>
+              </a:extLst>
+            </p:cNvPr>
+            <p:cNvSpPr/>
+            <p:nvPr>
+              <p:extLst>
+                <p:ext uri="{386F3935-93C4-4BCD-93E2-E3B085C9AB24}">
+                  <p16:designElem xmlns:p16="http://schemas.microsoft.com/office/powerpoint/2015/main" val="1"/>
+                </p:ext>
+              </p:extLst>
+            </p:nvPr>
+          </p:nvSpPr>
+          <p:spPr>
+            <a:xfrm>
+              <a:off x="10938999" y="-8467"/>
+              <a:ext cx="1249825" cy="6866467"/>
+            </a:xfrm>
+            <a:custGeom>
+              <a:avLst/>
+              <a:gdLst/>
+              <a:ahLst/>
+              <a:cxnLst/>
+              <a:rect l="l" t="t" r="r" b="b"/>
+              <a:pathLst>
+                <a:path w="1249825" h="6858000">
+                  <a:moveTo>
+                    <a:pt x="0" y="0"/>
+                  </a:moveTo>
+                  <a:lnTo>
+                    <a:pt x="1249825" y="0"/>
+                  </a:lnTo>
+                  <a:lnTo>
+                    <a:pt x="1249825" y="6858000"/>
+                  </a:lnTo>
+                  <a:lnTo>
+                    <a:pt x="1109382" y="6858000"/>
+                  </a:lnTo>
+                  <a:lnTo>
+                    <a:pt x="0" y="0"/>
+                  </a:lnTo>
+                  <a:close/>
+                </a:path>
+              </a:pathLst>
+            </a:custGeom>
+            <a:solidFill>
+              <a:schemeClr val="accent1">
+                <a:alpha val="65000"/>
+              </a:schemeClr>
+            </a:solidFill>
+            <a:ln>
+              <a:noFill/>
+            </a:ln>
+            <a:effectLst/>
+          </p:spPr>
+          <p:style>
+            <a:lnRef idx="1">
+              <a:schemeClr val="accent1"/>
+            </a:lnRef>
+            <a:fillRef idx="3">
+              <a:schemeClr val="accent1"/>
+            </a:fillRef>
+            <a:effectRef idx="2">
+              <a:schemeClr val="accent1"/>
+            </a:effectRef>
+            <a:fontRef idx="minor">
+              <a:schemeClr val="lt1"/>
+            </a:fontRef>
+          </p:style>
+        </p:sp>
+        <p:sp>
+          <p:nvSpPr>
+            <p:cNvPr id="42" name="Isosceles Triangle 41">
+              <a:extLst>
+                <a:ext uri="{FF2B5EF4-FFF2-40B4-BE49-F238E27FC236}">
+                  <a16:creationId xmlns:a16="http://schemas.microsoft.com/office/drawing/2014/main" id="{0BA84559-2F4C-4795-9246-4C563F942DB9}"/>
+                </a:ext>
+                <a:ext uri="{C183D7F6-B498-43B3-948B-1728B52AA6E4}">
+                  <adec:decorative xmlns:adec="http://schemas.microsoft.com/office/drawing/2017/decorative" val="1"/>
+                </a:ext>
+              </a:extLst>
+            </p:cNvPr>
+            <p:cNvSpPr/>
+            <p:nvPr>
+              <p:extLst>
+                <p:ext uri="{386F3935-93C4-4BCD-93E2-E3B085C9AB24}">
+                  <p16:designElem xmlns:p16="http://schemas.microsoft.com/office/powerpoint/2015/main" val="1"/>
+                </p:ext>
+              </p:extLst>
+            </p:nvPr>
+          </p:nvSpPr>
+          <p:spPr>
+            <a:xfrm>
+              <a:off x="10371666" y="3589867"/>
+              <a:ext cx="1817159" cy="3268133"/>
+            </a:xfrm>
+            <a:prstGeom prst="triangle">
+              <a:avLst>
+                <a:gd name="adj" fmla="val 100000"/>
+              </a:avLst>
+            </a:prstGeom>
+            <a:solidFill>
+              <a:schemeClr val="accent1">
+                <a:alpha val="80000"/>
+              </a:schemeClr>
+            </a:solidFill>
+            <a:ln>
+              <a:noFill/>
+            </a:ln>
+            <a:effectLst/>
+          </p:spPr>
+          <p:style>
+            <a:lnRef idx="1">
+              <a:schemeClr val="accent1"/>
+            </a:lnRef>
+            <a:fillRef idx="3">
+              <a:schemeClr val="accent1"/>
+            </a:fillRef>
+            <a:effectRef idx="2">
+              <a:schemeClr val="accent1"/>
+            </a:effectRef>
+            <a:fontRef idx="minor">
+              <a:schemeClr val="lt1"/>
+            </a:fontRef>
+          </p:style>
+        </p:sp>
+        <p:sp>
+          <p:nvSpPr>
+            <p:cNvPr id="43" name="Isosceles Triangle 42">
+              <a:extLst>
+                <a:ext uri="{FF2B5EF4-FFF2-40B4-BE49-F238E27FC236}">
+                  <a16:creationId xmlns:a16="http://schemas.microsoft.com/office/drawing/2014/main" id="{FA77A1AA-CA47-4A91-A0A1-0A8CE31A985E}"/>
+                </a:ext>
+                <a:ext uri="{C183D7F6-B498-43B3-948B-1728B52AA6E4}">
+                  <adec:decorative xmlns:adec="http://schemas.microsoft.com/office/drawing/2017/decorative" val="1"/>
+                </a:ext>
+              </a:extLst>
+            </p:cNvPr>
+            <p:cNvSpPr/>
+            <p:nvPr>
+              <p:extLst>
+                <p:ext uri="{386F3935-93C4-4BCD-93E2-E3B085C9AB24}">
+                  <p16:designElem xmlns:p16="http://schemas.microsoft.com/office/powerpoint/2015/main" val="1"/>
+                </p:ext>
+              </p:extLst>
+            </p:nvPr>
+          </p:nvSpPr>
+          <p:spPr>
+            <a:xfrm>
+              <a:off x="0" y="4013200"/>
+              <a:ext cx="448733" cy="2844800"/>
+            </a:xfrm>
+            <a:prstGeom prst="triangle">
+              <a:avLst>
+                <a:gd name="adj" fmla="val 0"/>
+              </a:avLst>
+            </a:prstGeom>
+            <a:solidFill>
+              <a:schemeClr val="accent1">
+                <a:alpha val="85000"/>
+              </a:schemeClr>
+            </a:solidFill>
+            <a:ln>
+              <a:noFill/>
+            </a:ln>
+            <a:effectLst/>
+          </p:spPr>
+          <p:style>
+            <a:lnRef idx="1">
+              <a:schemeClr val="accent1"/>
+            </a:lnRef>
+            <a:fillRef idx="3">
+              <a:schemeClr val="accent1"/>
+            </a:fillRef>
+            <a:effectRef idx="2">
+              <a:schemeClr val="accent1"/>
+            </a:effectRef>
+            <a:fontRef idx="minor">
+              <a:schemeClr val="lt1"/>
+            </a:fontRef>
+          </p:style>
+        </p:sp>
+      </p:grpSp>
+      <p:sp>
+        <p:nvSpPr>
+          <p:cNvPr id="45" name="Rectangle 44">
+            <a:extLst>
+              <a:ext uri="{FF2B5EF4-FFF2-40B4-BE49-F238E27FC236}">
+                <a16:creationId xmlns:a16="http://schemas.microsoft.com/office/drawing/2014/main" id="{03E8462A-FEBA-4848-81CC-3F8DA3E477BE}"/>
+              </a:ext>
+              <a:ext uri="{C183D7F6-B498-43B3-948B-1728B52AA6E4}">
+                <adec:decorative xmlns:adec="http://schemas.microsoft.com/office/drawing/2017/decorative" val="1"/>
+              </a:ext>
+            </a:extLst>
+          </p:cNvPr>
+          <p:cNvSpPr>
+            <a:spLocks noGrp="1" noRot="1" noChangeAspect="1" noMove="1" noResize="1" noEditPoints="1" noAdjustHandles="1" noChangeArrowheads="1" noChangeShapeType="1" noTextEdit="1"/>
+          </p:cNvSpPr>
+          <p:nvPr>
+            <p:extLst>
+              <p:ext uri="{386F3935-93C4-4BCD-93E2-E3B085C9AB24}">
+                <p16:designElem xmlns:p16="http://schemas.microsoft.com/office/powerpoint/2015/main" val="1"/>
+              </p:ext>
+            </p:extLst>
+          </p:nvPr>
+        </p:nvSpPr>
+        <p:spPr>
+          <a:xfrm>
+            <a:off x="0" y="0"/>
+            <a:ext cx="12188952" cy="6858000"/>
+          </a:xfrm>
+          <a:prstGeom prst="rect">
+            <a:avLst/>
+          </a:prstGeom>
+          <a:solidFill>
+            <a:schemeClr val="accent2"/>
+          </a:solidFill>
+          <a:ln>
+            <a:noFill/>
+          </a:ln>
+        </p:spPr>
+        <p:style>
+          <a:lnRef idx="2">
+            <a:schemeClr val="accent1">
+              <a:shade val="50000"/>
+            </a:schemeClr>
+          </a:lnRef>
+          <a:fillRef idx="1">
+            <a:schemeClr val="accent1"/>
+          </a:fillRef>
+          <a:effectRef idx="0">
+            <a:schemeClr val="accent1"/>
+          </a:effectRef>
+          <a:fontRef idx="minor">
+            <a:schemeClr val="lt1"/>
+          </a:fontRef>
+        </p:style>
+        <p:txBody>
+          <a:bodyPr rtlCol="0" anchor="ctr"/>
+          <a:lstStyle/>
+          <a:p>
+            <a:pPr algn="ctr"/>
+            <a:endParaRPr lang="en-US"/>
+          </a:p>
+        </p:txBody>
+      </p:sp>
+      <p:grpSp>
+        <p:nvGrpSpPr>
+          <p:cNvPr id="47" name="Group 46">
+            <a:extLst>
+              <a:ext uri="{FF2B5EF4-FFF2-40B4-BE49-F238E27FC236}">
+                <a16:creationId xmlns:a16="http://schemas.microsoft.com/office/drawing/2014/main" id="{2109F83F-40FE-4DB3-84CC-09FB3340D06D}"/>
+              </a:ext>
+              <a:ext uri="{C183D7F6-B498-43B3-948B-1728B52AA6E4}">
+                <adec:decorative xmlns:adec="http://schemas.microsoft.com/office/drawing/2017/decorative" val="1"/>
+              </a:ext>
+            </a:extLst>
+          </p:cNvPr>
+          <p:cNvGrpSpPr>
+            <a:grpSpLocks noGrp="1" noUngrp="1" noRot="1" noChangeAspect="1" noMove="1" noResize="1"/>
+          </p:cNvGrpSpPr>
+          <p:nvPr>
+            <p:extLst>
+              <p:ext uri="{386F3935-93C4-4BCD-93E2-E3B085C9AB24}">
+                <p16:designElem xmlns:p16="http://schemas.microsoft.com/office/powerpoint/2015/main" val="1"/>
+              </p:ext>
+            </p:extLst>
+          </p:nvPr>
+        </p:nvGrpSpPr>
+        <p:grpSpPr>
+          <a:xfrm>
+            <a:off x="0" y="-8467"/>
+            <a:ext cx="12192000" cy="6866467"/>
+            <a:chOff x="0" y="-8467"/>
+            <a:chExt cx="12192000" cy="6866467"/>
+          </a:xfrm>
+        </p:grpSpPr>
+        <p:cxnSp>
+          <p:nvCxnSpPr>
+            <p:cNvPr id="48" name="Straight Connector 47">
+              <a:extLst>
+                <a:ext uri="{FF2B5EF4-FFF2-40B4-BE49-F238E27FC236}">
+                  <a16:creationId xmlns:a16="http://schemas.microsoft.com/office/drawing/2014/main" id="{1DE492D7-C3C3-48FF-80C8-37021EA0262F}"/>
+                </a:ext>
+                <a:ext uri="{C183D7F6-B498-43B3-948B-1728B52AA6E4}">
+                  <adec:decorative xmlns:adec="http://schemas.microsoft.com/office/drawing/2017/decorative" val="1"/>
+                </a:ext>
+              </a:extLst>
+            </p:cNvPr>
+            <p:cNvCxnSpPr/>
+            <p:nvPr>
+              <p:extLst>
+                <p:ext uri="{386F3935-93C4-4BCD-93E2-E3B085C9AB24}">
+                  <p16:designElem xmlns:p16="http://schemas.microsoft.com/office/powerpoint/2015/main" val="1"/>
+                </p:ext>
+              </p:extLst>
+            </p:nvPr>
+          </p:nvCxnSpPr>
+          <p:spPr>
+            <a:xfrm flipH="1">
+              <a:off x="7425267" y="3681413"/>
+              <a:ext cx="4763558" cy="3176587"/>
+            </a:xfrm>
+            <a:prstGeom prst="line">
+              <a:avLst/>
+            </a:prstGeom>
+            <a:ln w="9525">
+              <a:solidFill>
+                <a:schemeClr val="bg1">
+                  <a:lumMod val="85000"/>
+                </a:schemeClr>
+              </a:solidFill>
+            </a:ln>
+          </p:spPr>
+          <p:style>
+            <a:lnRef idx="2">
+              <a:schemeClr val="accent1"/>
+            </a:lnRef>
+            <a:fillRef idx="0">
+              <a:schemeClr val="accent1"/>
+            </a:fillRef>
+            <a:effectRef idx="1">
+              <a:schemeClr val="accent1"/>
+            </a:effectRef>
+            <a:fontRef idx="minor">
+              <a:schemeClr val="tx1"/>
+            </a:fontRef>
+          </p:style>
+        </p:cxnSp>
+        <p:sp>
+          <p:nvSpPr>
+            <p:cNvPr id="49" name="Rectangle 23">
+              <a:extLst>
+                <a:ext uri="{FF2B5EF4-FFF2-40B4-BE49-F238E27FC236}">
+                  <a16:creationId xmlns:a16="http://schemas.microsoft.com/office/drawing/2014/main" id="{0B30FF97-2E9A-490A-AED2-90BA2E0EC17F}"/>
+                </a:ext>
+                <a:ext uri="{C183D7F6-B498-43B3-948B-1728B52AA6E4}">
+                  <adec:decorative xmlns:adec="http://schemas.microsoft.com/office/drawing/2017/decorative" val="1"/>
+                </a:ext>
+              </a:extLst>
+            </p:cNvPr>
+            <p:cNvSpPr/>
+            <p:nvPr>
+              <p:extLst>
+                <p:ext uri="{386F3935-93C4-4BCD-93E2-E3B085C9AB24}">
+                  <p16:designElem xmlns:p16="http://schemas.microsoft.com/office/powerpoint/2015/main" val="1"/>
+                </p:ext>
+              </p:extLst>
+            </p:nvPr>
+          </p:nvSpPr>
+          <p:spPr>
+            <a:xfrm>
+              <a:off x="9181476" y="-8467"/>
+              <a:ext cx="3007349" cy="6866467"/>
+            </a:xfrm>
+            <a:custGeom>
+              <a:avLst/>
+              <a:gdLst/>
+              <a:ahLst/>
+              <a:cxnLst/>
+              <a:rect l="l" t="t" r="r" b="b"/>
+              <a:pathLst>
+                <a:path w="3007349" h="6866467">
+                  <a:moveTo>
+                    <a:pt x="2045532" y="0"/>
+                  </a:moveTo>
+                  <a:lnTo>
+                    <a:pt x="3007349" y="0"/>
+                  </a:lnTo>
+                  <a:lnTo>
+                    <a:pt x="3007349" y="6866467"/>
+                  </a:lnTo>
+                  <a:lnTo>
+                    <a:pt x="0" y="6866467"/>
+                  </a:lnTo>
+                  <a:lnTo>
+                    <a:pt x="2045532" y="0"/>
+                  </a:lnTo>
+                  <a:close/>
+                </a:path>
+              </a:pathLst>
+            </a:custGeom>
+            <a:solidFill>
+              <a:schemeClr val="accent1">
+                <a:alpha val="30000"/>
+              </a:schemeClr>
+            </a:solidFill>
+            <a:ln>
+              <a:noFill/>
+            </a:ln>
+            <a:effectLst/>
+          </p:spPr>
+          <p:style>
+            <a:lnRef idx="1">
+              <a:schemeClr val="accent1"/>
+            </a:lnRef>
+            <a:fillRef idx="3">
+              <a:schemeClr val="accent1"/>
+            </a:fillRef>
+            <a:effectRef idx="2">
+              <a:schemeClr val="accent1"/>
+            </a:effectRef>
+            <a:fontRef idx="minor">
+              <a:schemeClr val="lt1"/>
+            </a:fontRef>
+          </p:style>
+        </p:sp>
+        <p:sp>
+          <p:nvSpPr>
+            <p:cNvPr id="50" name="Rectangle 25">
+              <a:extLst>
+                <a:ext uri="{FF2B5EF4-FFF2-40B4-BE49-F238E27FC236}">
+                  <a16:creationId xmlns:a16="http://schemas.microsoft.com/office/drawing/2014/main" id="{B6D53C7D-A312-47B6-A66A-230A19CFACA6}"/>
+                </a:ext>
+                <a:ext uri="{C183D7F6-B498-43B3-948B-1728B52AA6E4}">
+                  <adec:decorative xmlns:adec="http://schemas.microsoft.com/office/drawing/2017/decorative" val="1"/>
+                </a:ext>
+              </a:extLst>
+            </p:cNvPr>
+            <p:cNvSpPr/>
+            <p:nvPr>
+              <p:extLst>
+                <p:ext uri="{386F3935-93C4-4BCD-93E2-E3B085C9AB24}">
+                  <p16:designElem xmlns:p16="http://schemas.microsoft.com/office/powerpoint/2015/main" val="1"/>
+                </p:ext>
+              </p:extLst>
+            </p:nvPr>
+          </p:nvSpPr>
+          <p:spPr>
+            <a:xfrm>
+              <a:off x="9603442" y="-8467"/>
+              <a:ext cx="2588558" cy="6866467"/>
+            </a:xfrm>
+            <a:custGeom>
+              <a:avLst/>
+              <a:gdLst/>
+              <a:ahLst/>
+              <a:cxnLst/>
+              <a:rect l="l" t="t" r="r" b="b"/>
+              <a:pathLst>
+                <a:path w="2573311" h="6866467">
+                  <a:moveTo>
+                    <a:pt x="0" y="0"/>
+                  </a:moveTo>
+                  <a:lnTo>
+                    <a:pt x="2573311" y="0"/>
+                  </a:lnTo>
+                  <a:lnTo>
+                    <a:pt x="2573311" y="6866467"/>
+                  </a:lnTo>
+                  <a:lnTo>
+                    <a:pt x="1202336" y="6866467"/>
+                  </a:lnTo>
+                  <a:lnTo>
+                    <a:pt x="0" y="0"/>
+                  </a:lnTo>
+                  <a:close/>
+                </a:path>
+              </a:pathLst>
+            </a:custGeom>
+            <a:solidFill>
+              <a:schemeClr val="accent1">
+                <a:alpha val="20000"/>
+              </a:schemeClr>
+            </a:solidFill>
+            <a:ln>
+              <a:noFill/>
+            </a:ln>
+            <a:effectLst/>
+          </p:spPr>
+          <p:style>
+            <a:lnRef idx="1">
+              <a:schemeClr val="accent1"/>
+            </a:lnRef>
+            <a:fillRef idx="3">
+              <a:schemeClr val="accent1"/>
+            </a:fillRef>
+            <a:effectRef idx="2">
+              <a:schemeClr val="accent1"/>
+            </a:effectRef>
+            <a:fontRef idx="minor">
+              <a:schemeClr val="lt1"/>
+            </a:fontRef>
+          </p:style>
+        </p:sp>
+        <p:sp>
+          <p:nvSpPr>
+            <p:cNvPr id="51" name="Isosceles Triangle 50">
+              <a:extLst>
+                <a:ext uri="{FF2B5EF4-FFF2-40B4-BE49-F238E27FC236}">
+                  <a16:creationId xmlns:a16="http://schemas.microsoft.com/office/drawing/2014/main" id="{9329D58C-0D2E-4A2B-AD6A-9CEE506784A8}"/>
+                </a:ext>
+                <a:ext uri="{C183D7F6-B498-43B3-948B-1728B52AA6E4}">
+                  <adec:decorative xmlns:adec="http://schemas.microsoft.com/office/drawing/2017/decorative" val="1"/>
+                </a:ext>
+              </a:extLst>
+            </p:cNvPr>
+            <p:cNvSpPr/>
+            <p:nvPr>
+              <p:extLst>
+                <p:ext uri="{386F3935-93C4-4BCD-93E2-E3B085C9AB24}">
+                  <p16:designElem xmlns:p16="http://schemas.microsoft.com/office/powerpoint/2015/main" val="1"/>
+                </p:ext>
+              </p:extLst>
+            </p:nvPr>
+          </p:nvSpPr>
+          <p:spPr>
+            <a:xfrm>
+              <a:off x="8932333" y="3048000"/>
+              <a:ext cx="3259667" cy="3810000"/>
+            </a:xfrm>
+            <a:prstGeom prst="triangle">
+              <a:avLst>
+                <a:gd name="adj" fmla="val 100000"/>
+              </a:avLst>
+            </a:prstGeom>
+            <a:solidFill>
+              <a:schemeClr val="accent2">
+                <a:alpha val="72000"/>
+              </a:schemeClr>
+            </a:solidFill>
+            <a:ln>
+              <a:noFill/>
+            </a:ln>
+            <a:effectLst/>
+          </p:spPr>
+          <p:style>
+            <a:lnRef idx="1">
+              <a:schemeClr val="accent1"/>
+            </a:lnRef>
+            <a:fillRef idx="3">
+              <a:schemeClr val="accent1"/>
+            </a:fillRef>
+            <a:effectRef idx="2">
+              <a:schemeClr val="accent1"/>
+            </a:effectRef>
+            <a:fontRef idx="minor">
+              <a:schemeClr val="lt1"/>
+            </a:fontRef>
+          </p:style>
+        </p:sp>
+        <p:sp>
+          <p:nvSpPr>
+            <p:cNvPr id="52" name="Rectangle 27">
+              <a:extLst>
+                <a:ext uri="{FF2B5EF4-FFF2-40B4-BE49-F238E27FC236}">
+                  <a16:creationId xmlns:a16="http://schemas.microsoft.com/office/drawing/2014/main" id="{9D446EDE-C690-4461-8BF2-7634808FC8B4}"/>
+                </a:ext>
+                <a:ext uri="{C183D7F6-B498-43B3-948B-1728B52AA6E4}">
+                  <adec:decorative xmlns:adec="http://schemas.microsoft.com/office/drawing/2017/decorative" val="1"/>
+                </a:ext>
+              </a:extLst>
+            </p:cNvPr>
+            <p:cNvSpPr/>
+            <p:nvPr>
+              <p:extLst>
+                <p:ext uri="{386F3935-93C4-4BCD-93E2-E3B085C9AB24}">
+                  <p16:designElem xmlns:p16="http://schemas.microsoft.com/office/powerpoint/2015/main" val="1"/>
+                </p:ext>
+              </p:extLst>
+            </p:nvPr>
+          </p:nvSpPr>
+          <p:spPr>
+            <a:xfrm>
+              <a:off x="9334500" y="-8467"/>
+              <a:ext cx="2854326" cy="6866467"/>
+            </a:xfrm>
+            <a:custGeom>
+              <a:avLst/>
+              <a:gdLst/>
+              <a:ahLst/>
+              <a:cxnLst/>
+              <a:rect l="l" t="t" r="r" b="b"/>
+              <a:pathLst>
+                <a:path w="2858013" h="6866467">
+                  <a:moveTo>
+                    <a:pt x="0" y="0"/>
+                  </a:moveTo>
+                  <a:lnTo>
+                    <a:pt x="2858013" y="0"/>
+                  </a:lnTo>
+                  <a:lnTo>
+                    <a:pt x="2858013" y="6866467"/>
+                  </a:lnTo>
+                  <a:lnTo>
+                    <a:pt x="2473942" y="6866467"/>
+                  </a:lnTo>
+                  <a:lnTo>
+                    <a:pt x="0" y="0"/>
+                  </a:lnTo>
+                  <a:close/>
+                </a:path>
+              </a:pathLst>
+            </a:custGeom>
+            <a:solidFill>
+              <a:schemeClr val="accent2">
+                <a:lumMod val="75000"/>
+                <a:alpha val="70000"/>
+              </a:schemeClr>
+            </a:solidFill>
+            <a:ln>
+              <a:noFill/>
+            </a:ln>
+            <a:effectLst/>
+          </p:spPr>
+          <p:style>
+            <a:lnRef idx="1">
+              <a:schemeClr val="accent1"/>
+            </a:lnRef>
+            <a:fillRef idx="3">
+              <a:schemeClr val="accent1"/>
+            </a:fillRef>
+            <a:effectRef idx="2">
+              <a:schemeClr val="accent1"/>
+            </a:effectRef>
+            <a:fontRef idx="minor">
+              <a:schemeClr val="lt1"/>
+            </a:fontRef>
+          </p:style>
+        </p:sp>
+        <p:sp>
+          <p:nvSpPr>
+            <p:cNvPr id="53" name="Rectangle 28">
+              <a:extLst>
+                <a:ext uri="{FF2B5EF4-FFF2-40B4-BE49-F238E27FC236}">
+                  <a16:creationId xmlns:a16="http://schemas.microsoft.com/office/drawing/2014/main" id="{323F3D34-6531-4AD7-A8C6-195A090281A1}"/>
+                </a:ext>
+                <a:ext uri="{C183D7F6-B498-43B3-948B-1728B52AA6E4}">
+                  <adec:decorative xmlns:adec="http://schemas.microsoft.com/office/drawing/2017/decorative" val="1"/>
+                </a:ext>
+              </a:extLst>
+            </p:cNvPr>
+            <p:cNvSpPr/>
+            <p:nvPr>
+              <p:extLst>
+                <p:ext uri="{386F3935-93C4-4BCD-93E2-E3B085C9AB24}">
+                  <p16:designElem xmlns:p16="http://schemas.microsoft.com/office/powerpoint/2015/main" val="1"/>
+                </p:ext>
+              </p:extLst>
+            </p:nvPr>
+          </p:nvSpPr>
+          <p:spPr>
+            <a:xfrm>
+              <a:off x="10898730" y="-8467"/>
+              <a:ext cx="1290094" cy="6866467"/>
+            </a:xfrm>
+            <a:custGeom>
+              <a:avLst/>
+              <a:gdLst/>
+              <a:ahLst/>
+              <a:cxnLst/>
+              <a:rect l="l" t="t" r="r" b="b"/>
+              <a:pathLst>
+                <a:path w="1290094" h="6858000">
+                  <a:moveTo>
+                    <a:pt x="1019735" y="0"/>
+                  </a:moveTo>
+                  <a:lnTo>
+                    <a:pt x="1290094" y="0"/>
+                  </a:lnTo>
+                  <a:lnTo>
+                    <a:pt x="1290094" y="6858000"/>
+                  </a:lnTo>
+                  <a:lnTo>
+                    <a:pt x="0" y="6858000"/>
+                  </a:lnTo>
+                  <a:lnTo>
+                    <a:pt x="1019735" y="0"/>
+                  </a:lnTo>
+                  <a:close/>
+                </a:path>
+              </a:pathLst>
+            </a:custGeom>
+            <a:solidFill>
+              <a:schemeClr val="accent1">
+                <a:lumMod val="60000"/>
+                <a:lumOff val="40000"/>
+                <a:alpha val="70000"/>
+              </a:schemeClr>
+            </a:solidFill>
+            <a:ln>
+              <a:noFill/>
+            </a:ln>
+            <a:effectLst/>
+          </p:spPr>
+          <p:style>
+            <a:lnRef idx="1">
+              <a:schemeClr val="accent1"/>
+            </a:lnRef>
+            <a:fillRef idx="3">
+              <a:schemeClr val="accent1"/>
+            </a:fillRef>
+            <a:effectRef idx="2">
+              <a:schemeClr val="accent1"/>
+            </a:effectRef>
+            <a:fontRef idx="minor">
+              <a:schemeClr val="lt1"/>
+            </a:fontRef>
+          </p:style>
+        </p:sp>
+        <p:sp>
+          <p:nvSpPr>
+            <p:cNvPr id="54" name="Rectangle 29">
+              <a:extLst>
+                <a:ext uri="{FF2B5EF4-FFF2-40B4-BE49-F238E27FC236}">
+                  <a16:creationId xmlns:a16="http://schemas.microsoft.com/office/drawing/2014/main" id="{B9B0AE3F-2350-435F-A9B0-C310BF876385}"/>
+                </a:ext>
+                <a:ext uri="{C183D7F6-B498-43B3-948B-1728B52AA6E4}">
+                  <adec:decorative xmlns:adec="http://schemas.microsoft.com/office/drawing/2017/decorative" val="1"/>
+                </a:ext>
+              </a:extLst>
+            </p:cNvPr>
+            <p:cNvSpPr/>
+            <p:nvPr>
+              <p:extLst>
+                <p:ext uri="{386F3935-93C4-4BCD-93E2-E3B085C9AB24}">
+                  <p16:designElem xmlns:p16="http://schemas.microsoft.com/office/powerpoint/2015/main" val="1"/>
+                </p:ext>
+              </p:extLst>
+            </p:nvPr>
+          </p:nvSpPr>
+          <p:spPr>
+            <a:xfrm>
+              <a:off x="10938999" y="-8467"/>
+              <a:ext cx="1249825" cy="6866467"/>
+            </a:xfrm>
+            <a:custGeom>
+              <a:avLst/>
+              <a:gdLst/>
+              <a:ahLst/>
+              <a:cxnLst/>
+              <a:rect l="l" t="t" r="r" b="b"/>
+              <a:pathLst>
+                <a:path w="1249825" h="6858000">
+                  <a:moveTo>
+                    <a:pt x="0" y="0"/>
+                  </a:moveTo>
+                  <a:lnTo>
+                    <a:pt x="1249825" y="0"/>
+                  </a:lnTo>
+                  <a:lnTo>
+                    <a:pt x="1249825" y="6858000"/>
+                  </a:lnTo>
+                  <a:lnTo>
+                    <a:pt x="1109382" y="6858000"/>
+                  </a:lnTo>
+                  <a:lnTo>
+                    <a:pt x="0" y="0"/>
+                  </a:lnTo>
+                  <a:close/>
+                </a:path>
+              </a:pathLst>
+            </a:custGeom>
+            <a:solidFill>
+              <a:schemeClr val="accent1">
+                <a:alpha val="65000"/>
+              </a:schemeClr>
+            </a:solidFill>
+            <a:ln>
+              <a:noFill/>
+            </a:ln>
+            <a:effectLst/>
+          </p:spPr>
+          <p:style>
+            <a:lnRef idx="1">
+              <a:schemeClr val="accent1"/>
+            </a:lnRef>
+            <a:fillRef idx="3">
+              <a:schemeClr val="accent1"/>
+            </a:fillRef>
+            <a:effectRef idx="2">
+              <a:schemeClr val="accent1"/>
+            </a:effectRef>
+            <a:fontRef idx="minor">
+              <a:schemeClr val="lt1"/>
+            </a:fontRef>
+          </p:style>
+        </p:sp>
+        <p:sp>
+          <p:nvSpPr>
+            <p:cNvPr id="55" name="Isosceles Triangle 54">
+              <a:extLst>
+                <a:ext uri="{FF2B5EF4-FFF2-40B4-BE49-F238E27FC236}">
+                  <a16:creationId xmlns:a16="http://schemas.microsoft.com/office/drawing/2014/main" id="{4EFA655C-9E50-4C14-A89E-AD7B648E4E2B}"/>
+                </a:ext>
+                <a:ext uri="{C183D7F6-B498-43B3-948B-1728B52AA6E4}">
+                  <adec:decorative xmlns:adec="http://schemas.microsoft.com/office/drawing/2017/decorative" val="1"/>
+                </a:ext>
+              </a:extLst>
+            </p:cNvPr>
+            <p:cNvSpPr/>
+            <p:nvPr>
+              <p:extLst>
+                <p:ext uri="{386F3935-93C4-4BCD-93E2-E3B085C9AB24}">
+                  <p16:designElem xmlns:p16="http://schemas.microsoft.com/office/powerpoint/2015/main" val="1"/>
+                </p:ext>
+              </p:extLst>
+            </p:nvPr>
+          </p:nvSpPr>
+          <p:spPr>
+            <a:xfrm>
+              <a:off x="10371666" y="3589867"/>
+              <a:ext cx="1817159" cy="3268133"/>
+            </a:xfrm>
+            <a:prstGeom prst="triangle">
+              <a:avLst>
+                <a:gd name="adj" fmla="val 100000"/>
+              </a:avLst>
+            </a:prstGeom>
+            <a:solidFill>
+              <a:schemeClr val="accent1">
+                <a:alpha val="80000"/>
+              </a:schemeClr>
+            </a:solidFill>
+            <a:ln>
+              <a:noFill/>
+            </a:ln>
+            <a:effectLst/>
+          </p:spPr>
+          <p:style>
+            <a:lnRef idx="1">
+              <a:schemeClr val="accent1"/>
+            </a:lnRef>
+            <a:fillRef idx="3">
+              <a:schemeClr val="accent1"/>
+            </a:fillRef>
+            <a:effectRef idx="2">
+              <a:schemeClr val="accent1"/>
+            </a:effectRef>
+            <a:fontRef idx="minor">
+              <a:schemeClr val="lt1"/>
+            </a:fontRef>
+          </p:style>
+        </p:sp>
+        <p:sp>
+          <p:nvSpPr>
+            <p:cNvPr id="56" name="Isosceles Triangle 55">
+              <a:extLst>
+                <a:ext uri="{FF2B5EF4-FFF2-40B4-BE49-F238E27FC236}">
+                  <a16:creationId xmlns:a16="http://schemas.microsoft.com/office/drawing/2014/main" id="{3E843863-7D25-4C01-9A17-E817CB6D998A}"/>
+                </a:ext>
+                <a:ext uri="{C183D7F6-B498-43B3-948B-1728B52AA6E4}">
+                  <adec:decorative xmlns:adec="http://schemas.microsoft.com/office/drawing/2017/decorative" val="1"/>
+                </a:ext>
+              </a:extLst>
+            </p:cNvPr>
+            <p:cNvSpPr/>
+            <p:nvPr>
+              <p:extLst>
+                <p:ext uri="{386F3935-93C4-4BCD-93E2-E3B085C9AB24}">
+                  <p16:designElem xmlns:p16="http://schemas.microsoft.com/office/powerpoint/2015/main" val="1"/>
+                </p:ext>
+              </p:extLst>
+            </p:nvPr>
+          </p:nvSpPr>
+          <p:spPr>
+            <a:xfrm>
+              <a:off x="0" y="4013200"/>
+              <a:ext cx="448733" cy="2844800"/>
+            </a:xfrm>
+            <a:prstGeom prst="triangle">
+              <a:avLst>
+                <a:gd name="adj" fmla="val 0"/>
+              </a:avLst>
+            </a:prstGeom>
+            <a:solidFill>
+              <a:schemeClr val="accent1">
+                <a:alpha val="85000"/>
+              </a:schemeClr>
+            </a:solidFill>
+            <a:ln>
+              <a:noFill/>
+            </a:ln>
+            <a:effectLst/>
+          </p:spPr>
+          <p:style>
+            <a:lnRef idx="1">
+              <a:schemeClr val="accent1"/>
+            </a:lnRef>
+            <a:fillRef idx="3">
+              <a:schemeClr val="accent1"/>
+            </a:fillRef>
+            <a:effectRef idx="2">
+              <a:schemeClr val="accent1"/>
+            </a:effectRef>
+            <a:fontRef idx="minor">
+              <a:schemeClr val="lt1"/>
+            </a:fontRef>
+          </p:style>
+        </p:sp>
+      </p:grpSp>
+      <p:sp>
+        <p:nvSpPr>
+          <p:cNvPr id="58" name="Rectangle 57">
+            <a:extLst>
+              <a:ext uri="{FF2B5EF4-FFF2-40B4-BE49-F238E27FC236}">
+                <a16:creationId xmlns:a16="http://schemas.microsoft.com/office/drawing/2014/main" id="{7941F9B1-B01B-4A84-89D9-B169AEB4E456}"/>
+              </a:ext>
+              <a:ext uri="{C183D7F6-B498-43B3-948B-1728B52AA6E4}">
+                <adec:decorative xmlns:adec="http://schemas.microsoft.com/office/drawing/2017/decorative" val="1"/>
+              </a:ext>
+            </a:extLst>
+          </p:cNvPr>
+          <p:cNvSpPr>
+            <a:spLocks noGrp="1" noRot="1" noChangeAspect="1" noMove="1" noResize="1" noEditPoints="1" noAdjustHandles="1" noChangeArrowheads="1" noChangeShapeType="1" noTextEdit="1"/>
+          </p:cNvSpPr>
+          <p:nvPr>
+            <p:extLst>
+              <p:ext uri="{386F3935-93C4-4BCD-93E2-E3B085C9AB24}">
+                <p16:designElem xmlns:p16="http://schemas.microsoft.com/office/powerpoint/2015/main" val="1"/>
+              </p:ext>
+            </p:extLst>
+          </p:nvPr>
+        </p:nvSpPr>
+        <p:spPr>
+          <a:xfrm>
+            <a:off x="477012" y="480060"/>
+            <a:ext cx="11237976" cy="5897880"/>
+          </a:xfrm>
+          <a:prstGeom prst="rect">
+            <a:avLst/>
+          </a:prstGeom>
+          <a:solidFill>
+            <a:srgbClr val="FFFFFF"/>
+          </a:solidFill>
+          <a:ln w="9525">
+            <a:noFill/>
+          </a:ln>
+          <a:effectLst>
+            <a:outerShdw blurRad="63500" dist="17780" dir="5400000" algn="t" rotWithShape="0">
+              <a:prstClr val="black">
+                <a:alpha val="43000"/>
+              </a:prstClr>
+            </a:outerShdw>
+          </a:effectLst>
+        </p:spPr>
+        <p:style>
+          <a:lnRef idx="2">
+            <a:schemeClr val="accent1">
+              <a:shade val="50000"/>
+            </a:schemeClr>
+          </a:lnRef>
+          <a:fillRef idx="1">
+            <a:schemeClr val="accent1"/>
+          </a:fillRef>
+          <a:effectRef idx="0">
+            <a:schemeClr val="accent1"/>
+          </a:effectRef>
+          <a:fontRef idx="minor">
+            <a:schemeClr val="lt1"/>
+          </a:fontRef>
+        </p:style>
+        <p:txBody>
+          <a:bodyPr rtlCol="0" anchor="ctr"/>
+          <a:lstStyle/>
+          <a:p>
+            <a:pPr algn="ctr"/>
+            <a:endParaRPr lang="en-US"/>
+          </a:p>
+        </p:txBody>
+      </p:sp>
+      <p:sp>
+        <p:nvSpPr>
+          <p:cNvPr id="2" name="Title 1">
+            <a:extLst>
+              <a:ext uri="{FF2B5EF4-FFF2-40B4-BE49-F238E27FC236}">
+                <a16:creationId xmlns:a16="http://schemas.microsoft.com/office/drawing/2014/main" id="{B80D2531-7830-0494-4102-0E59822F23E7}"/>
+              </a:ext>
+            </a:extLst>
+          </p:cNvPr>
+          <p:cNvSpPr>
+            <a:spLocks noGrp="1"/>
+          </p:cNvSpPr>
+          <p:nvPr>
+            <p:ph type="title"/>
+          </p:nvPr>
+        </p:nvSpPr>
+        <p:spPr>
+          <a:xfrm>
+            <a:off x="1286933" y="609600"/>
+            <a:ext cx="10197494" cy="1099457"/>
+          </a:xfrm>
+        </p:spPr>
+        <p:txBody>
+          <a:bodyPr>
+            <a:normAutofit/>
+          </a:bodyPr>
+          <a:lstStyle/>
+          <a:p>
+            <a:r>
+              <a:rPr lang="en-IT" dirty="0"/>
+              <a:t>concept</a:t>
+            </a:r>
+          </a:p>
+        </p:txBody>
+      </p:sp>
+      <p:graphicFrame>
+        <p:nvGraphicFramePr>
+          <p:cNvPr id="5" name="Content Placeholder 2">
+            <a:extLst>
+              <a:ext uri="{FF2B5EF4-FFF2-40B4-BE49-F238E27FC236}">
+                <a16:creationId xmlns:a16="http://schemas.microsoft.com/office/drawing/2014/main" id="{C5EF62C5-39CF-22A1-7BEF-BFAA7D64570D}"/>
+              </a:ext>
+            </a:extLst>
+          </p:cNvPr>
+          <p:cNvGraphicFramePr>
+            <a:graphicFrameLocks noGrp="1"/>
+          </p:cNvGraphicFramePr>
+          <p:nvPr>
+            <p:ph idx="1"/>
+            <p:extLst>
+              <p:ext uri="{D42A27DB-BD31-4B8C-83A1-F6EECF244321}">
+                <p14:modId xmlns:p14="http://schemas.microsoft.com/office/powerpoint/2010/main" val="4045776866"/>
+              </p:ext>
+            </p:extLst>
+          </p:nvPr>
+        </p:nvGraphicFramePr>
+        <p:xfrm>
+          <a:off x="1286933" y="1948543"/>
+          <a:ext cx="9618133" cy="4093482"/>
+        </p:xfrm>
+        <a:graphic>
+          <a:graphicData uri="http://schemas.openxmlformats.org/drawingml/2006/diagram">
+            <dgm:relIds xmlns:dgm="http://schemas.openxmlformats.org/drawingml/2006/diagram" xmlns:r="http://schemas.openxmlformats.org/officeDocument/2006/relationships" r:dm="rId2" r:lo="rId3" r:qs="rId4" r:cs="rId5"/>
+          </a:graphicData>
+        </a:graphic>
+      </p:graphicFrame>
+    </p:spTree>
+    <p:extLst>
+      <p:ext uri="{BB962C8B-B14F-4D97-AF65-F5344CB8AC3E}">
+        <p14:creationId xmlns:p14="http://schemas.microsoft.com/office/powerpoint/2010/main" val="2341228309"/>
+      </p:ext>
+    </p:extLst>
+  </p:cSld>
+  <p:clrMapOvr>
+    <a:masterClrMapping/>
+  </p:clrMapOvr>
+</p:sld>
+</file>
+
+<file path=ppt/slides/slide4.xml><?xml version="1.0" encoding="utf-8"?>
+<p:sld xmlns:a="http://schemas.openxmlformats.org/drawingml/2006/main" xmlns:r="http://schemas.openxmlformats.org/officeDocument/2006/relationships" xmlns:p="http://schemas.openxmlformats.org/presentationml/2006/main">
+  <p:cSld>
+    <p:spTree>
+      <p:nvGrpSpPr>
+        <p:cNvPr id="1" name=""/>
+        <p:cNvGrpSpPr/>
+        <p:nvPr/>
+      </p:nvGrpSpPr>
+      <p:grpSpPr>
+        <a:xfrm>
+          <a:off x="0" y="0"/>
+          <a:ext cx="0" cy="0"/>
+          <a:chOff x="0" y="0"/>
+          <a:chExt cx="0" cy="0"/>
+        </a:xfrm>
+      </p:grpSpPr>
+      <p:sp>
+        <p:nvSpPr>
+          <p:cNvPr id="2" name="Title 1">
+            <a:extLst>
+              <a:ext uri="{FF2B5EF4-FFF2-40B4-BE49-F238E27FC236}">
+                <a16:creationId xmlns:a16="http://schemas.microsoft.com/office/drawing/2014/main" id="{ED15CBE2-D704-606E-CE35-BEAC5F6DD6FC}"/>
+              </a:ext>
+            </a:extLst>
+          </p:cNvPr>
+          <p:cNvSpPr>
+            <a:spLocks noGrp="1"/>
+          </p:cNvSpPr>
+          <p:nvPr>
+            <p:ph type="title"/>
+          </p:nvPr>
+        </p:nvSpPr>
+        <p:spPr>
+          <a:xfrm>
+            <a:off x="677334" y="609600"/>
+            <a:ext cx="8596668" cy="801757"/>
+          </a:xfrm>
+        </p:spPr>
+        <p:txBody>
+          <a:bodyPr/>
+          <a:lstStyle/>
+          <a:p>
+            <a:r>
+              <a:rPr lang="en-IT" dirty="0"/>
+              <a:t>process</a:t>
+            </a:r>
+          </a:p>
+        </p:txBody>
+      </p:sp>
+      <p:sp>
+        <p:nvSpPr>
+          <p:cNvPr id="3" name="Content Placeholder 2">
+            <a:extLst>
+              <a:ext uri="{FF2B5EF4-FFF2-40B4-BE49-F238E27FC236}">
+                <a16:creationId xmlns:a16="http://schemas.microsoft.com/office/drawing/2014/main" id="{E45FEAAC-FA32-8A3A-56C0-6764F5E0C94B}"/>
+              </a:ext>
+            </a:extLst>
+          </p:cNvPr>
+          <p:cNvSpPr>
+            <a:spLocks noGrp="1"/>
+          </p:cNvSpPr>
+          <p:nvPr>
+            <p:ph idx="1"/>
+          </p:nvPr>
+        </p:nvSpPr>
+        <p:spPr/>
+        <p:txBody>
+          <a:bodyPr>
+            <a:normAutofit fontScale="85000" lnSpcReduction="10000"/>
+          </a:bodyPr>
+          <a:lstStyle/>
+          <a:p>
+            <a:r>
+              <a:rPr lang="en-US" dirty="0"/>
+              <a:t>We are creating a solution for an SME&gt; I want to take a loan from the E Naira Platform</a:t>
+            </a:r>
+            <a:endParaRPr lang="en-IT" dirty="0"/>
+          </a:p>
+          <a:p>
+            <a:pPr lvl="0"/>
+            <a:r>
+              <a:rPr lang="en-US" dirty="0"/>
+              <a:t>I go to loan section</a:t>
+            </a:r>
+            <a:endParaRPr lang="en-IT" dirty="0"/>
+          </a:p>
+          <a:p>
+            <a:pPr lvl="0"/>
+            <a:r>
+              <a:rPr lang="en-US" dirty="0"/>
+              <a:t>I sign up, and fill in the required documents</a:t>
+            </a:r>
+            <a:endParaRPr lang="en-IT" dirty="0"/>
+          </a:p>
+          <a:p>
+            <a:pPr lvl="0"/>
+            <a:r>
+              <a:rPr lang="en-US" dirty="0"/>
+              <a:t>I am also validated properly before getting the token</a:t>
+            </a:r>
+            <a:endParaRPr lang="en-IT" dirty="0"/>
+          </a:p>
+          <a:p>
+            <a:pPr lvl="0"/>
+            <a:r>
+              <a:rPr lang="en-US" dirty="0"/>
+              <a:t>I am then given the token. The token is specific to what I took the loan for, so I cannot use it for something else</a:t>
+            </a:r>
+            <a:endParaRPr lang="en-IT" dirty="0"/>
+          </a:p>
+          <a:p>
+            <a:pPr lvl="0"/>
+            <a:r>
+              <a:rPr lang="en-US" dirty="0"/>
+              <a:t>The people that I purchase materials or resources for also make use of the E Naira since they are also available on that platform, thus I cannot spend the token anywhere else</a:t>
+            </a:r>
+            <a:endParaRPr lang="en-IT" dirty="0"/>
+          </a:p>
+          <a:p>
+            <a:pPr lvl="0"/>
+            <a:r>
+              <a:rPr lang="en-US" dirty="0"/>
+              <a:t>Because of the people involved in the transactions being on the E Naira platform, the lender can keep track of exactly how the money is being spent…</a:t>
+            </a:r>
+            <a:endParaRPr lang="en-IT" dirty="0"/>
+          </a:p>
+          <a:p>
+            <a:pPr lvl="0"/>
+            <a:r>
+              <a:rPr lang="en-US" dirty="0"/>
+              <a:t>Now Imagine I want to commercialize my products and I want to sell them, there is also an option of selling the products using E tokens</a:t>
+            </a:r>
+            <a:endParaRPr lang="en-IT" dirty="0"/>
+          </a:p>
+          <a:p>
+            <a:pPr lvl="0"/>
+            <a:r>
+              <a:rPr lang="en-US" dirty="0"/>
+              <a:t>The E – token applies to the LENDER – the SME -- &amp; -- THE CONSUMERS</a:t>
+            </a:r>
+            <a:endParaRPr lang="en-IT" dirty="0"/>
+          </a:p>
+          <a:p>
+            <a:endParaRPr lang="en-IT" dirty="0"/>
+          </a:p>
+        </p:txBody>
+      </p:sp>
+    </p:spTree>
+    <p:extLst>
+      <p:ext uri="{BB962C8B-B14F-4D97-AF65-F5344CB8AC3E}">
+        <p14:creationId xmlns:p14="http://schemas.microsoft.com/office/powerpoint/2010/main" val="3650647330"/>
+      </p:ext>
+    </p:extLst>
+  </p:cSld>
+  <p:clrMapOvr>
+    <a:masterClrMapping/>
+  </p:clrMapOvr>
+</p:sld>
+</file>
+
+<file path=ppt/slides/slide5.xml><?xml version="1.0" encoding="utf-8"?>
+<p:sld xmlns:a="http://schemas.openxmlformats.org/drawingml/2006/main" xmlns:r="http://schemas.openxmlformats.org/officeDocument/2006/relationships" xmlns:p="http://schemas.openxmlformats.org/presentationml/2006/main">
+  <p:cSld>
+    <p:spTree>
+      <p:nvGrpSpPr>
+        <p:cNvPr id="1" name=""/>
+        <p:cNvGrpSpPr/>
+        <p:nvPr/>
+      </p:nvGrpSpPr>
+      <p:grpSpPr>
+        <a:xfrm>
+          <a:off x="0" y="0"/>
+          <a:ext cx="0" cy="0"/>
+          <a:chOff x="0" y="0"/>
+          <a:chExt cx="0" cy="0"/>
+        </a:xfrm>
+      </p:grpSpPr>
+      <p:sp>
+        <p:nvSpPr>
+          <p:cNvPr id="2" name="Title 1">
+            <a:extLst>
+              <a:ext uri="{FF2B5EF4-FFF2-40B4-BE49-F238E27FC236}">
+                <a16:creationId xmlns:a16="http://schemas.microsoft.com/office/drawing/2014/main" id="{102D9CD0-CEB8-F109-FE02-60AB30A9F462}"/>
+              </a:ext>
+            </a:extLst>
+          </p:cNvPr>
+          <p:cNvSpPr>
+            <a:spLocks noGrp="1"/>
+          </p:cNvSpPr>
+          <p:nvPr>
+            <p:ph type="title"/>
+          </p:nvPr>
+        </p:nvSpPr>
+        <p:spPr/>
+        <p:txBody>
+          <a:bodyPr/>
+          <a:lstStyle/>
+          <a:p>
+            <a:r>
+              <a:rPr lang="en-IT" dirty="0"/>
+              <a:t>Usage</a:t>
+            </a:r>
+          </a:p>
+        </p:txBody>
+      </p:sp>
+      <p:sp>
+        <p:nvSpPr>
+          <p:cNvPr id="3" name="Content Placeholder 2">
+            <a:extLst>
+              <a:ext uri="{FF2B5EF4-FFF2-40B4-BE49-F238E27FC236}">
+                <a16:creationId xmlns:a16="http://schemas.microsoft.com/office/drawing/2014/main" id="{3964615C-C1FF-169C-AF9A-B1CBA5F5731B}"/>
+              </a:ext>
+            </a:extLst>
+          </p:cNvPr>
+          <p:cNvSpPr>
+            <a:spLocks noGrp="1"/>
+          </p:cNvSpPr>
+          <p:nvPr>
+            <p:ph idx="1"/>
+          </p:nvPr>
+        </p:nvSpPr>
+        <p:spPr/>
+        <p:txBody>
+          <a:bodyPr/>
+          <a:lstStyle/>
+          <a:p>
+            <a:r>
+              <a:rPr lang="en-US" dirty="0"/>
+              <a:t>Functions (On the part of the Loaner &amp; the SME)…</a:t>
+            </a:r>
+            <a:endParaRPr lang="en-IT" dirty="0"/>
+          </a:p>
+          <a:p>
+            <a:pPr lvl="0"/>
+            <a:r>
+              <a:rPr lang="en-US" dirty="0"/>
+              <a:t>Used to access loans</a:t>
+            </a:r>
+            <a:endParaRPr lang="en-IT" dirty="0"/>
+          </a:p>
+          <a:p>
+            <a:pPr lvl="0"/>
+            <a:r>
+              <a:rPr lang="en-US" dirty="0"/>
+              <a:t>Used to track the use of loans that have been accessed</a:t>
+            </a:r>
+            <a:endParaRPr lang="en-IT" dirty="0"/>
+          </a:p>
+          <a:p>
+            <a:pPr lvl="0"/>
+            <a:r>
+              <a:rPr lang="en-US" dirty="0"/>
+              <a:t>Used to track the repayment of Loans</a:t>
+            </a:r>
+            <a:endParaRPr lang="en-IT" dirty="0"/>
+          </a:p>
+          <a:p>
+            <a:r>
+              <a:rPr lang="en-US" dirty="0"/>
+              <a:t>Functions (on the part of the SME and the consumer)…</a:t>
+            </a:r>
+            <a:endParaRPr lang="en-IT" dirty="0"/>
+          </a:p>
+          <a:p>
+            <a:r>
+              <a:rPr lang="en-US" dirty="0"/>
+              <a:t>The consumer can use it to purchase products from the SMEs</a:t>
+            </a:r>
+          </a:p>
+          <a:p>
+            <a:r>
+              <a:rPr lang="en-US" dirty="0"/>
+              <a:t>The spread of the usage of </a:t>
+            </a:r>
+            <a:r>
+              <a:rPr lang="en-US" dirty="0" err="1"/>
+              <a:t>eNaira</a:t>
+            </a:r>
+            <a:r>
+              <a:rPr lang="en-US" dirty="0"/>
+              <a:t> </a:t>
+            </a:r>
+            <a:endParaRPr lang="en-IT" dirty="0"/>
+          </a:p>
+        </p:txBody>
+      </p:sp>
+    </p:spTree>
+    <p:extLst>
+      <p:ext uri="{BB962C8B-B14F-4D97-AF65-F5344CB8AC3E}">
+        <p14:creationId xmlns:p14="http://schemas.microsoft.com/office/powerpoint/2010/main" val="1715876345"/>
       </p:ext>
     </p:extLst>
   </p:cSld>
